--- a/planilhas e ppts/PPT_linhas_de_tendencias.pptx
+++ b/planilhas e ppts/PPT_linhas_de_tendencias.pptx
@@ -5,21 +5,36 @@
     <p:sldMasterId id="2147483648" r:id="rId1"/>
   </p:sldMasterIdLst>
   <p:sldIdLst>
-    <p:sldId id="272" r:id="rId2"/>
-    <p:sldId id="273" r:id="rId3"/>
-    <p:sldId id="263" r:id="rId4"/>
-    <p:sldId id="262" r:id="rId5"/>
-    <p:sldId id="264" r:id="rId6"/>
-    <p:sldId id="265" r:id="rId7"/>
-    <p:sldId id="266" r:id="rId8"/>
-    <p:sldId id="267" r:id="rId9"/>
-    <p:sldId id="268" r:id="rId10"/>
-    <p:sldId id="269" r:id="rId11"/>
-    <p:sldId id="270" r:id="rId12"/>
-    <p:sldId id="271" r:id="rId13"/>
-    <p:sldId id="274" r:id="rId14"/>
-    <p:sldId id="275" r:id="rId15"/>
-    <p:sldId id="276" r:id="rId16"/>
+    <p:sldId id="281" r:id="rId2"/>
+    <p:sldId id="277" r:id="rId3"/>
+    <p:sldId id="273" r:id="rId4"/>
+    <p:sldId id="279" r:id="rId5"/>
+    <p:sldId id="286" r:id="rId6"/>
+    <p:sldId id="288" r:id="rId7"/>
+    <p:sldId id="291" r:id="rId8"/>
+    <p:sldId id="289" r:id="rId9"/>
+    <p:sldId id="292" r:id="rId10"/>
+    <p:sldId id="293" r:id="rId11"/>
+    <p:sldId id="263" r:id="rId12"/>
+    <p:sldId id="262" r:id="rId13"/>
+    <p:sldId id="264" r:id="rId14"/>
+    <p:sldId id="265" r:id="rId15"/>
+    <p:sldId id="283" r:id="rId16"/>
+    <p:sldId id="266" r:id="rId17"/>
+    <p:sldId id="294" r:id="rId18"/>
+    <p:sldId id="267" r:id="rId19"/>
+    <p:sldId id="268" r:id="rId20"/>
+    <p:sldId id="269" r:id="rId21"/>
+    <p:sldId id="270" r:id="rId22"/>
+    <p:sldId id="271" r:id="rId23"/>
+    <p:sldId id="295" r:id="rId24"/>
+    <p:sldId id="274" r:id="rId25"/>
+    <p:sldId id="276" r:id="rId26"/>
+    <p:sldId id="296" r:id="rId27"/>
+    <p:sldId id="284" r:id="rId28"/>
+    <p:sldId id="297" r:id="rId29"/>
+    <p:sldId id="272" r:id="rId30"/>
+    <p:sldId id="278" r:id="rId31"/>
   </p:sldIdLst>
   <p:sldSz cx="12192000" cy="6858000"/>
   <p:notesSz cx="6858000" cy="9144000"/>
@@ -131,7 +146,7 @@
             <a:srgbClr val="A4A3A4"/>
           </p15:clr>
         </p15:guide>
-        <p15:guide id="3" pos="846" userDrawn="1">
+        <p15:guide id="3" pos="665" userDrawn="1">
           <p15:clr>
             <a:srgbClr val="A4A3A4"/>
           </p15:clr>
@@ -157,6 +172,16 @@
           </p15:clr>
         </p15:guide>
         <p15:guide id="8" orient="horz" pos="2772" userDrawn="1">
+          <p15:clr>
+            <a:srgbClr val="A4A3A4"/>
+          </p15:clr>
+        </p15:guide>
+        <p15:guide id="9" orient="horz" pos="119" userDrawn="1">
+          <p15:clr>
+            <a:srgbClr val="A4A3A4"/>
+          </p15:clr>
+        </p15:guide>
+        <p15:guide id="10" pos="7015" userDrawn="1">
           <p15:clr>
             <a:srgbClr val="A4A3A4"/>
           </p15:clr>
@@ -314,7 +339,7 @@
           <a:p>
             <a:fld id="{6CEA6FA6-44D5-495B-A5B5-7F98A644735A}" type="datetimeFigureOut">
               <a:rPr lang="pt-BR" smtClean="0"/>
-              <a:t>12/12/2023</a:t>
+              <a:t>15/12/2023</a:t>
             </a:fld>
             <a:endParaRPr lang="pt-BR"/>
           </a:p>
@@ -512,7 +537,7 @@
           <a:p>
             <a:fld id="{6CEA6FA6-44D5-495B-A5B5-7F98A644735A}" type="datetimeFigureOut">
               <a:rPr lang="pt-BR" smtClean="0"/>
-              <a:t>12/12/2023</a:t>
+              <a:t>15/12/2023</a:t>
             </a:fld>
             <a:endParaRPr lang="pt-BR"/>
           </a:p>
@@ -720,7 +745,7 @@
           <a:p>
             <a:fld id="{6CEA6FA6-44D5-495B-A5B5-7F98A644735A}" type="datetimeFigureOut">
               <a:rPr lang="pt-BR" smtClean="0"/>
-              <a:t>12/12/2023</a:t>
+              <a:t>15/12/2023</a:t>
             </a:fld>
             <a:endParaRPr lang="pt-BR"/>
           </a:p>
@@ -918,7 +943,7 @@
           <a:p>
             <a:fld id="{6CEA6FA6-44D5-495B-A5B5-7F98A644735A}" type="datetimeFigureOut">
               <a:rPr lang="pt-BR" smtClean="0"/>
-              <a:t>12/12/2023</a:t>
+              <a:t>15/12/2023</a:t>
             </a:fld>
             <a:endParaRPr lang="pt-BR"/>
           </a:p>
@@ -1193,7 +1218,7 @@
           <a:p>
             <a:fld id="{6CEA6FA6-44D5-495B-A5B5-7F98A644735A}" type="datetimeFigureOut">
               <a:rPr lang="pt-BR" smtClean="0"/>
-              <a:t>12/12/2023</a:t>
+              <a:t>15/12/2023</a:t>
             </a:fld>
             <a:endParaRPr lang="pt-BR"/>
           </a:p>
@@ -1458,7 +1483,7 @@
           <a:p>
             <a:fld id="{6CEA6FA6-44D5-495B-A5B5-7F98A644735A}" type="datetimeFigureOut">
               <a:rPr lang="pt-BR" smtClean="0"/>
-              <a:t>12/12/2023</a:t>
+              <a:t>15/12/2023</a:t>
             </a:fld>
             <a:endParaRPr lang="pt-BR"/>
           </a:p>
@@ -1870,7 +1895,7 @@
           <a:p>
             <a:fld id="{6CEA6FA6-44D5-495B-A5B5-7F98A644735A}" type="datetimeFigureOut">
               <a:rPr lang="pt-BR" smtClean="0"/>
-              <a:t>12/12/2023</a:t>
+              <a:t>15/12/2023</a:t>
             </a:fld>
             <a:endParaRPr lang="pt-BR"/>
           </a:p>
@@ -2011,7 +2036,7 @@
           <a:p>
             <a:fld id="{6CEA6FA6-44D5-495B-A5B5-7F98A644735A}" type="datetimeFigureOut">
               <a:rPr lang="pt-BR" smtClean="0"/>
-              <a:t>12/12/2023</a:t>
+              <a:t>15/12/2023</a:t>
             </a:fld>
             <a:endParaRPr lang="pt-BR"/>
           </a:p>
@@ -2124,7 +2149,7 @@
           <a:p>
             <a:fld id="{6CEA6FA6-44D5-495B-A5B5-7F98A644735A}" type="datetimeFigureOut">
               <a:rPr lang="pt-BR" smtClean="0"/>
-              <a:t>12/12/2023</a:t>
+              <a:t>15/12/2023</a:t>
             </a:fld>
             <a:endParaRPr lang="pt-BR"/>
           </a:p>
@@ -2435,7 +2460,7 @@
           <a:p>
             <a:fld id="{6CEA6FA6-44D5-495B-A5B5-7F98A644735A}" type="datetimeFigureOut">
               <a:rPr lang="pt-BR" smtClean="0"/>
-              <a:t>12/12/2023</a:t>
+              <a:t>15/12/2023</a:t>
             </a:fld>
             <a:endParaRPr lang="pt-BR"/>
           </a:p>
@@ -2723,7 +2748,7 @@
           <a:p>
             <a:fld id="{6CEA6FA6-44D5-495B-A5B5-7F98A644735A}" type="datetimeFigureOut">
               <a:rPr lang="pt-BR" smtClean="0"/>
-              <a:t>12/12/2023</a:t>
+              <a:t>15/12/2023</a:t>
             </a:fld>
             <a:endParaRPr lang="pt-BR"/>
           </a:p>
@@ -2964,7 +2989,7 @@
           <a:p>
             <a:fld id="{6CEA6FA6-44D5-495B-A5B5-7F98A644735A}" type="datetimeFigureOut">
               <a:rPr lang="pt-BR" smtClean="0"/>
-              <a:t>12/12/2023</a:t>
+              <a:t>15/12/2023</a:t>
             </a:fld>
             <a:endParaRPr lang="pt-BR"/>
           </a:p>
@@ -3395,8 +3420,8 @@
         </p:nvSpPr>
         <p:spPr>
           <a:xfrm>
-            <a:off x="1219200" y="603341"/>
-            <a:ext cx="9753600" cy="707886"/>
+            <a:off x="1055688" y="192791"/>
+            <a:ext cx="10080625" cy="584775"/>
           </a:xfrm>
           <a:prstGeom prst="rect">
             <a:avLst/>
@@ -3416,45 +3441,55 @@
           <a:p>
             <a:pPr algn="ctr"/>
             <a:r>
-              <a:rPr lang="pt-BR" sz="4000" dirty="0"/>
-              <a:t>Gráfico de ordem 6</a:t>
-            </a:r>
-          </a:p>
-        </p:txBody>
-      </p:sp>
-      <p:pic>
-        <p:nvPicPr>
-          <p:cNvPr id="5" name="Imagem 4">
-            <a:extLst>
-              <a:ext uri="{FF2B5EF4-FFF2-40B4-BE49-F238E27FC236}">
-                <a16:creationId xmlns:a16="http://schemas.microsoft.com/office/drawing/2014/main" id="{ACDFD2D6-3702-3088-1A4E-EDB92B0763D3}"/>
-              </a:ext>
-            </a:extLst>
-          </p:cNvPr>
-          <p:cNvPicPr>
-            <a:picLocks noChangeAspect="1"/>
-          </p:cNvPicPr>
+              <a:rPr lang="pt-BR" sz="3200" dirty="0"/>
+              <a:t>Lógica das retas</a:t>
+            </a:r>
+          </a:p>
+        </p:txBody>
+      </p:sp>
+      <p:sp>
+        <p:nvSpPr>
+          <p:cNvPr id="2" name="CaixaDeTexto 1">
+            <a:extLst>
+              <a:ext uri="{FF2B5EF4-FFF2-40B4-BE49-F238E27FC236}">
+                <a16:creationId xmlns:a16="http://schemas.microsoft.com/office/drawing/2014/main" id="{DD8C5AA7-91DD-807C-5FA9-5A8DE08F3F0C}"/>
+              </a:ext>
+            </a:extLst>
+          </p:cNvPr>
+          <p:cNvSpPr txBox="1"/>
           <p:nvPr/>
-        </p:nvPicPr>
-        <p:blipFill rotWithShape="1">
-          <a:blip r:embed="rId2"/>
-          <a:srcRect l="751" r="4683" b="3741"/>
-          <a:stretch/>
-        </p:blipFill>
-        <p:spPr>
-          <a:xfrm>
-            <a:off x="515939" y="2060574"/>
-            <a:ext cx="11233150" cy="3708401"/>
+        </p:nvSpPr>
+        <p:spPr>
+          <a:xfrm>
+            <a:off x="1055688" y="970384"/>
+            <a:ext cx="10150377" cy="461665"/>
           </a:xfrm>
           <a:prstGeom prst="rect">
             <a:avLst/>
           </a:prstGeom>
-        </p:spPr>
-      </p:pic>
+          <a:noFill/>
+        </p:spPr>
+        <p:txBody>
+          <a:bodyPr wrap="square" rtlCol="0">
+            <a:spAutoFit/>
+          </a:bodyPr>
+          <a:lstStyle/>
+          <a:p>
+            <a:pPr marL="342900" indent="-342900">
+              <a:buFont typeface="+mj-lt"/>
+              <a:buAutoNum type="arabicPeriod"/>
+            </a:pPr>
+            <a:r>
+              <a:rPr lang="pt-BR" sz="2400" dirty="0"/>
+              <a:t>Encontramos os pontos de máximo e mínimo locais do RSI.</a:t>
+            </a:r>
+          </a:p>
+        </p:txBody>
+      </p:sp>
     </p:spTree>
     <p:extLst>
       <p:ext uri="{BB962C8B-B14F-4D97-AF65-F5344CB8AC3E}">
-        <p14:creationId xmlns:p14="http://schemas.microsoft.com/office/powerpoint/2010/main" val="2640147288"/>
+        <p14:creationId xmlns:p14="http://schemas.microsoft.com/office/powerpoint/2010/main" val="3029575814"/>
       </p:ext>
     </p:extLst>
   </p:cSld>
@@ -3495,8 +3530,8 @@
         </p:nvSpPr>
         <p:spPr>
           <a:xfrm>
-            <a:off x="1219200" y="603341"/>
-            <a:ext cx="9753600" cy="1323439"/>
+            <a:off x="1055688" y="192791"/>
+            <a:ext cx="10080625" cy="584775"/>
           </a:xfrm>
           <a:prstGeom prst="rect">
             <a:avLst/>
@@ -3516,45 +3551,347 @@
           <a:p>
             <a:pPr algn="ctr"/>
             <a:r>
-              <a:rPr lang="pt-BR" sz="4000" dirty="0"/>
-              <a:t>Podemos aumentar a ordem dos pontos de máximo e mínimo de 6 para 8:</a:t>
-            </a:r>
-          </a:p>
-        </p:txBody>
-      </p:sp>
-      <p:pic>
-        <p:nvPicPr>
-          <p:cNvPr id="4" name="Imagem 3">
-            <a:extLst>
-              <a:ext uri="{FF2B5EF4-FFF2-40B4-BE49-F238E27FC236}">
-                <a16:creationId xmlns:a16="http://schemas.microsoft.com/office/drawing/2014/main" id="{B7BAF6B5-D2B7-B89F-773F-56390678EBC4}"/>
-              </a:ext>
-            </a:extLst>
-          </p:cNvPr>
-          <p:cNvPicPr>
-            <a:picLocks noChangeAspect="1"/>
-          </p:cNvPicPr>
+              <a:rPr lang="pt-BR" sz="3200" dirty="0"/>
+              <a:t>Lógica das retas</a:t>
+            </a:r>
+          </a:p>
+        </p:txBody>
+      </p:sp>
+      <p:sp>
+        <p:nvSpPr>
+          <p:cNvPr id="2" name="CaixaDeTexto 1">
+            <a:extLst>
+              <a:ext uri="{FF2B5EF4-FFF2-40B4-BE49-F238E27FC236}">
+                <a16:creationId xmlns:a16="http://schemas.microsoft.com/office/drawing/2014/main" id="{DD8C5AA7-91DD-807C-5FA9-5A8DE08F3F0C}"/>
+              </a:ext>
+            </a:extLst>
+          </p:cNvPr>
+          <p:cNvSpPr txBox="1"/>
           <p:nvPr/>
-        </p:nvPicPr>
-        <p:blipFill rotWithShape="1">
-          <a:blip r:embed="rId2"/>
-          <a:srcRect l="1506" t="3438" r="2591" b="3405"/>
-          <a:stretch/>
-        </p:blipFill>
-        <p:spPr>
-          <a:xfrm>
-            <a:off x="515937" y="2060575"/>
-            <a:ext cx="11233151" cy="3708400"/>
+        </p:nvSpPr>
+        <p:spPr>
+          <a:xfrm>
+            <a:off x="1055688" y="970384"/>
+            <a:ext cx="10150377" cy="5632311"/>
           </a:xfrm>
           <a:prstGeom prst="rect">
             <a:avLst/>
           </a:prstGeom>
-        </p:spPr>
-      </p:pic>
+          <a:noFill/>
+        </p:spPr>
+        <p:txBody>
+          <a:bodyPr wrap="square" rtlCol="0">
+            <a:spAutoFit/>
+          </a:bodyPr>
+          <a:lstStyle/>
+          <a:p>
+            <a:pPr marL="342900" indent="-342900">
+              <a:buFont typeface="+mj-lt"/>
+              <a:buAutoNum type="arabicPeriod"/>
+            </a:pPr>
+            <a:r>
+              <a:rPr lang="pt-BR" sz="2400" dirty="0">
+                <a:solidFill>
+                  <a:schemeClr val="bg1">
+                    <a:lumMod val="75000"/>
+                  </a:schemeClr>
+                </a:solidFill>
+              </a:rPr>
+              <a:t>Encontramos os pontos de máximo e mínimo locais do RSI.</a:t>
+            </a:r>
+          </a:p>
+          <a:p>
+            <a:pPr marL="342900" indent="-342900">
+              <a:buFont typeface="+mj-lt"/>
+              <a:buAutoNum type="arabicPeriod"/>
+            </a:pPr>
+            <a:r>
+              <a:rPr lang="pt-BR" sz="2400" dirty="0">
+                <a:solidFill>
+                  <a:schemeClr val="bg1">
+                    <a:lumMod val="75000"/>
+                  </a:schemeClr>
+                </a:solidFill>
+              </a:rPr>
+              <a:t>Escolhe-se uma janela (</a:t>
+            </a:r>
+            <a:r>
+              <a:rPr lang="pt-BR" sz="2400" dirty="0" err="1">
+                <a:solidFill>
+                  <a:schemeClr val="bg1">
+                    <a:lumMod val="75000"/>
+                  </a:schemeClr>
+                </a:solidFill>
+              </a:rPr>
+              <a:t>inicio_janela</a:t>
+            </a:r>
+            <a:r>
+              <a:rPr lang="pt-BR" sz="2400" dirty="0">
+                <a:solidFill>
+                  <a:schemeClr val="bg1">
+                    <a:lumMod val="75000"/>
+                  </a:schemeClr>
+                </a:solidFill>
+              </a:rPr>
+              <a:t> e </a:t>
+            </a:r>
+            <a:r>
+              <a:rPr lang="pt-BR" sz="2400" dirty="0" err="1">
+                <a:solidFill>
+                  <a:schemeClr val="bg1">
+                    <a:lumMod val="75000"/>
+                  </a:schemeClr>
+                </a:solidFill>
+              </a:rPr>
+              <a:t>fim_janela</a:t>
+            </a:r>
+            <a:r>
+              <a:rPr lang="pt-BR" sz="2400" dirty="0">
+                <a:solidFill>
+                  <a:schemeClr val="bg1">
+                    <a:lumMod val="75000"/>
+                  </a:schemeClr>
+                </a:solidFill>
+              </a:rPr>
+              <a:t>)</a:t>
+            </a:r>
+          </a:p>
+          <a:p>
+            <a:pPr marL="800100" lvl="1" indent="-342900">
+              <a:buFont typeface="Arial" panose="020B0604020202020204" pitchFamily="34" charset="0"/>
+              <a:buChar char="•"/>
+            </a:pPr>
+            <a:r>
+              <a:rPr lang="pt-BR" sz="2400" dirty="0">
+                <a:solidFill>
+                  <a:schemeClr val="bg1">
+                    <a:lumMod val="75000"/>
+                  </a:schemeClr>
+                </a:solidFill>
+              </a:rPr>
+              <a:t>Para os pontos do RSI nessa janela, escolhemos a reta da regressão</a:t>
+            </a:r>
+          </a:p>
+          <a:p>
+            <a:pPr marL="800100" lvl="1" indent="-342900">
+              <a:buFont typeface="Arial" panose="020B0604020202020204" pitchFamily="34" charset="0"/>
+              <a:buChar char="•"/>
+            </a:pPr>
+            <a:r>
+              <a:rPr lang="pt-BR" sz="2400" dirty="0">
+                <a:solidFill>
+                  <a:schemeClr val="bg1">
+                    <a:lumMod val="75000"/>
+                  </a:schemeClr>
+                </a:solidFill>
+              </a:rPr>
+              <a:t>Depois, dentre os máximos e mínimos locais, encontramos os dois </a:t>
+            </a:r>
+            <a:r>
+              <a:rPr lang="pt-BR" sz="2400" dirty="0" err="1">
+                <a:solidFill>
+                  <a:schemeClr val="bg1">
+                    <a:lumMod val="75000"/>
+                  </a:schemeClr>
+                </a:solidFill>
+              </a:rPr>
+              <a:t>pivot</a:t>
+            </a:r>
+            <a:r>
+              <a:rPr lang="pt-BR" sz="2400" dirty="0">
+                <a:solidFill>
+                  <a:schemeClr val="bg1">
+                    <a:lumMod val="75000"/>
+                  </a:schemeClr>
+                </a:solidFill>
+              </a:rPr>
+              <a:t> points, um acima (</a:t>
+            </a:r>
+            <a:r>
+              <a:rPr lang="pt-BR" sz="2400" dirty="0" err="1">
+                <a:solidFill>
+                  <a:schemeClr val="bg1">
+                    <a:lumMod val="75000"/>
+                  </a:schemeClr>
+                </a:solidFill>
+              </a:rPr>
+              <a:t>upper_pivot</a:t>
+            </a:r>
+            <a:r>
+              <a:rPr lang="pt-BR" sz="2400" dirty="0">
+                <a:solidFill>
+                  <a:schemeClr val="bg1">
+                    <a:lumMod val="75000"/>
+                  </a:schemeClr>
+                </a:solidFill>
+              </a:rPr>
+              <a:t>) e outro abaixo (</a:t>
+            </a:r>
+            <a:r>
+              <a:rPr lang="pt-BR" sz="2400" dirty="0" err="1">
+                <a:solidFill>
+                  <a:schemeClr val="bg1">
+                    <a:lumMod val="75000"/>
+                  </a:schemeClr>
+                </a:solidFill>
+              </a:rPr>
+              <a:t>lower_pivot</a:t>
+            </a:r>
+            <a:r>
+              <a:rPr lang="pt-BR" sz="2400" dirty="0">
+                <a:solidFill>
+                  <a:schemeClr val="bg1">
+                    <a:lumMod val="75000"/>
+                  </a:schemeClr>
+                </a:solidFill>
+              </a:rPr>
+              <a:t>), que mais se afastam da janela (fonte: )</a:t>
+            </a:r>
+          </a:p>
+          <a:p>
+            <a:pPr marL="800100" lvl="1" indent="-342900">
+              <a:buFont typeface="Arial" panose="020B0604020202020204" pitchFamily="34" charset="0"/>
+              <a:buChar char="•"/>
+            </a:pPr>
+            <a:r>
+              <a:rPr lang="pt-BR" sz="2400" dirty="0">
+                <a:solidFill>
+                  <a:schemeClr val="bg1">
+                    <a:lumMod val="75000"/>
+                  </a:schemeClr>
+                </a:solidFill>
+              </a:rPr>
+              <a:t>Traçamos retas paralelas a reta da regressão passando por esses dois </a:t>
+            </a:r>
+            <a:r>
+              <a:rPr lang="pt-BR" sz="2400" dirty="0" err="1">
+                <a:solidFill>
+                  <a:schemeClr val="bg1">
+                    <a:lumMod val="75000"/>
+                  </a:schemeClr>
+                </a:solidFill>
+              </a:rPr>
+              <a:t>pivot</a:t>
+            </a:r>
+            <a:r>
+              <a:rPr lang="pt-BR" sz="2400" dirty="0">
+                <a:solidFill>
+                  <a:schemeClr val="bg1">
+                    <a:lumMod val="75000"/>
+                  </a:schemeClr>
+                </a:solidFill>
+              </a:rPr>
+              <a:t> points</a:t>
+            </a:r>
+          </a:p>
+          <a:p>
+            <a:pPr marL="800100" lvl="1" indent="-342900">
+              <a:buFont typeface="Arial" panose="020B0604020202020204" pitchFamily="34" charset="0"/>
+              <a:buChar char="•"/>
+            </a:pPr>
+            <a:r>
+              <a:rPr lang="pt-BR" sz="2400" dirty="0">
+                <a:solidFill>
+                  <a:schemeClr val="bg1">
+                    <a:lumMod val="75000"/>
+                  </a:schemeClr>
+                </a:solidFill>
+              </a:rPr>
+              <a:t>Depois variamos o </a:t>
+            </a:r>
+            <a:r>
+              <a:rPr lang="pt-BR" sz="2400" dirty="0" err="1">
+                <a:solidFill>
+                  <a:schemeClr val="bg1">
+                    <a:lumMod val="75000"/>
+                  </a:schemeClr>
+                </a:solidFill>
+              </a:rPr>
+              <a:t>slope</a:t>
+            </a:r>
+            <a:r>
+              <a:rPr lang="pt-BR" sz="2400" dirty="0">
+                <a:solidFill>
+                  <a:schemeClr val="bg1">
+                    <a:lumMod val="75000"/>
+                  </a:schemeClr>
+                </a:solidFill>
+              </a:rPr>
+              <a:t> dessas duas retas, forçando que ela passa pelos </a:t>
+            </a:r>
+            <a:r>
+              <a:rPr lang="pt-BR" sz="2400" dirty="0" err="1">
+                <a:solidFill>
+                  <a:schemeClr val="bg1">
+                    <a:lumMod val="75000"/>
+                  </a:schemeClr>
+                </a:solidFill>
+              </a:rPr>
+              <a:t>pivot</a:t>
+            </a:r>
+            <a:r>
+              <a:rPr lang="pt-BR" sz="2400" dirty="0">
+                <a:solidFill>
+                  <a:schemeClr val="bg1">
+                    <a:lumMod val="75000"/>
+                  </a:schemeClr>
+                </a:solidFill>
+              </a:rPr>
+              <a:t> points, até encontrar o </a:t>
+            </a:r>
+            <a:r>
+              <a:rPr lang="pt-BR" sz="2400" dirty="0" err="1">
+                <a:solidFill>
+                  <a:schemeClr val="bg1">
+                    <a:lumMod val="75000"/>
+                  </a:schemeClr>
+                </a:solidFill>
+              </a:rPr>
+              <a:t>slope</a:t>
+            </a:r>
+            <a:r>
+              <a:rPr lang="pt-BR" sz="2400" dirty="0">
+                <a:solidFill>
+                  <a:schemeClr val="bg1">
+                    <a:lumMod val="75000"/>
+                  </a:schemeClr>
+                </a:solidFill>
+              </a:rPr>
+              <a:t> cujas somas  das distâncias para os demais points seja a mínima, sem que a reta cruze o gráfico</a:t>
+            </a:r>
+          </a:p>
+          <a:p>
+            <a:pPr marL="342900" indent="-342900">
+              <a:buFont typeface="+mj-lt"/>
+              <a:buAutoNum type="arabicPeriod"/>
+            </a:pPr>
+            <a:r>
+              <a:rPr lang="pt-BR" sz="2400" dirty="0"/>
+              <a:t>Fazemos isso para uma série de janelas. Percorremos da esquerda para a direita, por intervalos que dependem das distâncias entre o </a:t>
+            </a:r>
+            <a:r>
+              <a:rPr lang="pt-BR" sz="2400" dirty="0" err="1"/>
+              <a:t>inicio_janela</a:t>
+            </a:r>
+            <a:r>
+              <a:rPr lang="pt-BR" sz="2400" dirty="0"/>
+              <a:t> e o próximo ponto de mínimo e máximo local à direita e das distâncias entre o </a:t>
+            </a:r>
+            <a:r>
+              <a:rPr lang="pt-BR" sz="2400" dirty="0" err="1"/>
+              <a:t>fim_janela</a:t>
+            </a:r>
+            <a:r>
+              <a:rPr lang="pt-BR" sz="2400" dirty="0"/>
+              <a:t> e o próximo ponto de mínimo e máximo local à direita</a:t>
+            </a:r>
+          </a:p>
+        </p:txBody>
+      </p:sp>
     </p:spTree>
     <p:extLst>
       <p:ext uri="{BB962C8B-B14F-4D97-AF65-F5344CB8AC3E}">
-        <p14:creationId xmlns:p14="http://schemas.microsoft.com/office/powerpoint/2010/main" val="2905049053"/>
+        <p14:creationId xmlns:p14="http://schemas.microsoft.com/office/powerpoint/2010/main" val="3877438673"/>
       </p:ext>
     </p:extLst>
   </p:cSld>
@@ -3581,12 +3918,174 @@
           <a:chExt cx="0" cy="0"/>
         </a:xfrm>
       </p:grpSpPr>
-      <p:sp>
-        <p:nvSpPr>
-          <p:cNvPr id="3" name="CaixaDeTexto 2">
-            <a:extLst>
-              <a:ext uri="{FF2B5EF4-FFF2-40B4-BE49-F238E27FC236}">
-                <a16:creationId xmlns:a16="http://schemas.microsoft.com/office/drawing/2014/main" id="{7EBAD6C7-E7A0-DD84-F3A5-D03C91E593F6}"/>
+      <p:pic>
+        <p:nvPicPr>
+          <p:cNvPr id="17" name="Imagem 16">
+            <a:extLst>
+              <a:ext uri="{FF2B5EF4-FFF2-40B4-BE49-F238E27FC236}">
+                <a16:creationId xmlns:a16="http://schemas.microsoft.com/office/drawing/2014/main" id="{3543ED60-BEC8-B230-6950-ABC2C988BBD5}"/>
+              </a:ext>
+            </a:extLst>
+          </p:cNvPr>
+          <p:cNvPicPr>
+            <a:picLocks noChangeAspect="1"/>
+          </p:cNvPicPr>
+          <p:nvPr/>
+        </p:nvPicPr>
+        <p:blipFill rotWithShape="1">
+          <a:blip r:embed="rId2"/>
+          <a:srcRect t="14456" b="14753"/>
+          <a:stretch/>
+        </p:blipFill>
+        <p:spPr>
+          <a:xfrm>
+            <a:off x="12700" y="1068763"/>
+            <a:ext cx="12192000" cy="2481213"/>
+          </a:xfrm>
+          <a:prstGeom prst="rect">
+            <a:avLst/>
+          </a:prstGeom>
+        </p:spPr>
+      </p:pic>
+      <p:pic>
+        <p:nvPicPr>
+          <p:cNvPr id="14" name="Imagem 13">
+            <a:extLst>
+              <a:ext uri="{FF2B5EF4-FFF2-40B4-BE49-F238E27FC236}">
+                <a16:creationId xmlns:a16="http://schemas.microsoft.com/office/drawing/2014/main" id="{752D24F9-B0DE-446F-E7BF-6E725A0BD7E4}"/>
+              </a:ext>
+            </a:extLst>
+          </p:cNvPr>
+          <p:cNvPicPr>
+            <a:picLocks noChangeAspect="1"/>
+          </p:cNvPicPr>
+          <p:nvPr/>
+        </p:nvPicPr>
+        <p:blipFill rotWithShape="1">
+          <a:blip r:embed="rId3"/>
+          <a:srcRect t="10837"/>
+          <a:stretch/>
+        </p:blipFill>
+        <p:spPr>
+          <a:xfrm>
+            <a:off x="0" y="3619976"/>
+            <a:ext cx="12192000" cy="3217553"/>
+          </a:xfrm>
+          <a:prstGeom prst="rect">
+            <a:avLst/>
+          </a:prstGeom>
+        </p:spPr>
+      </p:pic>
+      <p:sp>
+        <p:nvSpPr>
+          <p:cNvPr id="12" name="Retângulo 11">
+            <a:extLst>
+              <a:ext uri="{FF2B5EF4-FFF2-40B4-BE49-F238E27FC236}">
+                <a16:creationId xmlns:a16="http://schemas.microsoft.com/office/drawing/2014/main" id="{0C8877A1-111A-76D0-D092-4D250D04D223}"/>
+              </a:ext>
+            </a:extLst>
+          </p:cNvPr>
+          <p:cNvSpPr/>
+          <p:nvPr/>
+        </p:nvSpPr>
+        <p:spPr>
+          <a:xfrm>
+            <a:off x="1866900" y="1504950"/>
+            <a:ext cx="1638299" cy="1066800"/>
+          </a:xfrm>
+          <a:prstGeom prst="rect">
+            <a:avLst/>
+          </a:prstGeom>
+          <a:noFill/>
+          <a:ln>
+            <a:solidFill>
+              <a:srgbClr val="FFFF00"/>
+            </a:solidFill>
+          </a:ln>
+        </p:spPr>
+        <p:style>
+          <a:lnRef idx="2">
+            <a:schemeClr val="accent1">
+              <a:shade val="15000"/>
+            </a:schemeClr>
+          </a:lnRef>
+          <a:fillRef idx="1">
+            <a:schemeClr val="accent1"/>
+          </a:fillRef>
+          <a:effectRef idx="0">
+            <a:schemeClr val="accent1"/>
+          </a:effectRef>
+          <a:fontRef idx="minor">
+            <a:schemeClr val="lt1"/>
+          </a:fontRef>
+        </p:style>
+        <p:txBody>
+          <a:bodyPr rtlCol="0" anchor="ctr"/>
+          <a:lstStyle/>
+          <a:p>
+            <a:pPr algn="ctr"/>
+            <a:endParaRPr lang="pt-BR"/>
+          </a:p>
+        </p:txBody>
+      </p:sp>
+      <p:sp>
+        <p:nvSpPr>
+          <p:cNvPr id="25" name="Retângulo 24">
+            <a:extLst>
+              <a:ext uri="{FF2B5EF4-FFF2-40B4-BE49-F238E27FC236}">
+                <a16:creationId xmlns:a16="http://schemas.microsoft.com/office/drawing/2014/main" id="{3990F742-DAAE-FDA5-D292-0E294816D2DB}"/>
+              </a:ext>
+            </a:extLst>
+          </p:cNvPr>
+          <p:cNvSpPr/>
+          <p:nvPr/>
+        </p:nvSpPr>
+        <p:spPr>
+          <a:xfrm>
+            <a:off x="1892416" y="3611644"/>
+            <a:ext cx="461963" cy="2177592"/>
+          </a:xfrm>
+          <a:prstGeom prst="rect">
+            <a:avLst/>
+          </a:prstGeom>
+          <a:noFill/>
+          <a:ln>
+            <a:solidFill>
+              <a:srgbClr val="FFFF00"/>
+            </a:solidFill>
+          </a:ln>
+        </p:spPr>
+        <p:style>
+          <a:lnRef idx="2">
+            <a:schemeClr val="accent1">
+              <a:shade val="15000"/>
+            </a:schemeClr>
+          </a:lnRef>
+          <a:fillRef idx="1">
+            <a:schemeClr val="accent1"/>
+          </a:fillRef>
+          <a:effectRef idx="0">
+            <a:schemeClr val="accent1"/>
+          </a:effectRef>
+          <a:fontRef idx="minor">
+            <a:schemeClr val="lt1"/>
+          </a:fontRef>
+        </p:style>
+        <p:txBody>
+          <a:bodyPr rtlCol="0" anchor="ctr"/>
+          <a:lstStyle/>
+          <a:p>
+            <a:pPr algn="ctr"/>
+            <a:endParaRPr lang="pt-BR"/>
+          </a:p>
+        </p:txBody>
+      </p:sp>
+      <p:sp>
+        <p:nvSpPr>
+          <p:cNvPr id="35" name="CaixaDeTexto 34">
+            <a:extLst>
+              <a:ext uri="{FF2B5EF4-FFF2-40B4-BE49-F238E27FC236}">
+                <a16:creationId xmlns:a16="http://schemas.microsoft.com/office/drawing/2014/main" id="{03F80D3E-318B-5B9C-940B-1C34716A088C}"/>
               </a:ext>
             </a:extLst>
           </p:cNvPr>
@@ -3595,8 +4094,144 @@
         </p:nvSpPr>
         <p:spPr>
           <a:xfrm>
-            <a:off x="1219200" y="603341"/>
-            <a:ext cx="9753600" cy="1323439"/>
+            <a:off x="2569131" y="3549977"/>
+            <a:ext cx="1084083" cy="261610"/>
+          </a:xfrm>
+          <a:prstGeom prst="rect">
+            <a:avLst/>
+          </a:prstGeom>
+          <a:solidFill>
+            <a:srgbClr val="FFFF00"/>
+          </a:solidFill>
+        </p:spPr>
+        <p:txBody>
+          <a:bodyPr wrap="square" rtlCol="0">
+            <a:spAutoFit/>
+          </a:bodyPr>
+          <a:lstStyle/>
+          <a:p>
+            <a:pPr algn="ctr"/>
+            <a:r>
+              <a:rPr lang="pt-BR" sz="1100" b="1" dirty="0" err="1"/>
+              <a:t>lookback</a:t>
+            </a:r>
+            <a:r>
+              <a:rPr lang="pt-BR" sz="1100" b="1" dirty="0"/>
+              <a:t> = 70</a:t>
+            </a:r>
+          </a:p>
+        </p:txBody>
+      </p:sp>
+      <p:sp>
+        <p:nvSpPr>
+          <p:cNvPr id="36" name="CaixaDeTexto 35">
+            <a:extLst>
+              <a:ext uri="{FF2B5EF4-FFF2-40B4-BE49-F238E27FC236}">
+                <a16:creationId xmlns:a16="http://schemas.microsoft.com/office/drawing/2014/main" id="{D3858D05-7458-827C-0AE1-8C3BADF66142}"/>
+              </a:ext>
+            </a:extLst>
+          </p:cNvPr>
+          <p:cNvSpPr txBox="1"/>
+          <p:nvPr/>
+        </p:nvSpPr>
+        <p:spPr>
+          <a:xfrm>
+            <a:off x="2590800" y="931388"/>
+            <a:ext cx="1084083" cy="261610"/>
+          </a:xfrm>
+          <a:prstGeom prst="rect">
+            <a:avLst/>
+          </a:prstGeom>
+          <a:solidFill>
+            <a:srgbClr val="FFFF00"/>
+          </a:solidFill>
+        </p:spPr>
+        <p:txBody>
+          <a:bodyPr wrap="square" rtlCol="0">
+            <a:spAutoFit/>
+          </a:bodyPr>
+          <a:lstStyle/>
+          <a:p>
+            <a:pPr algn="ctr"/>
+            <a:r>
+              <a:rPr lang="pt-BR" sz="1100" b="1" dirty="0" err="1"/>
+              <a:t>lookback</a:t>
+            </a:r>
+            <a:r>
+              <a:rPr lang="pt-BR" sz="1100" b="1" dirty="0"/>
+              <a:t> = 200</a:t>
+            </a:r>
+          </a:p>
+        </p:txBody>
+      </p:sp>
+      <p:sp>
+        <p:nvSpPr>
+          <p:cNvPr id="18" name="Retângulo 17">
+            <a:extLst>
+              <a:ext uri="{FF2B5EF4-FFF2-40B4-BE49-F238E27FC236}">
+                <a16:creationId xmlns:a16="http://schemas.microsoft.com/office/drawing/2014/main" id="{D5D26D61-B609-F730-0892-A9FF5E878E80}"/>
+              </a:ext>
+            </a:extLst>
+          </p:cNvPr>
+          <p:cNvSpPr/>
+          <p:nvPr/>
+        </p:nvSpPr>
+        <p:spPr>
+          <a:xfrm>
+            <a:off x="3667125" y="1447800"/>
+            <a:ext cx="1638299" cy="1066800"/>
+          </a:xfrm>
+          <a:prstGeom prst="rect">
+            <a:avLst/>
+          </a:prstGeom>
+          <a:noFill/>
+          <a:ln>
+            <a:solidFill>
+              <a:srgbClr val="FFFF00"/>
+            </a:solidFill>
+          </a:ln>
+        </p:spPr>
+        <p:style>
+          <a:lnRef idx="2">
+            <a:schemeClr val="accent1">
+              <a:shade val="15000"/>
+            </a:schemeClr>
+          </a:lnRef>
+          <a:fillRef idx="1">
+            <a:schemeClr val="accent1"/>
+          </a:fillRef>
+          <a:effectRef idx="0">
+            <a:schemeClr val="accent1"/>
+          </a:effectRef>
+          <a:fontRef idx="minor">
+            <a:schemeClr val="lt1"/>
+          </a:fontRef>
+        </p:style>
+        <p:txBody>
+          <a:bodyPr rtlCol="0" anchor="ctr"/>
+          <a:lstStyle/>
+          <a:p>
+            <a:pPr algn="ctr"/>
+            <a:endParaRPr lang="pt-BR"/>
+          </a:p>
+        </p:txBody>
+      </p:sp>
+      <p:sp>
+        <p:nvSpPr>
+          <p:cNvPr id="2" name="CaixaDeTexto 1">
+            <a:extLst>
+              <a:ext uri="{FF2B5EF4-FFF2-40B4-BE49-F238E27FC236}">
+                <a16:creationId xmlns:a16="http://schemas.microsoft.com/office/drawing/2014/main" id="{442FF899-E60C-55DD-B492-D4ED310656CF}"/>
+              </a:ext>
+            </a:extLst>
+          </p:cNvPr>
+          <p:cNvSpPr txBox="1"/>
+          <p:nvPr/>
+        </p:nvSpPr>
+        <p:spPr>
+          <a:xfrm>
+            <a:off x="1055688" y="192791"/>
+            <a:ext cx="10080625" cy="584775"/>
           </a:xfrm>
           <a:prstGeom prst="rect">
             <a:avLst/>
@@ -3616,45 +4251,32 @@
           <a:p>
             <a:pPr algn="ctr"/>
             <a:r>
-              <a:rPr lang="pt-BR" sz="4000" dirty="0"/>
-              <a:t>Podemos aumentar a ordem dos pontos de máximo e mínimo de 6 para 9:</a:t>
-            </a:r>
-          </a:p>
-        </p:txBody>
-      </p:sp>
-      <p:pic>
-        <p:nvPicPr>
-          <p:cNvPr id="4" name="Imagem 3">
-            <a:extLst>
-              <a:ext uri="{FF2B5EF4-FFF2-40B4-BE49-F238E27FC236}">
-                <a16:creationId xmlns:a16="http://schemas.microsoft.com/office/drawing/2014/main" id="{AEEC6772-7A7F-5959-E0B1-7CE03154108C}"/>
-              </a:ext>
-            </a:extLst>
-          </p:cNvPr>
-          <p:cNvPicPr>
-            <a:picLocks noChangeAspect="1"/>
-          </p:cNvPicPr>
-          <p:nvPr/>
-        </p:nvPicPr>
-        <p:blipFill rotWithShape="1">
-          <a:blip r:embed="rId2"/>
-          <a:srcRect l="1571" t="5040" r="3022" b="1869"/>
-          <a:stretch/>
-        </p:blipFill>
-        <p:spPr>
-          <a:xfrm>
-            <a:off x="515938" y="2060575"/>
-            <a:ext cx="11233150" cy="3708400"/>
-          </a:xfrm>
-          <a:prstGeom prst="rect">
-            <a:avLst/>
-          </a:prstGeom>
-        </p:spPr>
-      </p:pic>
+              <a:rPr lang="pt-BR" sz="3200" dirty="0"/>
+              <a:t>Escolha do </a:t>
+            </a:r>
+            <a:r>
+              <a:rPr lang="pt-BR" sz="3200" dirty="0" err="1"/>
+              <a:t>lookback</a:t>
+            </a:r>
+            <a:r>
+              <a:rPr lang="pt-BR" sz="3200" dirty="0"/>
+              <a:t> (200 </a:t>
+            </a:r>
+            <a:r>
+              <a:rPr lang="pt-BR" sz="3200" dirty="0" err="1"/>
+              <a:t>vs</a:t>
+            </a:r>
+            <a:r>
+              <a:rPr lang="pt-BR" sz="3200" dirty="0"/>
+              <a:t> 70)</a:t>
+            </a:r>
+          </a:p>
+        </p:txBody>
+      </p:sp>
     </p:spTree>
     <p:extLst>
       <p:ext uri="{BB962C8B-B14F-4D97-AF65-F5344CB8AC3E}">
-        <p14:creationId xmlns:p14="http://schemas.microsoft.com/office/powerpoint/2010/main" val="2882091466"/>
+        <p14:creationId xmlns:p14="http://schemas.microsoft.com/office/powerpoint/2010/main" val="3446276469"/>
       </p:ext>
     </p:extLst>
   </p:cSld>
@@ -3681,12 +4303,122 @@
           <a:chExt cx="0" cy="0"/>
         </a:xfrm>
       </p:grpSpPr>
-      <p:sp>
-        <p:nvSpPr>
-          <p:cNvPr id="3" name="CaixaDeTexto 2">
-            <a:extLst>
-              <a:ext uri="{FF2B5EF4-FFF2-40B4-BE49-F238E27FC236}">
-                <a16:creationId xmlns:a16="http://schemas.microsoft.com/office/drawing/2014/main" id="{7EBAD6C7-E7A0-DD84-F3A5-D03C91E593F6}"/>
+      <p:pic>
+        <p:nvPicPr>
+          <p:cNvPr id="17" name="Imagem 16">
+            <a:extLst>
+              <a:ext uri="{FF2B5EF4-FFF2-40B4-BE49-F238E27FC236}">
+                <a16:creationId xmlns:a16="http://schemas.microsoft.com/office/drawing/2014/main" id="{3543ED60-BEC8-B230-6950-ABC2C988BBD5}"/>
+              </a:ext>
+            </a:extLst>
+          </p:cNvPr>
+          <p:cNvPicPr>
+            <a:picLocks noChangeAspect="1"/>
+          </p:cNvPicPr>
+          <p:nvPr/>
+        </p:nvPicPr>
+        <p:blipFill rotWithShape="1">
+          <a:blip r:embed="rId2"/>
+          <a:srcRect t="10380"/>
+          <a:stretch/>
+        </p:blipFill>
+        <p:spPr>
+          <a:xfrm>
+            <a:off x="12700" y="925889"/>
+            <a:ext cx="12192000" cy="3141168"/>
+          </a:xfrm>
+          <a:prstGeom prst="rect">
+            <a:avLst/>
+          </a:prstGeom>
+        </p:spPr>
+      </p:pic>
+      <p:pic>
+        <p:nvPicPr>
+          <p:cNvPr id="20" name="Imagem 19">
+            <a:extLst>
+              <a:ext uri="{FF2B5EF4-FFF2-40B4-BE49-F238E27FC236}">
+                <a16:creationId xmlns:a16="http://schemas.microsoft.com/office/drawing/2014/main" id="{B50E23DB-5E57-97CD-2D86-FAE306B50862}"/>
+              </a:ext>
+            </a:extLst>
+          </p:cNvPr>
+          <p:cNvPicPr>
+            <a:picLocks noChangeAspect="1"/>
+          </p:cNvPicPr>
+          <p:nvPr/>
+        </p:nvPicPr>
+        <p:blipFill rotWithShape="1">
+          <a:blip r:embed="rId3"/>
+          <a:srcRect r="313"/>
+          <a:stretch/>
+        </p:blipFill>
+        <p:spPr>
+          <a:xfrm>
+            <a:off x="0" y="3299858"/>
+            <a:ext cx="12201525" cy="3515833"/>
+          </a:xfrm>
+          <a:prstGeom prst="rect">
+            <a:avLst/>
+          </a:prstGeom>
+        </p:spPr>
+      </p:pic>
+      <p:sp>
+        <p:nvSpPr>
+          <p:cNvPr id="12" name="Retângulo 11">
+            <a:extLst>
+              <a:ext uri="{FF2B5EF4-FFF2-40B4-BE49-F238E27FC236}">
+                <a16:creationId xmlns:a16="http://schemas.microsoft.com/office/drawing/2014/main" id="{0C8877A1-111A-76D0-D092-4D250D04D223}"/>
+              </a:ext>
+            </a:extLst>
+          </p:cNvPr>
+          <p:cNvSpPr/>
+          <p:nvPr/>
+        </p:nvSpPr>
+        <p:spPr>
+          <a:xfrm>
+            <a:off x="1866900" y="1504950"/>
+            <a:ext cx="1638299" cy="1066800"/>
+          </a:xfrm>
+          <a:prstGeom prst="rect">
+            <a:avLst/>
+          </a:prstGeom>
+          <a:noFill/>
+          <a:ln>
+            <a:solidFill>
+              <a:srgbClr val="FFFF00"/>
+            </a:solidFill>
+          </a:ln>
+        </p:spPr>
+        <p:style>
+          <a:lnRef idx="2">
+            <a:schemeClr val="accent1">
+              <a:shade val="15000"/>
+            </a:schemeClr>
+          </a:lnRef>
+          <a:fillRef idx="1">
+            <a:schemeClr val="accent1"/>
+          </a:fillRef>
+          <a:effectRef idx="0">
+            <a:schemeClr val="accent1"/>
+          </a:effectRef>
+          <a:fontRef idx="minor">
+            <a:schemeClr val="lt1"/>
+          </a:fontRef>
+        </p:style>
+        <p:txBody>
+          <a:bodyPr rtlCol="0" anchor="ctr"/>
+          <a:lstStyle/>
+          <a:p>
+            <a:pPr algn="ctr"/>
+            <a:endParaRPr lang="pt-BR"/>
+          </a:p>
+        </p:txBody>
+      </p:sp>
+      <p:sp>
+        <p:nvSpPr>
+          <p:cNvPr id="35" name="CaixaDeTexto 34">
+            <a:extLst>
+              <a:ext uri="{FF2B5EF4-FFF2-40B4-BE49-F238E27FC236}">
+                <a16:creationId xmlns:a16="http://schemas.microsoft.com/office/drawing/2014/main" id="{03F80D3E-318B-5B9C-940B-1C34716A088C}"/>
               </a:ext>
             </a:extLst>
           </p:cNvPr>
@@ -3695,8 +4427,248 @@
         </p:nvSpPr>
         <p:spPr>
           <a:xfrm>
-            <a:off x="1219200" y="603341"/>
-            <a:ext cx="9753600" cy="1323439"/>
+            <a:off x="2569131" y="3549977"/>
+            <a:ext cx="1084083" cy="261610"/>
+          </a:xfrm>
+          <a:prstGeom prst="rect">
+            <a:avLst/>
+          </a:prstGeom>
+          <a:solidFill>
+            <a:srgbClr val="FFFF00"/>
+          </a:solidFill>
+        </p:spPr>
+        <p:txBody>
+          <a:bodyPr wrap="square" rtlCol="0">
+            <a:spAutoFit/>
+          </a:bodyPr>
+          <a:lstStyle/>
+          <a:p>
+            <a:pPr algn="ctr"/>
+            <a:r>
+              <a:rPr lang="pt-BR" sz="1100" b="1" dirty="0" err="1"/>
+              <a:t>lookback</a:t>
+            </a:r>
+            <a:r>
+              <a:rPr lang="pt-BR" sz="1100" b="1" dirty="0"/>
+              <a:t> = 300</a:t>
+            </a:r>
+          </a:p>
+        </p:txBody>
+      </p:sp>
+      <p:sp>
+        <p:nvSpPr>
+          <p:cNvPr id="36" name="CaixaDeTexto 35">
+            <a:extLst>
+              <a:ext uri="{FF2B5EF4-FFF2-40B4-BE49-F238E27FC236}">
+                <a16:creationId xmlns:a16="http://schemas.microsoft.com/office/drawing/2014/main" id="{D3858D05-7458-827C-0AE1-8C3BADF66142}"/>
+              </a:ext>
+            </a:extLst>
+          </p:cNvPr>
+          <p:cNvSpPr txBox="1"/>
+          <p:nvPr/>
+        </p:nvSpPr>
+        <p:spPr>
+          <a:xfrm>
+            <a:off x="2590800" y="931388"/>
+            <a:ext cx="1084083" cy="261610"/>
+          </a:xfrm>
+          <a:prstGeom prst="rect">
+            <a:avLst/>
+          </a:prstGeom>
+          <a:solidFill>
+            <a:srgbClr val="FFFF00"/>
+          </a:solidFill>
+        </p:spPr>
+        <p:txBody>
+          <a:bodyPr wrap="square" rtlCol="0">
+            <a:spAutoFit/>
+          </a:bodyPr>
+          <a:lstStyle/>
+          <a:p>
+            <a:pPr algn="ctr"/>
+            <a:r>
+              <a:rPr lang="pt-BR" sz="1100" b="1" dirty="0" err="1"/>
+              <a:t>lookback</a:t>
+            </a:r>
+            <a:r>
+              <a:rPr lang="pt-BR" sz="1100" b="1" dirty="0"/>
+              <a:t> = 200</a:t>
+            </a:r>
+          </a:p>
+        </p:txBody>
+      </p:sp>
+      <p:sp>
+        <p:nvSpPr>
+          <p:cNvPr id="18" name="Retângulo 17">
+            <a:extLst>
+              <a:ext uri="{FF2B5EF4-FFF2-40B4-BE49-F238E27FC236}">
+                <a16:creationId xmlns:a16="http://schemas.microsoft.com/office/drawing/2014/main" id="{D5D26D61-B609-F730-0892-A9FF5E878E80}"/>
+              </a:ext>
+            </a:extLst>
+          </p:cNvPr>
+          <p:cNvSpPr/>
+          <p:nvPr/>
+        </p:nvSpPr>
+        <p:spPr>
+          <a:xfrm>
+            <a:off x="3667125" y="1447800"/>
+            <a:ext cx="1638299" cy="1066800"/>
+          </a:xfrm>
+          <a:prstGeom prst="rect">
+            <a:avLst/>
+          </a:prstGeom>
+          <a:noFill/>
+          <a:ln>
+            <a:solidFill>
+              <a:srgbClr val="FFFF00"/>
+            </a:solidFill>
+          </a:ln>
+        </p:spPr>
+        <p:style>
+          <a:lnRef idx="2">
+            <a:schemeClr val="accent1">
+              <a:shade val="15000"/>
+            </a:schemeClr>
+          </a:lnRef>
+          <a:fillRef idx="1">
+            <a:schemeClr val="accent1"/>
+          </a:fillRef>
+          <a:effectRef idx="0">
+            <a:schemeClr val="accent1"/>
+          </a:effectRef>
+          <a:fontRef idx="minor">
+            <a:schemeClr val="lt1"/>
+          </a:fontRef>
+        </p:style>
+        <p:txBody>
+          <a:bodyPr rtlCol="0" anchor="ctr"/>
+          <a:lstStyle/>
+          <a:p>
+            <a:pPr algn="ctr"/>
+            <a:endParaRPr lang="pt-BR"/>
+          </a:p>
+        </p:txBody>
+      </p:sp>
+      <p:sp>
+        <p:nvSpPr>
+          <p:cNvPr id="23" name="Retângulo 22">
+            <a:extLst>
+              <a:ext uri="{FF2B5EF4-FFF2-40B4-BE49-F238E27FC236}">
+                <a16:creationId xmlns:a16="http://schemas.microsoft.com/office/drawing/2014/main" id="{76F680F2-1EFF-3214-98D3-4D8EB5ACB454}"/>
+              </a:ext>
+            </a:extLst>
+          </p:cNvPr>
+          <p:cNvSpPr/>
+          <p:nvPr/>
+        </p:nvSpPr>
+        <p:spPr>
+          <a:xfrm>
+            <a:off x="1841557" y="3583069"/>
+            <a:ext cx="2339917" cy="2177592"/>
+          </a:xfrm>
+          <a:prstGeom prst="rect">
+            <a:avLst/>
+          </a:prstGeom>
+          <a:noFill/>
+          <a:ln>
+            <a:solidFill>
+              <a:srgbClr val="FFFF00"/>
+            </a:solidFill>
+          </a:ln>
+        </p:spPr>
+        <p:style>
+          <a:lnRef idx="2">
+            <a:schemeClr val="accent1">
+              <a:shade val="15000"/>
+            </a:schemeClr>
+          </a:lnRef>
+          <a:fillRef idx="1">
+            <a:schemeClr val="accent1"/>
+          </a:fillRef>
+          <a:effectRef idx="0">
+            <a:schemeClr val="accent1"/>
+          </a:effectRef>
+          <a:fontRef idx="minor">
+            <a:schemeClr val="lt1"/>
+          </a:fontRef>
+        </p:style>
+        <p:txBody>
+          <a:bodyPr rtlCol="0" anchor="ctr"/>
+          <a:lstStyle/>
+          <a:p>
+            <a:pPr algn="ctr"/>
+            <a:endParaRPr lang="pt-BR"/>
+          </a:p>
+        </p:txBody>
+      </p:sp>
+      <p:sp>
+        <p:nvSpPr>
+          <p:cNvPr id="24" name="Retângulo 23">
+            <a:extLst>
+              <a:ext uri="{FF2B5EF4-FFF2-40B4-BE49-F238E27FC236}">
+                <a16:creationId xmlns:a16="http://schemas.microsoft.com/office/drawing/2014/main" id="{BA0E56E3-8B9C-A71C-A7A4-8EA6A34E8547}"/>
+              </a:ext>
+            </a:extLst>
+          </p:cNvPr>
+          <p:cNvSpPr/>
+          <p:nvPr/>
+        </p:nvSpPr>
+        <p:spPr>
+          <a:xfrm>
+            <a:off x="6299257" y="3754519"/>
+            <a:ext cx="2339917" cy="2177592"/>
+          </a:xfrm>
+          <a:prstGeom prst="rect">
+            <a:avLst/>
+          </a:prstGeom>
+          <a:noFill/>
+          <a:ln>
+            <a:solidFill>
+              <a:srgbClr val="FFFF00"/>
+            </a:solidFill>
+          </a:ln>
+        </p:spPr>
+        <p:style>
+          <a:lnRef idx="2">
+            <a:schemeClr val="accent1">
+              <a:shade val="15000"/>
+            </a:schemeClr>
+          </a:lnRef>
+          <a:fillRef idx="1">
+            <a:schemeClr val="accent1"/>
+          </a:fillRef>
+          <a:effectRef idx="0">
+            <a:schemeClr val="accent1"/>
+          </a:effectRef>
+          <a:fontRef idx="minor">
+            <a:schemeClr val="lt1"/>
+          </a:fontRef>
+        </p:style>
+        <p:txBody>
+          <a:bodyPr rtlCol="0" anchor="ctr"/>
+          <a:lstStyle/>
+          <a:p>
+            <a:pPr algn="ctr"/>
+            <a:endParaRPr lang="pt-BR"/>
+          </a:p>
+        </p:txBody>
+      </p:sp>
+      <p:sp>
+        <p:nvSpPr>
+          <p:cNvPr id="2" name="CaixaDeTexto 1">
+            <a:extLst>
+              <a:ext uri="{FF2B5EF4-FFF2-40B4-BE49-F238E27FC236}">
+                <a16:creationId xmlns:a16="http://schemas.microsoft.com/office/drawing/2014/main" id="{52F92D69-CA44-86E8-1121-1231BC49352C}"/>
+              </a:ext>
+            </a:extLst>
+          </p:cNvPr>
+          <p:cNvSpPr txBox="1"/>
+          <p:nvPr/>
+        </p:nvSpPr>
+        <p:spPr>
+          <a:xfrm>
+            <a:off x="1055688" y="192791"/>
+            <a:ext cx="10080625" cy="584775"/>
           </a:xfrm>
           <a:prstGeom prst="rect">
             <a:avLst/>
@@ -3716,45 +4688,32 @@
           <a:p>
             <a:pPr algn="ctr"/>
             <a:r>
-              <a:rPr lang="pt-BR" sz="4000" dirty="0"/>
-              <a:t>Podemos aumentar a ordem dos pontos de máximo e mínimo de 6 para 10:</a:t>
-            </a:r>
-          </a:p>
-        </p:txBody>
-      </p:sp>
-      <p:pic>
-        <p:nvPicPr>
-          <p:cNvPr id="4" name="Imagem 3">
-            <a:extLst>
-              <a:ext uri="{FF2B5EF4-FFF2-40B4-BE49-F238E27FC236}">
-                <a16:creationId xmlns:a16="http://schemas.microsoft.com/office/drawing/2014/main" id="{D58B1D1B-823D-8051-0BB7-FABC7351F315}"/>
-              </a:ext>
-            </a:extLst>
-          </p:cNvPr>
-          <p:cNvPicPr>
-            <a:picLocks noChangeAspect="1"/>
-          </p:cNvPicPr>
-          <p:nvPr/>
-        </p:nvPicPr>
-        <p:blipFill rotWithShape="1">
-          <a:blip r:embed="rId2"/>
-          <a:srcRect l="1435" t="4604" r="2727" b="2306"/>
-          <a:stretch/>
-        </p:blipFill>
-        <p:spPr>
-          <a:xfrm>
-            <a:off x="515938" y="2060575"/>
-            <a:ext cx="11233150" cy="3708400"/>
-          </a:xfrm>
-          <a:prstGeom prst="rect">
-            <a:avLst/>
-          </a:prstGeom>
-        </p:spPr>
-      </p:pic>
+              <a:rPr lang="pt-BR" sz="3200" dirty="0"/>
+              <a:t>Escolha do </a:t>
+            </a:r>
+            <a:r>
+              <a:rPr lang="pt-BR" sz="3200" dirty="0" err="1"/>
+              <a:t>lookback</a:t>
+            </a:r>
+            <a:r>
+              <a:rPr lang="pt-BR" sz="3200" dirty="0"/>
+              <a:t> (200 </a:t>
+            </a:r>
+            <a:r>
+              <a:rPr lang="pt-BR" sz="3200" dirty="0" err="1"/>
+              <a:t>vs</a:t>
+            </a:r>
+            <a:r>
+              <a:rPr lang="pt-BR" sz="3200" dirty="0"/>
+              <a:t> 300)</a:t>
+            </a:r>
+          </a:p>
+        </p:txBody>
+      </p:sp>
     </p:spTree>
     <p:extLst>
       <p:ext uri="{BB962C8B-B14F-4D97-AF65-F5344CB8AC3E}">
-        <p14:creationId xmlns:p14="http://schemas.microsoft.com/office/powerpoint/2010/main" val="2616549402"/>
+        <p14:creationId xmlns:p14="http://schemas.microsoft.com/office/powerpoint/2010/main" val="3506385508"/>
       </p:ext>
     </p:extLst>
   </p:cSld>
@@ -3781,12 +4740,122 @@
           <a:chExt cx="0" cy="0"/>
         </a:xfrm>
       </p:grpSpPr>
-      <p:sp>
-        <p:nvSpPr>
-          <p:cNvPr id="3" name="CaixaDeTexto 2">
-            <a:extLst>
-              <a:ext uri="{FF2B5EF4-FFF2-40B4-BE49-F238E27FC236}">
-                <a16:creationId xmlns:a16="http://schemas.microsoft.com/office/drawing/2014/main" id="{7EBAD6C7-E7A0-DD84-F3A5-D03C91E593F6}"/>
+      <p:pic>
+        <p:nvPicPr>
+          <p:cNvPr id="17" name="Imagem 16">
+            <a:extLst>
+              <a:ext uri="{FF2B5EF4-FFF2-40B4-BE49-F238E27FC236}">
+                <a16:creationId xmlns:a16="http://schemas.microsoft.com/office/drawing/2014/main" id="{3543ED60-BEC8-B230-6950-ABC2C988BBD5}"/>
+              </a:ext>
+            </a:extLst>
+          </p:cNvPr>
+          <p:cNvPicPr>
+            <a:picLocks noChangeAspect="1"/>
+          </p:cNvPicPr>
+          <p:nvPr/>
+        </p:nvPicPr>
+        <p:blipFill rotWithShape="1">
+          <a:blip r:embed="rId2"/>
+          <a:srcRect t="14568"/>
+          <a:stretch/>
+        </p:blipFill>
+        <p:spPr>
+          <a:xfrm>
+            <a:off x="12700" y="1072685"/>
+            <a:ext cx="12192000" cy="2994372"/>
+          </a:xfrm>
+          <a:prstGeom prst="rect">
+            <a:avLst/>
+          </a:prstGeom>
+        </p:spPr>
+      </p:pic>
+      <p:pic>
+        <p:nvPicPr>
+          <p:cNvPr id="4" name="Imagem 3">
+            <a:extLst>
+              <a:ext uri="{FF2B5EF4-FFF2-40B4-BE49-F238E27FC236}">
+                <a16:creationId xmlns:a16="http://schemas.microsoft.com/office/drawing/2014/main" id="{84EC49B0-6371-5823-D4CC-73DAA9A36226}"/>
+              </a:ext>
+            </a:extLst>
+          </p:cNvPr>
+          <p:cNvPicPr>
+            <a:picLocks noChangeAspect="1"/>
+          </p:cNvPicPr>
+          <p:nvPr/>
+        </p:nvPicPr>
+        <p:blipFill rotWithShape="1">
+          <a:blip r:embed="rId3"/>
+          <a:srcRect l="546" b="23843"/>
+          <a:stretch/>
+        </p:blipFill>
+        <p:spPr>
+          <a:xfrm>
+            <a:off x="19049" y="3214687"/>
+            <a:ext cx="12192001" cy="3529014"/>
+          </a:xfrm>
+          <a:prstGeom prst="rect">
+            <a:avLst/>
+          </a:prstGeom>
+        </p:spPr>
+      </p:pic>
+      <p:sp>
+        <p:nvSpPr>
+          <p:cNvPr id="12" name="Retângulo 11">
+            <a:extLst>
+              <a:ext uri="{FF2B5EF4-FFF2-40B4-BE49-F238E27FC236}">
+                <a16:creationId xmlns:a16="http://schemas.microsoft.com/office/drawing/2014/main" id="{0C8877A1-111A-76D0-D092-4D250D04D223}"/>
+              </a:ext>
+            </a:extLst>
+          </p:cNvPr>
+          <p:cNvSpPr/>
+          <p:nvPr/>
+        </p:nvSpPr>
+        <p:spPr>
+          <a:xfrm>
+            <a:off x="1866900" y="1504950"/>
+            <a:ext cx="1638299" cy="1066800"/>
+          </a:xfrm>
+          <a:prstGeom prst="rect">
+            <a:avLst/>
+          </a:prstGeom>
+          <a:noFill/>
+          <a:ln>
+            <a:solidFill>
+              <a:srgbClr val="FFFF00"/>
+            </a:solidFill>
+          </a:ln>
+        </p:spPr>
+        <p:style>
+          <a:lnRef idx="2">
+            <a:schemeClr val="accent1">
+              <a:shade val="15000"/>
+            </a:schemeClr>
+          </a:lnRef>
+          <a:fillRef idx="1">
+            <a:schemeClr val="accent1"/>
+          </a:fillRef>
+          <a:effectRef idx="0">
+            <a:schemeClr val="accent1"/>
+          </a:effectRef>
+          <a:fontRef idx="minor">
+            <a:schemeClr val="lt1"/>
+          </a:fontRef>
+        </p:style>
+        <p:txBody>
+          <a:bodyPr rtlCol="0" anchor="ctr"/>
+          <a:lstStyle/>
+          <a:p>
+            <a:pPr algn="ctr"/>
+            <a:endParaRPr lang="pt-BR"/>
+          </a:p>
+        </p:txBody>
+      </p:sp>
+      <p:sp>
+        <p:nvSpPr>
+          <p:cNvPr id="35" name="CaixaDeTexto 34">
+            <a:extLst>
+              <a:ext uri="{FF2B5EF4-FFF2-40B4-BE49-F238E27FC236}">
+                <a16:creationId xmlns:a16="http://schemas.microsoft.com/office/drawing/2014/main" id="{03F80D3E-318B-5B9C-940B-1C34716A088C}"/>
               </a:ext>
             </a:extLst>
           </p:cNvPr>
@@ -3795,8 +4864,196 @@
         </p:nvSpPr>
         <p:spPr>
           <a:xfrm>
-            <a:off x="1219200" y="603341"/>
-            <a:ext cx="9753600" cy="1323439"/>
+            <a:off x="2569131" y="3549977"/>
+            <a:ext cx="1084083" cy="261610"/>
+          </a:xfrm>
+          <a:prstGeom prst="rect">
+            <a:avLst/>
+          </a:prstGeom>
+          <a:solidFill>
+            <a:srgbClr val="FFFF00"/>
+          </a:solidFill>
+        </p:spPr>
+        <p:txBody>
+          <a:bodyPr wrap="square" rtlCol="0">
+            <a:spAutoFit/>
+          </a:bodyPr>
+          <a:lstStyle/>
+          <a:p>
+            <a:pPr algn="ctr"/>
+            <a:r>
+              <a:rPr lang="pt-BR" sz="1100" b="1" dirty="0" err="1"/>
+              <a:t>lookback</a:t>
+            </a:r>
+            <a:r>
+              <a:rPr lang="pt-BR" sz="1100" b="1" dirty="0"/>
+              <a:t> = 600</a:t>
+            </a:r>
+          </a:p>
+        </p:txBody>
+      </p:sp>
+      <p:sp>
+        <p:nvSpPr>
+          <p:cNvPr id="36" name="CaixaDeTexto 35">
+            <a:extLst>
+              <a:ext uri="{FF2B5EF4-FFF2-40B4-BE49-F238E27FC236}">
+                <a16:creationId xmlns:a16="http://schemas.microsoft.com/office/drawing/2014/main" id="{D3858D05-7458-827C-0AE1-8C3BADF66142}"/>
+              </a:ext>
+            </a:extLst>
+          </p:cNvPr>
+          <p:cNvSpPr txBox="1"/>
+          <p:nvPr/>
+        </p:nvSpPr>
+        <p:spPr>
+          <a:xfrm>
+            <a:off x="2590800" y="931388"/>
+            <a:ext cx="1084083" cy="261610"/>
+          </a:xfrm>
+          <a:prstGeom prst="rect">
+            <a:avLst/>
+          </a:prstGeom>
+          <a:solidFill>
+            <a:srgbClr val="FFFF00"/>
+          </a:solidFill>
+        </p:spPr>
+        <p:txBody>
+          <a:bodyPr wrap="square" rtlCol="0">
+            <a:spAutoFit/>
+          </a:bodyPr>
+          <a:lstStyle/>
+          <a:p>
+            <a:pPr algn="ctr"/>
+            <a:r>
+              <a:rPr lang="pt-BR" sz="1100" b="1" dirty="0" err="1"/>
+              <a:t>lookback</a:t>
+            </a:r>
+            <a:r>
+              <a:rPr lang="pt-BR" sz="1100" b="1" dirty="0"/>
+              <a:t> = 200</a:t>
+            </a:r>
+          </a:p>
+        </p:txBody>
+      </p:sp>
+      <p:sp>
+        <p:nvSpPr>
+          <p:cNvPr id="18" name="Retângulo 17">
+            <a:extLst>
+              <a:ext uri="{FF2B5EF4-FFF2-40B4-BE49-F238E27FC236}">
+                <a16:creationId xmlns:a16="http://schemas.microsoft.com/office/drawing/2014/main" id="{D5D26D61-B609-F730-0892-A9FF5E878E80}"/>
+              </a:ext>
+            </a:extLst>
+          </p:cNvPr>
+          <p:cNvSpPr/>
+          <p:nvPr/>
+        </p:nvSpPr>
+        <p:spPr>
+          <a:xfrm>
+            <a:off x="3667125" y="1447800"/>
+            <a:ext cx="1638299" cy="1066800"/>
+          </a:xfrm>
+          <a:prstGeom prst="rect">
+            <a:avLst/>
+          </a:prstGeom>
+          <a:noFill/>
+          <a:ln>
+            <a:solidFill>
+              <a:srgbClr val="FFFF00"/>
+            </a:solidFill>
+          </a:ln>
+        </p:spPr>
+        <p:style>
+          <a:lnRef idx="2">
+            <a:schemeClr val="accent1">
+              <a:shade val="15000"/>
+            </a:schemeClr>
+          </a:lnRef>
+          <a:fillRef idx="1">
+            <a:schemeClr val="accent1"/>
+          </a:fillRef>
+          <a:effectRef idx="0">
+            <a:schemeClr val="accent1"/>
+          </a:effectRef>
+          <a:fontRef idx="minor">
+            <a:schemeClr val="lt1"/>
+          </a:fontRef>
+        </p:style>
+        <p:txBody>
+          <a:bodyPr rtlCol="0" anchor="ctr"/>
+          <a:lstStyle/>
+          <a:p>
+            <a:pPr algn="ctr"/>
+            <a:endParaRPr lang="pt-BR"/>
+          </a:p>
+        </p:txBody>
+      </p:sp>
+      <p:sp>
+        <p:nvSpPr>
+          <p:cNvPr id="23" name="Retângulo 22">
+            <a:extLst>
+              <a:ext uri="{FF2B5EF4-FFF2-40B4-BE49-F238E27FC236}">
+                <a16:creationId xmlns:a16="http://schemas.microsoft.com/office/drawing/2014/main" id="{76F680F2-1EFF-3214-98D3-4D8EB5ACB454}"/>
+              </a:ext>
+            </a:extLst>
+          </p:cNvPr>
+          <p:cNvSpPr/>
+          <p:nvPr/>
+        </p:nvSpPr>
+        <p:spPr>
+          <a:xfrm>
+            <a:off x="1876424" y="3800474"/>
+            <a:ext cx="4314825" cy="2045911"/>
+          </a:xfrm>
+          <a:prstGeom prst="rect">
+            <a:avLst/>
+          </a:prstGeom>
+          <a:noFill/>
+          <a:ln>
+            <a:solidFill>
+              <a:srgbClr val="FFFF00"/>
+            </a:solidFill>
+          </a:ln>
+        </p:spPr>
+        <p:style>
+          <a:lnRef idx="2">
+            <a:schemeClr val="accent1">
+              <a:shade val="15000"/>
+            </a:schemeClr>
+          </a:lnRef>
+          <a:fillRef idx="1">
+            <a:schemeClr val="accent1"/>
+          </a:fillRef>
+          <a:effectRef idx="0">
+            <a:schemeClr val="accent1"/>
+          </a:effectRef>
+          <a:fontRef idx="minor">
+            <a:schemeClr val="lt1"/>
+          </a:fontRef>
+        </p:style>
+        <p:txBody>
+          <a:bodyPr rtlCol="0" anchor="ctr"/>
+          <a:lstStyle/>
+          <a:p>
+            <a:pPr algn="ctr"/>
+            <a:endParaRPr lang="pt-BR"/>
+          </a:p>
+        </p:txBody>
+      </p:sp>
+      <p:sp>
+        <p:nvSpPr>
+          <p:cNvPr id="3" name="CaixaDeTexto 2">
+            <a:extLst>
+              <a:ext uri="{FF2B5EF4-FFF2-40B4-BE49-F238E27FC236}">
+                <a16:creationId xmlns:a16="http://schemas.microsoft.com/office/drawing/2014/main" id="{1B651385-2768-9AE0-3F18-A1CB723DC5A9}"/>
+              </a:ext>
+            </a:extLst>
+          </p:cNvPr>
+          <p:cNvSpPr txBox="1"/>
+          <p:nvPr/>
+        </p:nvSpPr>
+        <p:spPr>
+          <a:xfrm>
+            <a:off x="1055688" y="192791"/>
+            <a:ext cx="10080625" cy="584775"/>
           </a:xfrm>
           <a:prstGeom prst="rect">
             <a:avLst/>
@@ -3816,45 +5073,32 @@
           <a:p>
             <a:pPr algn="ctr"/>
             <a:r>
-              <a:rPr lang="pt-BR" sz="4000" dirty="0"/>
-              <a:t>O que acontece com um gráfico de ordem 7 se mudamos o intervalo do RSI de 42 para 35?</a:t>
-            </a:r>
-          </a:p>
-        </p:txBody>
-      </p:sp>
-      <p:pic>
-        <p:nvPicPr>
-          <p:cNvPr id="5" name="Imagem 4">
-            <a:extLst>
-              <a:ext uri="{FF2B5EF4-FFF2-40B4-BE49-F238E27FC236}">
-                <a16:creationId xmlns:a16="http://schemas.microsoft.com/office/drawing/2014/main" id="{637C0FCC-AFDD-8975-5050-F1D8414A6489}"/>
-              </a:ext>
-            </a:extLst>
-          </p:cNvPr>
-          <p:cNvPicPr>
-            <a:picLocks noChangeAspect="1"/>
-          </p:cNvPicPr>
-          <p:nvPr/>
-        </p:nvPicPr>
-        <p:blipFill rotWithShape="1">
-          <a:blip r:embed="rId2"/>
-          <a:srcRect l="1061" t="2873" r="2893" b="3845"/>
-          <a:stretch/>
-        </p:blipFill>
-        <p:spPr>
-          <a:xfrm>
-            <a:off x="515938" y="2060575"/>
-            <a:ext cx="11233150" cy="3708400"/>
-          </a:xfrm>
-          <a:prstGeom prst="rect">
-            <a:avLst/>
-          </a:prstGeom>
-        </p:spPr>
-      </p:pic>
+              <a:rPr lang="pt-BR" sz="3200" dirty="0"/>
+              <a:t>Escolha do </a:t>
+            </a:r>
+            <a:r>
+              <a:rPr lang="pt-BR" sz="3200" dirty="0" err="1"/>
+              <a:t>lookback</a:t>
+            </a:r>
+            <a:r>
+              <a:rPr lang="pt-BR" sz="3200" dirty="0"/>
+              <a:t> (200 </a:t>
+            </a:r>
+            <a:r>
+              <a:rPr lang="pt-BR" sz="3200" dirty="0" err="1"/>
+              <a:t>vs</a:t>
+            </a:r>
+            <a:r>
+              <a:rPr lang="pt-BR" sz="3200" dirty="0"/>
+              <a:t> 300)</a:t>
+            </a:r>
+          </a:p>
+        </p:txBody>
+      </p:sp>
     </p:spTree>
     <p:extLst>
       <p:ext uri="{BB962C8B-B14F-4D97-AF65-F5344CB8AC3E}">
-        <p14:creationId xmlns:p14="http://schemas.microsoft.com/office/powerpoint/2010/main" val="1762705107"/>
+        <p14:creationId xmlns:p14="http://schemas.microsoft.com/office/powerpoint/2010/main" val="3245981772"/>
       </p:ext>
     </p:extLst>
   </p:cSld>
@@ -3881,12 +5125,41 @@
           <a:chExt cx="0" cy="0"/>
         </a:xfrm>
       </p:grpSpPr>
-      <p:sp>
-        <p:nvSpPr>
-          <p:cNvPr id="3" name="CaixaDeTexto 2">
-            <a:extLst>
-              <a:ext uri="{FF2B5EF4-FFF2-40B4-BE49-F238E27FC236}">
-                <a16:creationId xmlns:a16="http://schemas.microsoft.com/office/drawing/2014/main" id="{7EBAD6C7-E7A0-DD84-F3A5-D03C91E593F6}"/>
+      <p:pic>
+        <p:nvPicPr>
+          <p:cNvPr id="6" name="Imagem 5">
+            <a:extLst>
+              <a:ext uri="{FF2B5EF4-FFF2-40B4-BE49-F238E27FC236}">
+                <a16:creationId xmlns:a16="http://schemas.microsoft.com/office/drawing/2014/main" id="{2659FDD0-9186-C953-99F4-E72AB9AED09F}"/>
+              </a:ext>
+            </a:extLst>
+          </p:cNvPr>
+          <p:cNvPicPr>
+            <a:picLocks noChangeAspect="1"/>
+          </p:cNvPicPr>
+          <p:nvPr/>
+        </p:nvPicPr>
+        <p:blipFill rotWithShape="1">
+          <a:blip r:embed="rId2"/>
+          <a:srcRect l="1407" t="2138" r="336" b="1588"/>
+          <a:stretch/>
+        </p:blipFill>
+        <p:spPr>
+          <a:xfrm>
+            <a:off x="515938" y="2060574"/>
+            <a:ext cx="11233151" cy="3708401"/>
+          </a:xfrm>
+          <a:prstGeom prst="rect">
+            <a:avLst/>
+          </a:prstGeom>
+        </p:spPr>
+      </p:pic>
+      <p:sp>
+        <p:nvSpPr>
+          <p:cNvPr id="4" name="CaixaDeTexto 3">
+            <a:extLst>
+              <a:ext uri="{FF2B5EF4-FFF2-40B4-BE49-F238E27FC236}">
+                <a16:creationId xmlns:a16="http://schemas.microsoft.com/office/drawing/2014/main" id="{29ECF9F6-3561-AC2F-DD53-446F7A9F43D7}"/>
               </a:ext>
             </a:extLst>
           </p:cNvPr>
@@ -3895,8 +5168,8 @@
         </p:nvSpPr>
         <p:spPr>
           <a:xfrm>
-            <a:off x="1219200" y="603341"/>
-            <a:ext cx="9753600" cy="1323439"/>
+            <a:off x="1055688" y="192791"/>
+            <a:ext cx="10080625" cy="1077218"/>
           </a:xfrm>
           <a:prstGeom prst="rect">
             <a:avLst/>
@@ -3916,45 +5189,16 @@
           <a:p>
             <a:pPr algn="ctr"/>
             <a:r>
-              <a:rPr lang="pt-BR" sz="4000" dirty="0"/>
-              <a:t>Um gráfico de ordem 7 com o intervalo do RSI de 35 fica assim:</a:t>
-            </a:r>
-          </a:p>
-        </p:txBody>
-      </p:sp>
-      <p:pic>
-        <p:nvPicPr>
-          <p:cNvPr id="4" name="Imagem 3">
-            <a:extLst>
-              <a:ext uri="{FF2B5EF4-FFF2-40B4-BE49-F238E27FC236}">
-                <a16:creationId xmlns:a16="http://schemas.microsoft.com/office/drawing/2014/main" id="{66E9BA68-85E4-EF7D-12A1-DD6AE0FEC090}"/>
-              </a:ext>
-            </a:extLst>
-          </p:cNvPr>
-          <p:cNvPicPr>
-            <a:picLocks noChangeAspect="1"/>
-          </p:cNvPicPr>
-          <p:nvPr/>
-        </p:nvPicPr>
-        <p:blipFill rotWithShape="1">
-          <a:blip r:embed="rId2"/>
-          <a:srcRect l="1793" t="4767" r="6070" b="5776"/>
-          <a:stretch/>
-        </p:blipFill>
-        <p:spPr>
-          <a:xfrm>
-            <a:off x="515938" y="2060574"/>
-            <a:ext cx="11233150" cy="3708401"/>
-          </a:xfrm>
-          <a:prstGeom prst="rect">
-            <a:avLst/>
-          </a:prstGeom>
-        </p:spPr>
-      </p:pic>
+              <a:rPr lang="pt-BR" sz="3200" dirty="0"/>
+              <a:t>Definição de janelas: qual é a melhor tamanho de janela? Decidi usar Uma combinação de 50 / 100 / 200 / 300</a:t>
+            </a:r>
+          </a:p>
+        </p:txBody>
+      </p:sp>
     </p:spTree>
     <p:extLst>
       <p:ext uri="{BB962C8B-B14F-4D97-AF65-F5344CB8AC3E}">
-        <p14:creationId xmlns:p14="http://schemas.microsoft.com/office/powerpoint/2010/main" val="270524220"/>
+        <p14:creationId xmlns:p14="http://schemas.microsoft.com/office/powerpoint/2010/main" val="2715164518"/>
       </p:ext>
     </p:extLst>
   </p:cSld>
@@ -3983,10 +5227,10 @@
       </p:grpSpPr>
       <p:sp>
         <p:nvSpPr>
-          <p:cNvPr id="3" name="CaixaDeTexto 2">
-            <a:extLst>
-              <a:ext uri="{FF2B5EF4-FFF2-40B4-BE49-F238E27FC236}">
-                <a16:creationId xmlns:a16="http://schemas.microsoft.com/office/drawing/2014/main" id="{7EBAD6C7-E7A0-DD84-F3A5-D03C91E593F6}"/>
+          <p:cNvPr id="2" name="CaixaDeTexto 1">
+            <a:extLst>
+              <a:ext uri="{FF2B5EF4-FFF2-40B4-BE49-F238E27FC236}">
+                <a16:creationId xmlns:a16="http://schemas.microsoft.com/office/drawing/2014/main" id="{DD8C5AA7-91DD-807C-5FA9-5A8DE08F3F0C}"/>
               </a:ext>
             </a:extLst>
           </p:cNvPr>
@@ -3995,8 +5239,47 @@
         </p:nvSpPr>
         <p:spPr>
           <a:xfrm>
-            <a:off x="1219200" y="603341"/>
-            <a:ext cx="9753600" cy="1323439"/>
+            <a:off x="1055688" y="970384"/>
+            <a:ext cx="10150377" cy="830997"/>
+          </a:xfrm>
+          <a:prstGeom prst="rect">
+            <a:avLst/>
+          </a:prstGeom>
+          <a:noFill/>
+        </p:spPr>
+        <p:txBody>
+          <a:bodyPr wrap="square" rtlCol="0">
+            <a:spAutoFit/>
+          </a:bodyPr>
+          <a:lstStyle/>
+          <a:p>
+            <a:pPr marL="457200" indent="-457200">
+              <a:buFont typeface="+mj-lt"/>
+              <a:buAutoNum type="arabicPeriod" startAt="8"/>
+            </a:pPr>
+            <a:r>
+              <a:rPr lang="pt-BR" sz="2400" dirty="0"/>
+              <a:t>Eliminamos as retas suportes com inclinação negativa e as retas de resistência com inclinação positiva</a:t>
+            </a:r>
+          </a:p>
+        </p:txBody>
+      </p:sp>
+      <p:sp>
+        <p:nvSpPr>
+          <p:cNvPr id="5" name="CaixaDeTexto 4">
+            <a:extLst>
+              <a:ext uri="{FF2B5EF4-FFF2-40B4-BE49-F238E27FC236}">
+                <a16:creationId xmlns:a16="http://schemas.microsoft.com/office/drawing/2014/main" id="{B911425B-6882-E571-C00D-D6EAA3150189}"/>
+              </a:ext>
+            </a:extLst>
+          </p:cNvPr>
+          <p:cNvSpPr txBox="1"/>
+          <p:nvPr/>
+        </p:nvSpPr>
+        <p:spPr>
+          <a:xfrm>
+            <a:off x="1055688" y="192791"/>
+            <a:ext cx="10080625" cy="584775"/>
           </a:xfrm>
           <a:prstGeom prst="rect">
             <a:avLst/>
@@ -4016,18 +5299,48 @@
           <a:p>
             <a:pPr algn="ctr"/>
             <a:r>
-              <a:rPr lang="pt-BR" sz="4000" dirty="0"/>
-              <a:t>Para esse intervalo do RSI (35), talvez a melhor ordem seja 10:</a:t>
-            </a:r>
-          </a:p>
-        </p:txBody>
-      </p:sp>
+              <a:rPr lang="pt-BR" sz="3200" dirty="0"/>
+              <a:t>Lógica das retas - continuação</a:t>
+            </a:r>
+          </a:p>
+        </p:txBody>
+      </p:sp>
+    </p:spTree>
+    <p:extLst>
+      <p:ext uri="{BB962C8B-B14F-4D97-AF65-F5344CB8AC3E}">
+        <p14:creationId xmlns:p14="http://schemas.microsoft.com/office/powerpoint/2010/main" val="2333831034"/>
+      </p:ext>
+    </p:extLst>
+  </p:cSld>
+  <p:clrMapOvr>
+    <a:masterClrMapping/>
+  </p:clrMapOvr>
+</p:sld>
+</file>
+
+<file path=ppt/slides/slide16.xml><?xml version="1.0" encoding="utf-8"?>
+<p:sld xmlns:a="http://schemas.openxmlformats.org/drawingml/2006/main" xmlns:r="http://schemas.openxmlformats.org/officeDocument/2006/relationships" xmlns:p="http://schemas.openxmlformats.org/presentationml/2006/main">
+  <p:cSld>
+    <p:spTree>
+      <p:nvGrpSpPr>
+        <p:cNvPr id="1" name=""/>
+        <p:cNvGrpSpPr/>
+        <p:nvPr/>
+      </p:nvGrpSpPr>
+      <p:grpSpPr>
+        <a:xfrm>
+          <a:off x="0" y="0"/>
+          <a:ext cx="0" cy="0"/>
+          <a:chOff x="0" y="0"/>
+          <a:chExt cx="0" cy="0"/>
+        </a:xfrm>
+      </p:grpSpPr>
       <p:pic>
         <p:nvPicPr>
-          <p:cNvPr id="7" name="Imagem 6">
-            <a:extLst>
-              <a:ext uri="{FF2B5EF4-FFF2-40B4-BE49-F238E27FC236}">
-                <a16:creationId xmlns:a16="http://schemas.microsoft.com/office/drawing/2014/main" id="{A4BF960A-0154-C3BE-489C-9FD14F5A03F5}"/>
+          <p:cNvPr id="5" name="Imagem 4">
+            <a:extLst>
+              <a:ext uri="{FF2B5EF4-FFF2-40B4-BE49-F238E27FC236}">
+                <a16:creationId xmlns:a16="http://schemas.microsoft.com/office/drawing/2014/main" id="{8409B12B-543A-9931-1D52-44A71BAA6B58}"/>
               </a:ext>
             </a:extLst>
           </p:cNvPr>
@@ -4038,23 +5351,447 @@
         </p:nvPicPr>
         <p:blipFill rotWithShape="1">
           <a:blip r:embed="rId2"/>
-          <a:srcRect l="2229" t="4456" r="4470" b="7181"/>
+          <a:srcRect l="1043" t="892" r="167" b="1209"/>
           <a:stretch/>
         </p:blipFill>
         <p:spPr>
           <a:xfrm>
-            <a:off x="515938" y="2060574"/>
-            <a:ext cx="11233150" cy="3708401"/>
+            <a:off x="515938" y="2060575"/>
+            <a:ext cx="11233150" cy="3710513"/>
           </a:xfrm>
           <a:prstGeom prst="rect">
             <a:avLst/>
           </a:prstGeom>
         </p:spPr>
       </p:pic>
+      <p:sp>
+        <p:nvSpPr>
+          <p:cNvPr id="2" name="CaixaDeTexto 1">
+            <a:extLst>
+              <a:ext uri="{FF2B5EF4-FFF2-40B4-BE49-F238E27FC236}">
+                <a16:creationId xmlns:a16="http://schemas.microsoft.com/office/drawing/2014/main" id="{13B42B1C-BAEF-AF27-7764-5F7F59D3C6DC}"/>
+              </a:ext>
+            </a:extLst>
+          </p:cNvPr>
+          <p:cNvSpPr txBox="1"/>
+          <p:nvPr/>
+        </p:nvSpPr>
+        <p:spPr>
+          <a:xfrm>
+            <a:off x="1055688" y="192791"/>
+            <a:ext cx="10080625" cy="584775"/>
+          </a:xfrm>
+          <a:prstGeom prst="rect">
+            <a:avLst/>
+          </a:prstGeom>
+          <a:noFill/>
+          <a:ln>
+            <a:solidFill>
+              <a:schemeClr val="tx1"/>
+            </a:solidFill>
+          </a:ln>
+        </p:spPr>
+        <p:txBody>
+          <a:bodyPr wrap="square" rtlCol="0">
+            <a:spAutoFit/>
+          </a:bodyPr>
+          <a:lstStyle/>
+          <a:p>
+            <a:pPr algn="ctr"/>
+            <a:r>
+              <a:rPr lang="pt-BR" sz="3200" dirty="0"/>
+              <a:t>Eliminação por </a:t>
+            </a:r>
+            <a:r>
+              <a:rPr lang="pt-BR" sz="3200" dirty="0" err="1"/>
+              <a:t>Slope</a:t>
+            </a:r>
+            <a:endParaRPr lang="pt-BR" sz="3200" dirty="0"/>
+          </a:p>
+        </p:txBody>
+      </p:sp>
     </p:spTree>
     <p:extLst>
       <p:ext uri="{BB962C8B-B14F-4D97-AF65-F5344CB8AC3E}">
-        <p14:creationId xmlns:p14="http://schemas.microsoft.com/office/powerpoint/2010/main" val="14449147"/>
+        <p14:creationId xmlns:p14="http://schemas.microsoft.com/office/powerpoint/2010/main" val="3464041436"/>
+      </p:ext>
+    </p:extLst>
+  </p:cSld>
+  <p:clrMapOvr>
+    <a:masterClrMapping/>
+  </p:clrMapOvr>
+</p:sld>
+</file>
+
+<file path=ppt/slides/slide17.xml><?xml version="1.0" encoding="utf-8"?>
+<p:sld xmlns:a="http://schemas.openxmlformats.org/drawingml/2006/main" xmlns:r="http://schemas.openxmlformats.org/officeDocument/2006/relationships" xmlns:p="http://schemas.openxmlformats.org/presentationml/2006/main">
+  <p:cSld>
+    <p:spTree>
+      <p:nvGrpSpPr>
+        <p:cNvPr id="1" name=""/>
+        <p:cNvGrpSpPr/>
+        <p:nvPr/>
+      </p:nvGrpSpPr>
+      <p:grpSpPr>
+        <a:xfrm>
+          <a:off x="0" y="0"/>
+          <a:ext cx="0" cy="0"/>
+          <a:chOff x="0" y="0"/>
+          <a:chExt cx="0" cy="0"/>
+        </a:xfrm>
+      </p:grpSpPr>
+      <p:sp>
+        <p:nvSpPr>
+          <p:cNvPr id="2" name="CaixaDeTexto 1">
+            <a:extLst>
+              <a:ext uri="{FF2B5EF4-FFF2-40B4-BE49-F238E27FC236}">
+                <a16:creationId xmlns:a16="http://schemas.microsoft.com/office/drawing/2014/main" id="{DD8C5AA7-91DD-807C-5FA9-5A8DE08F3F0C}"/>
+              </a:ext>
+            </a:extLst>
+          </p:cNvPr>
+          <p:cNvSpPr txBox="1"/>
+          <p:nvPr/>
+        </p:nvSpPr>
+        <p:spPr>
+          <a:xfrm>
+            <a:off x="1055688" y="970384"/>
+            <a:ext cx="10150377" cy="1938992"/>
+          </a:xfrm>
+          <a:prstGeom prst="rect">
+            <a:avLst/>
+          </a:prstGeom>
+          <a:noFill/>
+        </p:spPr>
+        <p:txBody>
+          <a:bodyPr wrap="square" rtlCol="0">
+            <a:spAutoFit/>
+          </a:bodyPr>
+          <a:lstStyle/>
+          <a:p>
+            <a:pPr marL="457200" indent="-457200">
+              <a:buFont typeface="+mj-lt"/>
+              <a:buAutoNum type="arabicPeriod" startAt="8"/>
+            </a:pPr>
+            <a:r>
+              <a:rPr lang="pt-BR" sz="2400" dirty="0">
+                <a:solidFill>
+                  <a:schemeClr val="bg1">
+                    <a:lumMod val="75000"/>
+                  </a:schemeClr>
+                </a:solidFill>
+              </a:rPr>
+              <a:t>Eliminamos as retas suportes com inclinação negativa e as retas de resistência com inclinação positiva</a:t>
+            </a:r>
+          </a:p>
+          <a:p>
+            <a:pPr marL="457200" indent="-457200">
+              <a:buFont typeface="+mj-lt"/>
+              <a:buAutoNum type="arabicPeriod" startAt="8"/>
+            </a:pPr>
+            <a:r>
+              <a:rPr lang="pt-BR" sz="2400" dirty="0"/>
+              <a:t>Eliminação por obrigação de passar (perto) de 3 pontos de mínimo e máximo local</a:t>
+            </a:r>
+          </a:p>
+          <a:p>
+            <a:pPr marL="457200" indent="-457200">
+              <a:buFont typeface="+mj-lt"/>
+              <a:buAutoNum type="arabicPeriod" startAt="8"/>
+            </a:pPr>
+            <a:endParaRPr lang="pt-BR" sz="2400" dirty="0"/>
+          </a:p>
+        </p:txBody>
+      </p:sp>
+      <p:sp>
+        <p:nvSpPr>
+          <p:cNvPr id="5" name="CaixaDeTexto 4">
+            <a:extLst>
+              <a:ext uri="{FF2B5EF4-FFF2-40B4-BE49-F238E27FC236}">
+                <a16:creationId xmlns:a16="http://schemas.microsoft.com/office/drawing/2014/main" id="{B911425B-6882-E571-C00D-D6EAA3150189}"/>
+              </a:ext>
+            </a:extLst>
+          </p:cNvPr>
+          <p:cNvSpPr txBox="1"/>
+          <p:nvPr/>
+        </p:nvSpPr>
+        <p:spPr>
+          <a:xfrm>
+            <a:off x="1055688" y="192791"/>
+            <a:ext cx="10080625" cy="584775"/>
+          </a:xfrm>
+          <a:prstGeom prst="rect">
+            <a:avLst/>
+          </a:prstGeom>
+          <a:noFill/>
+          <a:ln>
+            <a:solidFill>
+              <a:schemeClr val="tx1"/>
+            </a:solidFill>
+          </a:ln>
+        </p:spPr>
+        <p:txBody>
+          <a:bodyPr wrap="square" rtlCol="0">
+            <a:spAutoFit/>
+          </a:bodyPr>
+          <a:lstStyle/>
+          <a:p>
+            <a:pPr algn="ctr"/>
+            <a:r>
+              <a:rPr lang="pt-BR" sz="3200" dirty="0"/>
+              <a:t>Lógica das retas - continuação</a:t>
+            </a:r>
+          </a:p>
+        </p:txBody>
+      </p:sp>
+    </p:spTree>
+    <p:extLst>
+      <p:ext uri="{BB962C8B-B14F-4D97-AF65-F5344CB8AC3E}">
+        <p14:creationId xmlns:p14="http://schemas.microsoft.com/office/powerpoint/2010/main" val="3294170928"/>
+      </p:ext>
+    </p:extLst>
+  </p:cSld>
+  <p:clrMapOvr>
+    <a:masterClrMapping/>
+  </p:clrMapOvr>
+</p:sld>
+</file>
+
+<file path=ppt/slides/slide18.xml><?xml version="1.0" encoding="utf-8"?>
+<p:sld xmlns:a="http://schemas.openxmlformats.org/drawingml/2006/main" xmlns:r="http://schemas.openxmlformats.org/officeDocument/2006/relationships" xmlns:p="http://schemas.openxmlformats.org/presentationml/2006/main">
+  <p:cSld>
+    <p:spTree>
+      <p:nvGrpSpPr>
+        <p:cNvPr id="1" name=""/>
+        <p:cNvGrpSpPr/>
+        <p:nvPr/>
+      </p:nvGrpSpPr>
+      <p:grpSpPr>
+        <a:xfrm>
+          <a:off x="0" y="0"/>
+          <a:ext cx="0" cy="0"/>
+          <a:chOff x="0" y="0"/>
+          <a:chExt cx="0" cy="0"/>
+        </a:xfrm>
+      </p:grpSpPr>
+      <p:sp>
+        <p:nvSpPr>
+          <p:cNvPr id="3" name="CaixaDeTexto 2">
+            <a:extLst>
+              <a:ext uri="{FF2B5EF4-FFF2-40B4-BE49-F238E27FC236}">
+                <a16:creationId xmlns:a16="http://schemas.microsoft.com/office/drawing/2014/main" id="{7EBAD6C7-E7A0-DD84-F3A5-D03C91E593F6}"/>
+              </a:ext>
+            </a:extLst>
+          </p:cNvPr>
+          <p:cNvSpPr txBox="1"/>
+          <p:nvPr/>
+        </p:nvSpPr>
+        <p:spPr>
+          <a:xfrm>
+            <a:off x="442912" y="5231325"/>
+            <a:ext cx="9753600" cy="707886"/>
+          </a:xfrm>
+          <a:prstGeom prst="rect">
+            <a:avLst/>
+          </a:prstGeom>
+          <a:noFill/>
+          <a:ln>
+            <a:solidFill>
+              <a:schemeClr val="tx1"/>
+            </a:solidFill>
+          </a:ln>
+        </p:spPr>
+        <p:txBody>
+          <a:bodyPr wrap="square" rtlCol="0">
+            <a:spAutoFit/>
+          </a:bodyPr>
+          <a:lstStyle/>
+          <a:p>
+            <a:pPr algn="ctr"/>
+            <a:endParaRPr lang="pt-BR" sz="4000" dirty="0"/>
+          </a:p>
+        </p:txBody>
+      </p:sp>
+      <p:pic>
+        <p:nvPicPr>
+          <p:cNvPr id="4" name="Imagem 3">
+            <a:extLst>
+              <a:ext uri="{FF2B5EF4-FFF2-40B4-BE49-F238E27FC236}">
+                <a16:creationId xmlns:a16="http://schemas.microsoft.com/office/drawing/2014/main" id="{634D9964-D220-E6D6-31C9-E6A3364E9163}"/>
+              </a:ext>
+            </a:extLst>
+          </p:cNvPr>
+          <p:cNvPicPr>
+            <a:picLocks noChangeAspect="1"/>
+          </p:cNvPicPr>
+          <p:nvPr/>
+        </p:nvPicPr>
+        <p:blipFill rotWithShape="1">
+          <a:blip r:embed="rId2"/>
+          <a:srcRect l="1019" t="4982" r="251" b="3826"/>
+          <a:stretch/>
+        </p:blipFill>
+        <p:spPr>
+          <a:xfrm>
+            <a:off x="515938" y="2060574"/>
+            <a:ext cx="11233150" cy="3708401"/>
+          </a:xfrm>
+          <a:prstGeom prst="rect">
+            <a:avLst/>
+          </a:prstGeom>
+        </p:spPr>
+      </p:pic>
+      <p:sp>
+        <p:nvSpPr>
+          <p:cNvPr id="2" name="CaixaDeTexto 1">
+            <a:extLst>
+              <a:ext uri="{FF2B5EF4-FFF2-40B4-BE49-F238E27FC236}">
+                <a16:creationId xmlns:a16="http://schemas.microsoft.com/office/drawing/2014/main" id="{20634EBA-6AA7-8517-D081-ADC1333E267A}"/>
+              </a:ext>
+            </a:extLst>
+          </p:cNvPr>
+          <p:cNvSpPr txBox="1"/>
+          <p:nvPr/>
+        </p:nvSpPr>
+        <p:spPr>
+          <a:xfrm>
+            <a:off x="1055688" y="192791"/>
+            <a:ext cx="10080625" cy="1077218"/>
+          </a:xfrm>
+          <a:prstGeom prst="rect">
+            <a:avLst/>
+          </a:prstGeom>
+          <a:noFill/>
+          <a:ln>
+            <a:solidFill>
+              <a:schemeClr val="tx1"/>
+            </a:solidFill>
+          </a:ln>
+        </p:spPr>
+        <p:txBody>
+          <a:bodyPr wrap="square" rtlCol="0">
+            <a:spAutoFit/>
+          </a:bodyPr>
+          <a:lstStyle/>
+          <a:p>
+            <a:pPr algn="ctr"/>
+            <a:r>
+              <a:rPr lang="pt-BR" sz="3200" dirty="0"/>
+              <a:t>Eliminação por obrigação de passar (perto) de 3 pontos de mínimo e máximo local:</a:t>
+            </a:r>
+          </a:p>
+        </p:txBody>
+      </p:sp>
+    </p:spTree>
+    <p:extLst>
+      <p:ext uri="{BB962C8B-B14F-4D97-AF65-F5344CB8AC3E}">
+        <p14:creationId xmlns:p14="http://schemas.microsoft.com/office/powerpoint/2010/main" val="2583859889"/>
+      </p:ext>
+    </p:extLst>
+  </p:cSld>
+  <p:clrMapOvr>
+    <a:masterClrMapping/>
+  </p:clrMapOvr>
+</p:sld>
+</file>
+
+<file path=ppt/slides/slide19.xml><?xml version="1.0" encoding="utf-8"?>
+<p:sld xmlns:a="http://schemas.openxmlformats.org/drawingml/2006/main" xmlns:r="http://schemas.openxmlformats.org/officeDocument/2006/relationships" xmlns:p="http://schemas.openxmlformats.org/presentationml/2006/main">
+  <p:cSld>
+    <p:spTree>
+      <p:nvGrpSpPr>
+        <p:cNvPr id="1" name=""/>
+        <p:cNvGrpSpPr/>
+        <p:nvPr/>
+      </p:nvGrpSpPr>
+      <p:grpSpPr>
+        <a:xfrm>
+          <a:off x="0" y="0"/>
+          <a:ext cx="0" cy="0"/>
+          <a:chOff x="0" y="0"/>
+          <a:chExt cx="0" cy="0"/>
+        </a:xfrm>
+      </p:grpSpPr>
+      <p:pic>
+        <p:nvPicPr>
+          <p:cNvPr id="5" name="Imagem 4">
+            <a:extLst>
+              <a:ext uri="{FF2B5EF4-FFF2-40B4-BE49-F238E27FC236}">
+                <a16:creationId xmlns:a16="http://schemas.microsoft.com/office/drawing/2014/main" id="{637C0FCC-AFDD-8975-5050-F1D8414A6489}"/>
+              </a:ext>
+            </a:extLst>
+          </p:cNvPr>
+          <p:cNvPicPr>
+            <a:picLocks noChangeAspect="1"/>
+          </p:cNvPicPr>
+          <p:nvPr/>
+        </p:nvPicPr>
+        <p:blipFill rotWithShape="1">
+          <a:blip r:embed="rId2"/>
+          <a:srcRect l="1061" t="2873" r="2893" b="3845"/>
+          <a:stretch/>
+        </p:blipFill>
+        <p:spPr>
+          <a:xfrm>
+            <a:off x="515938" y="2060575"/>
+            <a:ext cx="11233150" cy="3708400"/>
+          </a:xfrm>
+          <a:prstGeom prst="rect">
+            <a:avLst/>
+          </a:prstGeom>
+        </p:spPr>
+      </p:pic>
+      <p:sp>
+        <p:nvSpPr>
+          <p:cNvPr id="2" name="CaixaDeTexto 1">
+            <a:extLst>
+              <a:ext uri="{FF2B5EF4-FFF2-40B4-BE49-F238E27FC236}">
+                <a16:creationId xmlns:a16="http://schemas.microsoft.com/office/drawing/2014/main" id="{7AD88BCD-E8C3-0A23-C0C4-0A16744CEB04}"/>
+              </a:ext>
+            </a:extLst>
+          </p:cNvPr>
+          <p:cNvSpPr txBox="1"/>
+          <p:nvPr/>
+        </p:nvSpPr>
+        <p:spPr>
+          <a:xfrm>
+            <a:off x="1055688" y="192791"/>
+            <a:ext cx="10080625" cy="1077218"/>
+          </a:xfrm>
+          <a:prstGeom prst="rect">
+            <a:avLst/>
+          </a:prstGeom>
+          <a:noFill/>
+          <a:ln>
+            <a:solidFill>
+              <a:schemeClr val="tx1"/>
+            </a:solidFill>
+          </a:ln>
+        </p:spPr>
+        <p:txBody>
+          <a:bodyPr wrap="square" rtlCol="0">
+            <a:spAutoFit/>
+          </a:bodyPr>
+          <a:lstStyle/>
+          <a:p>
+            <a:pPr algn="ctr"/>
+            <a:r>
+              <a:rPr lang="pt-BR" sz="3200" dirty="0"/>
+              <a:t>Como o resultado varia com a ordem?</a:t>
+            </a:r>
+          </a:p>
+          <a:p>
+            <a:pPr algn="ctr"/>
+            <a:r>
+              <a:rPr lang="pt-BR" sz="3200" dirty="0"/>
+              <a:t>O que acontece se a ordem mudar de 6 para 7?</a:t>
+            </a:r>
+          </a:p>
+        </p:txBody>
+      </p:sp>
+    </p:spTree>
+    <p:extLst>
+      <p:ext uri="{BB962C8B-B14F-4D97-AF65-F5344CB8AC3E}">
+        <p14:creationId xmlns:p14="http://schemas.microsoft.com/office/powerpoint/2010/main" val="3169480333"/>
       </p:ext>
     </p:extLst>
   </p:cSld>
@@ -4081,12 +5818,41 @@
           <a:chExt cx="0" cy="0"/>
         </a:xfrm>
       </p:grpSpPr>
-      <p:sp>
-        <p:nvSpPr>
-          <p:cNvPr id="3" name="CaixaDeTexto 2">
-            <a:extLst>
-              <a:ext uri="{FF2B5EF4-FFF2-40B4-BE49-F238E27FC236}">
-                <a16:creationId xmlns:a16="http://schemas.microsoft.com/office/drawing/2014/main" id="{7EBAD6C7-E7A0-DD84-F3A5-D03C91E593F6}"/>
+      <p:pic>
+        <p:nvPicPr>
+          <p:cNvPr id="5" name="Imagem 4">
+            <a:extLst>
+              <a:ext uri="{FF2B5EF4-FFF2-40B4-BE49-F238E27FC236}">
+                <a16:creationId xmlns:a16="http://schemas.microsoft.com/office/drawing/2014/main" id="{ACDFD2D6-3702-3088-1A4E-EDB92B0763D3}"/>
+              </a:ext>
+            </a:extLst>
+          </p:cNvPr>
+          <p:cNvPicPr>
+            <a:picLocks noChangeAspect="1"/>
+          </p:cNvPicPr>
+          <p:nvPr/>
+        </p:nvPicPr>
+        <p:blipFill rotWithShape="1">
+          <a:blip r:embed="rId2"/>
+          <a:srcRect l="751" r="4683" b="3741"/>
+          <a:stretch/>
+        </p:blipFill>
+        <p:spPr>
+          <a:xfrm>
+            <a:off x="515939" y="2060574"/>
+            <a:ext cx="11233150" cy="3708401"/>
+          </a:xfrm>
+          <a:prstGeom prst="rect">
+            <a:avLst/>
+          </a:prstGeom>
+        </p:spPr>
+      </p:pic>
+      <p:sp>
+        <p:nvSpPr>
+          <p:cNvPr id="2" name="CaixaDeTexto 1">
+            <a:extLst>
+              <a:ext uri="{FF2B5EF4-FFF2-40B4-BE49-F238E27FC236}">
+                <a16:creationId xmlns:a16="http://schemas.microsoft.com/office/drawing/2014/main" id="{90F7EBEA-7216-EC7E-A63E-C3E973FB3FB5}"/>
               </a:ext>
             </a:extLst>
           </p:cNvPr>
@@ -4095,8 +5861,8 @@
         </p:nvSpPr>
         <p:spPr>
           <a:xfrm>
-            <a:off x="1219200" y="603341"/>
-            <a:ext cx="9753600" cy="707886"/>
+            <a:off x="1055688" y="192791"/>
+            <a:ext cx="10080625" cy="584775"/>
           </a:xfrm>
           <a:prstGeom prst="rect">
             <a:avLst/>
@@ -4116,18 +5882,48 @@
           <a:p>
             <a:pPr algn="ctr"/>
             <a:r>
-              <a:rPr lang="pt-BR" sz="4000" dirty="0"/>
-              <a:t>Gráfico de ordem 10</a:t>
-            </a:r>
-          </a:p>
-        </p:txBody>
-      </p:sp>
+              <a:rPr lang="pt-BR" sz="3200" dirty="0"/>
+              <a:t>Escolha de máximos e mínimos locais (ordem 6)</a:t>
+            </a:r>
+          </a:p>
+        </p:txBody>
+      </p:sp>
+    </p:spTree>
+    <p:extLst>
+      <p:ext uri="{BB962C8B-B14F-4D97-AF65-F5344CB8AC3E}">
+        <p14:creationId xmlns:p14="http://schemas.microsoft.com/office/powerpoint/2010/main" val="3502260241"/>
+      </p:ext>
+    </p:extLst>
+  </p:cSld>
+  <p:clrMapOvr>
+    <a:masterClrMapping/>
+  </p:clrMapOvr>
+</p:sld>
+</file>
+
+<file path=ppt/slides/slide20.xml><?xml version="1.0" encoding="utf-8"?>
+<p:sld xmlns:a="http://schemas.openxmlformats.org/drawingml/2006/main" xmlns:r="http://schemas.openxmlformats.org/officeDocument/2006/relationships" xmlns:p="http://schemas.openxmlformats.org/presentationml/2006/main">
+  <p:cSld>
+    <p:spTree>
+      <p:nvGrpSpPr>
+        <p:cNvPr id="1" name=""/>
+        <p:cNvGrpSpPr/>
+        <p:nvPr/>
+      </p:nvGrpSpPr>
+      <p:grpSpPr>
+        <a:xfrm>
+          <a:off x="0" y="0"/>
+          <a:ext cx="0" cy="0"/>
+          <a:chOff x="0" y="0"/>
+          <a:chExt cx="0" cy="0"/>
+        </a:xfrm>
+      </p:grpSpPr>
       <p:pic>
         <p:nvPicPr>
           <p:cNvPr id="4" name="Imagem 3">
             <a:extLst>
               <a:ext uri="{FF2B5EF4-FFF2-40B4-BE49-F238E27FC236}">
-                <a16:creationId xmlns:a16="http://schemas.microsoft.com/office/drawing/2014/main" id="{FA8704D5-B937-FAA3-3239-B8A77B9490EE}"/>
+                <a16:creationId xmlns:a16="http://schemas.microsoft.com/office/drawing/2014/main" id="{B7BAF6B5-D2B7-B89F-773F-56390678EBC4}"/>
               </a:ext>
             </a:extLst>
           </p:cNvPr>
@@ -4138,13 +5934,856 @@
         </p:nvPicPr>
         <p:blipFill rotWithShape="1">
           <a:blip r:embed="rId2"/>
-          <a:srcRect l="1671" t="6622" r="5597" b="7517"/>
+          <a:srcRect l="1506" t="3438" r="2591" b="3405"/>
           <a:stretch/>
         </p:blipFill>
         <p:spPr>
           <a:xfrm>
-            <a:off x="515939" y="2060575"/>
+            <a:off x="515937" y="2060575"/>
+            <a:ext cx="11233151" cy="3708400"/>
+          </a:xfrm>
+          <a:prstGeom prst="rect">
+            <a:avLst/>
+          </a:prstGeom>
+        </p:spPr>
+      </p:pic>
+      <p:sp>
+        <p:nvSpPr>
+          <p:cNvPr id="2" name="CaixaDeTexto 1">
+            <a:extLst>
+              <a:ext uri="{FF2B5EF4-FFF2-40B4-BE49-F238E27FC236}">
+                <a16:creationId xmlns:a16="http://schemas.microsoft.com/office/drawing/2014/main" id="{C0B02C84-D352-00C6-FE2F-77FAB5239EDE}"/>
+              </a:ext>
+            </a:extLst>
+          </p:cNvPr>
+          <p:cNvSpPr txBox="1"/>
+          <p:nvPr/>
+        </p:nvSpPr>
+        <p:spPr>
+          <a:xfrm>
+            <a:off x="1055688" y="192791"/>
+            <a:ext cx="10080625" cy="1077218"/>
+          </a:xfrm>
+          <a:prstGeom prst="rect">
+            <a:avLst/>
+          </a:prstGeom>
+          <a:noFill/>
+          <a:ln>
+            <a:solidFill>
+              <a:schemeClr val="tx1"/>
+            </a:solidFill>
+          </a:ln>
+        </p:spPr>
+        <p:txBody>
+          <a:bodyPr wrap="square" rtlCol="0">
+            <a:spAutoFit/>
+          </a:bodyPr>
+          <a:lstStyle/>
+          <a:p>
+            <a:pPr algn="ctr"/>
+            <a:r>
+              <a:rPr lang="pt-BR" sz="3200" dirty="0"/>
+              <a:t>Como o resultado varia com a ordem?</a:t>
+            </a:r>
+          </a:p>
+          <a:p>
+            <a:pPr algn="ctr"/>
+            <a:r>
+              <a:rPr lang="pt-BR" sz="3200" dirty="0"/>
+              <a:t>O que acontece se a ordem mudar de 6 para 8?</a:t>
+            </a:r>
+          </a:p>
+        </p:txBody>
+      </p:sp>
+    </p:spTree>
+    <p:extLst>
+      <p:ext uri="{BB962C8B-B14F-4D97-AF65-F5344CB8AC3E}">
+        <p14:creationId xmlns:p14="http://schemas.microsoft.com/office/powerpoint/2010/main" val="2905049053"/>
+      </p:ext>
+    </p:extLst>
+  </p:cSld>
+  <p:clrMapOvr>
+    <a:masterClrMapping/>
+  </p:clrMapOvr>
+</p:sld>
+</file>
+
+<file path=ppt/slides/slide21.xml><?xml version="1.0" encoding="utf-8"?>
+<p:sld xmlns:a="http://schemas.openxmlformats.org/drawingml/2006/main" xmlns:r="http://schemas.openxmlformats.org/officeDocument/2006/relationships" xmlns:p="http://schemas.openxmlformats.org/presentationml/2006/main">
+  <p:cSld>
+    <p:spTree>
+      <p:nvGrpSpPr>
+        <p:cNvPr id="1" name=""/>
+        <p:cNvGrpSpPr/>
+        <p:nvPr/>
+      </p:nvGrpSpPr>
+      <p:grpSpPr>
+        <a:xfrm>
+          <a:off x="0" y="0"/>
+          <a:ext cx="0" cy="0"/>
+          <a:chOff x="0" y="0"/>
+          <a:chExt cx="0" cy="0"/>
+        </a:xfrm>
+      </p:grpSpPr>
+      <p:pic>
+        <p:nvPicPr>
+          <p:cNvPr id="4" name="Imagem 3">
+            <a:extLst>
+              <a:ext uri="{FF2B5EF4-FFF2-40B4-BE49-F238E27FC236}">
+                <a16:creationId xmlns:a16="http://schemas.microsoft.com/office/drawing/2014/main" id="{AEEC6772-7A7F-5959-E0B1-7CE03154108C}"/>
+              </a:ext>
+            </a:extLst>
+          </p:cNvPr>
+          <p:cNvPicPr>
+            <a:picLocks noChangeAspect="1"/>
+          </p:cNvPicPr>
+          <p:nvPr/>
+        </p:nvPicPr>
+        <p:blipFill rotWithShape="1">
+          <a:blip r:embed="rId2"/>
+          <a:srcRect l="1571" t="5040" r="3022" b="1869"/>
+          <a:stretch/>
+        </p:blipFill>
+        <p:spPr>
+          <a:xfrm>
+            <a:off x="515938" y="2060575"/>
             <a:ext cx="11233150" cy="3708400"/>
+          </a:xfrm>
+          <a:prstGeom prst="rect">
+            <a:avLst/>
+          </a:prstGeom>
+        </p:spPr>
+      </p:pic>
+      <p:sp>
+        <p:nvSpPr>
+          <p:cNvPr id="5" name="CaixaDeTexto 4">
+            <a:extLst>
+              <a:ext uri="{FF2B5EF4-FFF2-40B4-BE49-F238E27FC236}">
+                <a16:creationId xmlns:a16="http://schemas.microsoft.com/office/drawing/2014/main" id="{89118CDC-2355-C6BB-E3DE-14CD42186AE4}"/>
+              </a:ext>
+            </a:extLst>
+          </p:cNvPr>
+          <p:cNvSpPr txBox="1"/>
+          <p:nvPr/>
+        </p:nvSpPr>
+        <p:spPr>
+          <a:xfrm>
+            <a:off x="1055688" y="192791"/>
+            <a:ext cx="10080625" cy="1077218"/>
+          </a:xfrm>
+          <a:prstGeom prst="rect">
+            <a:avLst/>
+          </a:prstGeom>
+          <a:noFill/>
+          <a:ln>
+            <a:solidFill>
+              <a:schemeClr val="tx1"/>
+            </a:solidFill>
+          </a:ln>
+        </p:spPr>
+        <p:txBody>
+          <a:bodyPr wrap="square" rtlCol="0">
+            <a:spAutoFit/>
+          </a:bodyPr>
+          <a:lstStyle/>
+          <a:p>
+            <a:pPr algn="ctr"/>
+            <a:r>
+              <a:rPr lang="pt-BR" sz="3200" dirty="0"/>
+              <a:t>Como o resultado varia com a ordem?</a:t>
+            </a:r>
+          </a:p>
+          <a:p>
+            <a:pPr algn="ctr"/>
+            <a:r>
+              <a:rPr lang="pt-BR" sz="3200" dirty="0"/>
+              <a:t>O que acontece se a ordem mudar de 6 para 9?</a:t>
+            </a:r>
+          </a:p>
+        </p:txBody>
+      </p:sp>
+    </p:spTree>
+    <p:extLst>
+      <p:ext uri="{BB962C8B-B14F-4D97-AF65-F5344CB8AC3E}">
+        <p14:creationId xmlns:p14="http://schemas.microsoft.com/office/powerpoint/2010/main" val="2882091466"/>
+      </p:ext>
+    </p:extLst>
+  </p:cSld>
+  <p:clrMapOvr>
+    <a:masterClrMapping/>
+  </p:clrMapOvr>
+</p:sld>
+</file>
+
+<file path=ppt/slides/slide22.xml><?xml version="1.0" encoding="utf-8"?>
+<p:sld xmlns:a="http://schemas.openxmlformats.org/drawingml/2006/main" xmlns:r="http://schemas.openxmlformats.org/officeDocument/2006/relationships" xmlns:p="http://schemas.openxmlformats.org/presentationml/2006/main">
+  <p:cSld>
+    <p:spTree>
+      <p:nvGrpSpPr>
+        <p:cNvPr id="1" name=""/>
+        <p:cNvGrpSpPr/>
+        <p:nvPr/>
+      </p:nvGrpSpPr>
+      <p:grpSpPr>
+        <a:xfrm>
+          <a:off x="0" y="0"/>
+          <a:ext cx="0" cy="0"/>
+          <a:chOff x="0" y="0"/>
+          <a:chExt cx="0" cy="0"/>
+        </a:xfrm>
+      </p:grpSpPr>
+      <p:pic>
+        <p:nvPicPr>
+          <p:cNvPr id="4" name="Imagem 3">
+            <a:extLst>
+              <a:ext uri="{FF2B5EF4-FFF2-40B4-BE49-F238E27FC236}">
+                <a16:creationId xmlns:a16="http://schemas.microsoft.com/office/drawing/2014/main" id="{D58B1D1B-823D-8051-0BB7-FABC7351F315}"/>
+              </a:ext>
+            </a:extLst>
+          </p:cNvPr>
+          <p:cNvPicPr>
+            <a:picLocks noChangeAspect="1"/>
+          </p:cNvPicPr>
+          <p:nvPr/>
+        </p:nvPicPr>
+        <p:blipFill rotWithShape="1">
+          <a:blip r:embed="rId2"/>
+          <a:srcRect l="1435" t="4604" r="2727" b="2306"/>
+          <a:stretch/>
+        </p:blipFill>
+        <p:spPr>
+          <a:xfrm>
+            <a:off x="515938" y="2060575"/>
+            <a:ext cx="11233150" cy="3708400"/>
+          </a:xfrm>
+          <a:prstGeom prst="rect">
+            <a:avLst/>
+          </a:prstGeom>
+        </p:spPr>
+      </p:pic>
+      <p:sp>
+        <p:nvSpPr>
+          <p:cNvPr id="2" name="CaixaDeTexto 1">
+            <a:extLst>
+              <a:ext uri="{FF2B5EF4-FFF2-40B4-BE49-F238E27FC236}">
+                <a16:creationId xmlns:a16="http://schemas.microsoft.com/office/drawing/2014/main" id="{F2E72B53-7437-251D-7AC5-B26ACBE3F900}"/>
+              </a:ext>
+            </a:extLst>
+          </p:cNvPr>
+          <p:cNvSpPr txBox="1"/>
+          <p:nvPr/>
+        </p:nvSpPr>
+        <p:spPr>
+          <a:xfrm>
+            <a:off x="1055688" y="192791"/>
+            <a:ext cx="10080625" cy="1077218"/>
+          </a:xfrm>
+          <a:prstGeom prst="rect">
+            <a:avLst/>
+          </a:prstGeom>
+          <a:noFill/>
+          <a:ln>
+            <a:solidFill>
+              <a:schemeClr val="tx1"/>
+            </a:solidFill>
+          </a:ln>
+        </p:spPr>
+        <p:txBody>
+          <a:bodyPr wrap="square" rtlCol="0">
+            <a:spAutoFit/>
+          </a:bodyPr>
+          <a:lstStyle/>
+          <a:p>
+            <a:pPr algn="ctr"/>
+            <a:r>
+              <a:rPr lang="pt-BR" sz="3200" dirty="0"/>
+              <a:t>Como o resultado varia com a ordem?</a:t>
+            </a:r>
+          </a:p>
+          <a:p>
+            <a:pPr algn="ctr"/>
+            <a:r>
+              <a:rPr lang="pt-BR" sz="3200" dirty="0"/>
+              <a:t>O que acontece se a ordem mudar de 6 para 10?</a:t>
+            </a:r>
+          </a:p>
+        </p:txBody>
+      </p:sp>
+    </p:spTree>
+    <p:extLst>
+      <p:ext uri="{BB962C8B-B14F-4D97-AF65-F5344CB8AC3E}">
+        <p14:creationId xmlns:p14="http://schemas.microsoft.com/office/powerpoint/2010/main" val="2616549402"/>
+      </p:ext>
+    </p:extLst>
+  </p:cSld>
+  <p:clrMapOvr>
+    <a:masterClrMapping/>
+  </p:clrMapOvr>
+</p:sld>
+</file>
+
+<file path=ppt/slides/slide23.xml><?xml version="1.0" encoding="utf-8"?>
+<p:sld xmlns:a="http://schemas.openxmlformats.org/drawingml/2006/main" xmlns:r="http://schemas.openxmlformats.org/officeDocument/2006/relationships" xmlns:p="http://schemas.openxmlformats.org/presentationml/2006/main">
+  <p:cSld>
+    <p:spTree>
+      <p:nvGrpSpPr>
+        <p:cNvPr id="1" name=""/>
+        <p:cNvGrpSpPr/>
+        <p:nvPr/>
+      </p:nvGrpSpPr>
+      <p:grpSpPr>
+        <a:xfrm>
+          <a:off x="0" y="0"/>
+          <a:ext cx="0" cy="0"/>
+          <a:chOff x="0" y="0"/>
+          <a:chExt cx="0" cy="0"/>
+        </a:xfrm>
+      </p:grpSpPr>
+      <p:pic>
+        <p:nvPicPr>
+          <p:cNvPr id="5" name="Imagem 4">
+            <a:extLst>
+              <a:ext uri="{FF2B5EF4-FFF2-40B4-BE49-F238E27FC236}">
+                <a16:creationId xmlns:a16="http://schemas.microsoft.com/office/drawing/2014/main" id="{637C0FCC-AFDD-8975-5050-F1D8414A6489}"/>
+              </a:ext>
+            </a:extLst>
+          </p:cNvPr>
+          <p:cNvPicPr>
+            <a:picLocks noChangeAspect="1"/>
+          </p:cNvPicPr>
+          <p:nvPr/>
+        </p:nvPicPr>
+        <p:blipFill rotWithShape="1">
+          <a:blip r:embed="rId2"/>
+          <a:srcRect l="1061" t="2873" r="2893" b="3845"/>
+          <a:stretch/>
+        </p:blipFill>
+        <p:spPr>
+          <a:xfrm>
+            <a:off x="515938" y="2060575"/>
+            <a:ext cx="11233150" cy="3708400"/>
+          </a:xfrm>
+          <a:prstGeom prst="rect">
+            <a:avLst/>
+          </a:prstGeom>
+        </p:spPr>
+      </p:pic>
+      <p:sp>
+        <p:nvSpPr>
+          <p:cNvPr id="3" name="CaixaDeTexto 2">
+            <a:extLst>
+              <a:ext uri="{FF2B5EF4-FFF2-40B4-BE49-F238E27FC236}">
+                <a16:creationId xmlns:a16="http://schemas.microsoft.com/office/drawing/2014/main" id="{8A3310E7-5371-FCD0-A893-5E9A62820949}"/>
+              </a:ext>
+            </a:extLst>
+          </p:cNvPr>
+          <p:cNvSpPr txBox="1"/>
+          <p:nvPr/>
+        </p:nvSpPr>
+        <p:spPr>
+          <a:xfrm>
+            <a:off x="1055688" y="192791"/>
+            <a:ext cx="10080625" cy="1077218"/>
+          </a:xfrm>
+          <a:prstGeom prst="rect">
+            <a:avLst/>
+          </a:prstGeom>
+          <a:noFill/>
+          <a:ln>
+            <a:solidFill>
+              <a:schemeClr val="tx1"/>
+            </a:solidFill>
+          </a:ln>
+        </p:spPr>
+        <p:txBody>
+          <a:bodyPr wrap="square" rtlCol="0">
+            <a:spAutoFit/>
+          </a:bodyPr>
+          <a:lstStyle/>
+          <a:p>
+            <a:pPr algn="ctr"/>
+            <a:r>
+              <a:rPr lang="pt-BR" sz="3200" dirty="0"/>
+              <a:t>O que acontece com um gráfico de ordem 7 se mudamos o intervalo do RSI de 42 para 35?</a:t>
+            </a:r>
+          </a:p>
+        </p:txBody>
+      </p:sp>
+      <p:sp>
+        <p:nvSpPr>
+          <p:cNvPr id="4" name="CaixaDeTexto 3">
+            <a:extLst>
+              <a:ext uri="{FF2B5EF4-FFF2-40B4-BE49-F238E27FC236}">
+                <a16:creationId xmlns:a16="http://schemas.microsoft.com/office/drawing/2014/main" id="{6E044095-C5DE-46F7-4810-FFF28626C8B6}"/>
+              </a:ext>
+            </a:extLst>
+          </p:cNvPr>
+          <p:cNvSpPr txBox="1"/>
+          <p:nvPr/>
+        </p:nvSpPr>
+        <p:spPr>
+          <a:xfrm>
+            <a:off x="5548604" y="1492898"/>
+            <a:ext cx="1094792" cy="369332"/>
+          </a:xfrm>
+          <a:prstGeom prst="rect">
+            <a:avLst/>
+          </a:prstGeom>
+          <a:noFill/>
+        </p:spPr>
+        <p:txBody>
+          <a:bodyPr wrap="square" rtlCol="0">
+            <a:spAutoFit/>
+          </a:bodyPr>
+          <a:lstStyle/>
+          <a:p>
+            <a:pPr algn="ctr"/>
+            <a:r>
+              <a:rPr lang="pt-BR" dirty="0"/>
+              <a:t>RSI de 42</a:t>
+            </a:r>
+          </a:p>
+        </p:txBody>
+      </p:sp>
+    </p:spTree>
+    <p:extLst>
+      <p:ext uri="{BB962C8B-B14F-4D97-AF65-F5344CB8AC3E}">
+        <p14:creationId xmlns:p14="http://schemas.microsoft.com/office/powerpoint/2010/main" val="267054688"/>
+      </p:ext>
+    </p:extLst>
+  </p:cSld>
+  <p:clrMapOvr>
+    <a:masterClrMapping/>
+  </p:clrMapOvr>
+</p:sld>
+</file>
+
+<file path=ppt/slides/slide24.xml><?xml version="1.0" encoding="utf-8"?>
+<p:sld xmlns:a="http://schemas.openxmlformats.org/drawingml/2006/main" xmlns:r="http://schemas.openxmlformats.org/officeDocument/2006/relationships" xmlns:p="http://schemas.openxmlformats.org/presentationml/2006/main">
+  <p:cSld>
+    <p:spTree>
+      <p:nvGrpSpPr>
+        <p:cNvPr id="1" name=""/>
+        <p:cNvGrpSpPr/>
+        <p:nvPr/>
+      </p:nvGrpSpPr>
+      <p:grpSpPr>
+        <a:xfrm>
+          <a:off x="0" y="0"/>
+          <a:ext cx="0" cy="0"/>
+          <a:chOff x="0" y="0"/>
+          <a:chExt cx="0" cy="0"/>
+        </a:xfrm>
+      </p:grpSpPr>
+      <p:sp>
+        <p:nvSpPr>
+          <p:cNvPr id="2" name="CaixaDeTexto 1">
+            <a:extLst>
+              <a:ext uri="{FF2B5EF4-FFF2-40B4-BE49-F238E27FC236}">
+                <a16:creationId xmlns:a16="http://schemas.microsoft.com/office/drawing/2014/main" id="{0DEE585C-97B8-8C08-79BB-8AAADA752924}"/>
+              </a:ext>
+            </a:extLst>
+          </p:cNvPr>
+          <p:cNvSpPr txBox="1"/>
+          <p:nvPr/>
+        </p:nvSpPr>
+        <p:spPr>
+          <a:xfrm>
+            <a:off x="1055688" y="192791"/>
+            <a:ext cx="10080625" cy="1077218"/>
+          </a:xfrm>
+          <a:prstGeom prst="rect">
+            <a:avLst/>
+          </a:prstGeom>
+          <a:noFill/>
+          <a:ln>
+            <a:solidFill>
+              <a:schemeClr val="tx1"/>
+            </a:solidFill>
+          </a:ln>
+        </p:spPr>
+        <p:txBody>
+          <a:bodyPr wrap="square" rtlCol="0">
+            <a:spAutoFit/>
+          </a:bodyPr>
+          <a:lstStyle/>
+          <a:p>
+            <a:pPr algn="ctr"/>
+            <a:r>
+              <a:rPr lang="pt-BR" sz="3200" dirty="0"/>
+              <a:t>O que acontece com um gráfico de ordem 7 se mudamos o intervalo do RSI de 42 para 35?</a:t>
+            </a:r>
+          </a:p>
+        </p:txBody>
+      </p:sp>
+      <p:pic>
+        <p:nvPicPr>
+          <p:cNvPr id="4" name="Imagem 3">
+            <a:extLst>
+              <a:ext uri="{FF2B5EF4-FFF2-40B4-BE49-F238E27FC236}">
+                <a16:creationId xmlns:a16="http://schemas.microsoft.com/office/drawing/2014/main" id="{4CB04CE8-E868-AB46-94D5-557F50CB78CC}"/>
+              </a:ext>
+            </a:extLst>
+          </p:cNvPr>
+          <p:cNvPicPr>
+            <a:picLocks noChangeAspect="1"/>
+          </p:cNvPicPr>
+          <p:nvPr/>
+        </p:nvPicPr>
+        <p:blipFill rotWithShape="1">
+          <a:blip r:embed="rId2"/>
+          <a:srcRect l="1793" t="4767" r="6070" b="5776"/>
+          <a:stretch/>
+        </p:blipFill>
+        <p:spPr>
+          <a:xfrm>
+            <a:off x="515938" y="2060574"/>
+            <a:ext cx="11233150" cy="3708401"/>
+          </a:xfrm>
+          <a:prstGeom prst="rect">
+            <a:avLst/>
+          </a:prstGeom>
+        </p:spPr>
+      </p:pic>
+      <p:sp>
+        <p:nvSpPr>
+          <p:cNvPr id="6" name="CaixaDeTexto 5">
+            <a:extLst>
+              <a:ext uri="{FF2B5EF4-FFF2-40B4-BE49-F238E27FC236}">
+                <a16:creationId xmlns:a16="http://schemas.microsoft.com/office/drawing/2014/main" id="{5D888C50-9F88-19F8-EEA8-A6BB3404201B}"/>
+              </a:ext>
+            </a:extLst>
+          </p:cNvPr>
+          <p:cNvSpPr txBox="1"/>
+          <p:nvPr/>
+        </p:nvSpPr>
+        <p:spPr>
+          <a:xfrm>
+            <a:off x="5548604" y="1492898"/>
+            <a:ext cx="1094792" cy="369332"/>
+          </a:xfrm>
+          <a:prstGeom prst="rect">
+            <a:avLst/>
+          </a:prstGeom>
+          <a:noFill/>
+        </p:spPr>
+        <p:txBody>
+          <a:bodyPr wrap="square" rtlCol="0">
+            <a:spAutoFit/>
+          </a:bodyPr>
+          <a:lstStyle/>
+          <a:p>
+            <a:pPr algn="ctr"/>
+            <a:r>
+              <a:rPr lang="pt-BR" dirty="0"/>
+              <a:t>RSI de 35</a:t>
+            </a:r>
+          </a:p>
+        </p:txBody>
+      </p:sp>
+    </p:spTree>
+    <p:extLst>
+      <p:ext uri="{BB962C8B-B14F-4D97-AF65-F5344CB8AC3E}">
+        <p14:creationId xmlns:p14="http://schemas.microsoft.com/office/powerpoint/2010/main" val="1762705107"/>
+      </p:ext>
+    </p:extLst>
+  </p:cSld>
+  <p:clrMapOvr>
+    <a:masterClrMapping/>
+  </p:clrMapOvr>
+</p:sld>
+</file>
+
+<file path=ppt/slides/slide25.xml><?xml version="1.0" encoding="utf-8"?>
+<p:sld xmlns:a="http://schemas.openxmlformats.org/drawingml/2006/main" xmlns:r="http://schemas.openxmlformats.org/officeDocument/2006/relationships" xmlns:p="http://schemas.openxmlformats.org/presentationml/2006/main">
+  <p:cSld>
+    <p:spTree>
+      <p:nvGrpSpPr>
+        <p:cNvPr id="1" name=""/>
+        <p:cNvGrpSpPr/>
+        <p:nvPr/>
+      </p:nvGrpSpPr>
+      <p:grpSpPr>
+        <a:xfrm>
+          <a:off x="0" y="0"/>
+          <a:ext cx="0" cy="0"/>
+          <a:chOff x="0" y="0"/>
+          <a:chExt cx="0" cy="0"/>
+        </a:xfrm>
+      </p:grpSpPr>
+      <p:pic>
+        <p:nvPicPr>
+          <p:cNvPr id="7" name="Imagem 6">
+            <a:extLst>
+              <a:ext uri="{FF2B5EF4-FFF2-40B4-BE49-F238E27FC236}">
+                <a16:creationId xmlns:a16="http://schemas.microsoft.com/office/drawing/2014/main" id="{A4BF960A-0154-C3BE-489C-9FD14F5A03F5}"/>
+              </a:ext>
+            </a:extLst>
+          </p:cNvPr>
+          <p:cNvPicPr>
+            <a:picLocks noChangeAspect="1"/>
+          </p:cNvPicPr>
+          <p:nvPr/>
+        </p:nvPicPr>
+        <p:blipFill rotWithShape="1">
+          <a:blip r:embed="rId2"/>
+          <a:srcRect l="2229" t="4456" r="4470" b="7181"/>
+          <a:stretch/>
+        </p:blipFill>
+        <p:spPr>
+          <a:xfrm>
+            <a:off x="515938" y="2060574"/>
+            <a:ext cx="11233150" cy="3708401"/>
+          </a:xfrm>
+          <a:prstGeom prst="rect">
+            <a:avLst/>
+          </a:prstGeom>
+        </p:spPr>
+      </p:pic>
+      <p:sp>
+        <p:nvSpPr>
+          <p:cNvPr id="2" name="CaixaDeTexto 1">
+            <a:extLst>
+              <a:ext uri="{FF2B5EF4-FFF2-40B4-BE49-F238E27FC236}">
+                <a16:creationId xmlns:a16="http://schemas.microsoft.com/office/drawing/2014/main" id="{73A34318-C8F9-1A16-0C42-04285DF5A7B0}"/>
+              </a:ext>
+            </a:extLst>
+          </p:cNvPr>
+          <p:cNvSpPr txBox="1"/>
+          <p:nvPr/>
+        </p:nvSpPr>
+        <p:spPr>
+          <a:xfrm>
+            <a:off x="1055688" y="192791"/>
+            <a:ext cx="10080625" cy="1077218"/>
+          </a:xfrm>
+          <a:prstGeom prst="rect">
+            <a:avLst/>
+          </a:prstGeom>
+          <a:noFill/>
+          <a:ln>
+            <a:solidFill>
+              <a:schemeClr val="tx1"/>
+            </a:solidFill>
+          </a:ln>
+        </p:spPr>
+        <p:txBody>
+          <a:bodyPr wrap="square" rtlCol="0">
+            <a:spAutoFit/>
+          </a:bodyPr>
+          <a:lstStyle/>
+          <a:p>
+            <a:pPr algn="ctr"/>
+            <a:r>
+              <a:rPr lang="pt-BR" sz="3200" dirty="0"/>
+              <a:t>Para esse intervalo do RSI (35), talvez a melhor ordem seja 10:</a:t>
+            </a:r>
+          </a:p>
+        </p:txBody>
+      </p:sp>
+    </p:spTree>
+    <p:extLst>
+      <p:ext uri="{BB962C8B-B14F-4D97-AF65-F5344CB8AC3E}">
+        <p14:creationId xmlns:p14="http://schemas.microsoft.com/office/powerpoint/2010/main" val="14449147"/>
+      </p:ext>
+    </p:extLst>
+  </p:cSld>
+  <p:clrMapOvr>
+    <a:masterClrMapping/>
+  </p:clrMapOvr>
+</p:sld>
+</file>
+
+<file path=ppt/slides/slide26.xml><?xml version="1.0" encoding="utf-8"?>
+<p:sld xmlns:a="http://schemas.openxmlformats.org/drawingml/2006/main" xmlns:r="http://schemas.openxmlformats.org/officeDocument/2006/relationships" xmlns:p="http://schemas.openxmlformats.org/presentationml/2006/main">
+  <p:cSld>
+    <p:spTree>
+      <p:nvGrpSpPr>
+        <p:cNvPr id="1" name=""/>
+        <p:cNvGrpSpPr/>
+        <p:nvPr/>
+      </p:nvGrpSpPr>
+      <p:grpSpPr>
+        <a:xfrm>
+          <a:off x="0" y="0"/>
+          <a:ext cx="0" cy="0"/>
+          <a:chOff x="0" y="0"/>
+          <a:chExt cx="0" cy="0"/>
+        </a:xfrm>
+      </p:grpSpPr>
+      <p:sp>
+        <p:nvSpPr>
+          <p:cNvPr id="2" name="CaixaDeTexto 1">
+            <a:extLst>
+              <a:ext uri="{FF2B5EF4-FFF2-40B4-BE49-F238E27FC236}">
+                <a16:creationId xmlns:a16="http://schemas.microsoft.com/office/drawing/2014/main" id="{DD8C5AA7-91DD-807C-5FA9-5A8DE08F3F0C}"/>
+              </a:ext>
+            </a:extLst>
+          </p:cNvPr>
+          <p:cNvSpPr txBox="1"/>
+          <p:nvPr/>
+        </p:nvSpPr>
+        <p:spPr>
+          <a:xfrm>
+            <a:off x="1055688" y="970384"/>
+            <a:ext cx="10150377" cy="3046988"/>
+          </a:xfrm>
+          <a:prstGeom prst="rect">
+            <a:avLst/>
+          </a:prstGeom>
+          <a:noFill/>
+        </p:spPr>
+        <p:txBody>
+          <a:bodyPr wrap="square" rtlCol="0">
+            <a:spAutoFit/>
+          </a:bodyPr>
+          <a:lstStyle/>
+          <a:p>
+            <a:pPr marL="457200" indent="-457200">
+              <a:buFont typeface="+mj-lt"/>
+              <a:buAutoNum type="arabicPeriod" startAt="8"/>
+            </a:pPr>
+            <a:r>
+              <a:rPr lang="pt-BR" sz="2400" dirty="0">
+                <a:solidFill>
+                  <a:schemeClr val="bg1">
+                    <a:lumMod val="75000"/>
+                  </a:schemeClr>
+                </a:solidFill>
+              </a:rPr>
+              <a:t>Eliminamos as retas suportes com inclinação negativa e as retas de resistência com inclinação positiva</a:t>
+            </a:r>
+          </a:p>
+          <a:p>
+            <a:pPr marL="457200" indent="-457200">
+              <a:buFont typeface="+mj-lt"/>
+              <a:buAutoNum type="arabicPeriod" startAt="8"/>
+            </a:pPr>
+            <a:r>
+              <a:rPr lang="pt-BR" sz="2400" dirty="0">
+                <a:solidFill>
+                  <a:schemeClr val="bg1">
+                    <a:lumMod val="75000"/>
+                  </a:schemeClr>
+                </a:solidFill>
+              </a:rPr>
+              <a:t>Eliminação por obrigação de passar (perto) de 3 pontos de mínimo e máximo local</a:t>
+            </a:r>
+          </a:p>
+          <a:p>
+            <a:pPr marL="457200" indent="-457200">
+              <a:buFont typeface="+mj-lt"/>
+              <a:buAutoNum type="arabicPeriod" startAt="8"/>
+            </a:pPr>
+            <a:r>
+              <a:rPr lang="pt-BR" sz="2400" dirty="0"/>
+              <a:t>Identifica os rompimentos para baixo e os rompimentos para cima. Importante respeitar a janela e dar o espaçamento da ordem para evitar bias.</a:t>
+            </a:r>
+          </a:p>
+          <a:p>
+            <a:pPr marL="457200" indent="-457200">
+              <a:buFont typeface="+mj-lt"/>
+              <a:buAutoNum type="arabicPeriod" startAt="8"/>
+            </a:pPr>
+            <a:endParaRPr lang="pt-BR" sz="2400" dirty="0"/>
+          </a:p>
+        </p:txBody>
+      </p:sp>
+      <p:sp>
+        <p:nvSpPr>
+          <p:cNvPr id="5" name="CaixaDeTexto 4">
+            <a:extLst>
+              <a:ext uri="{FF2B5EF4-FFF2-40B4-BE49-F238E27FC236}">
+                <a16:creationId xmlns:a16="http://schemas.microsoft.com/office/drawing/2014/main" id="{B911425B-6882-E571-C00D-D6EAA3150189}"/>
+              </a:ext>
+            </a:extLst>
+          </p:cNvPr>
+          <p:cNvSpPr txBox="1"/>
+          <p:nvPr/>
+        </p:nvSpPr>
+        <p:spPr>
+          <a:xfrm>
+            <a:off x="1055688" y="192791"/>
+            <a:ext cx="10080625" cy="584775"/>
+          </a:xfrm>
+          <a:prstGeom prst="rect">
+            <a:avLst/>
+          </a:prstGeom>
+          <a:noFill/>
+          <a:ln>
+            <a:solidFill>
+              <a:schemeClr val="tx1"/>
+            </a:solidFill>
+          </a:ln>
+        </p:spPr>
+        <p:txBody>
+          <a:bodyPr wrap="square" rtlCol="0">
+            <a:spAutoFit/>
+          </a:bodyPr>
+          <a:lstStyle/>
+          <a:p>
+            <a:pPr algn="ctr"/>
+            <a:r>
+              <a:rPr lang="pt-BR" sz="3200" dirty="0"/>
+              <a:t>Lógica das retas - continuação</a:t>
+            </a:r>
+          </a:p>
+        </p:txBody>
+      </p:sp>
+    </p:spTree>
+    <p:extLst>
+      <p:ext uri="{BB962C8B-B14F-4D97-AF65-F5344CB8AC3E}">
+        <p14:creationId xmlns:p14="http://schemas.microsoft.com/office/powerpoint/2010/main" val="3382748865"/>
+      </p:ext>
+    </p:extLst>
+  </p:cSld>
+  <p:clrMapOvr>
+    <a:masterClrMapping/>
+  </p:clrMapOvr>
+</p:sld>
+</file>
+
+<file path=ppt/slides/slide27.xml><?xml version="1.0" encoding="utf-8"?>
+<p:sld xmlns:a="http://schemas.openxmlformats.org/drawingml/2006/main" xmlns:r="http://schemas.openxmlformats.org/officeDocument/2006/relationships" xmlns:p="http://schemas.openxmlformats.org/presentationml/2006/main">
+  <p:cSld>
+    <p:spTree>
+      <p:nvGrpSpPr>
+        <p:cNvPr id="1" name=""/>
+        <p:cNvGrpSpPr/>
+        <p:nvPr/>
+      </p:nvGrpSpPr>
+      <p:grpSpPr>
+        <a:xfrm>
+          <a:off x="0" y="0"/>
+          <a:ext cx="0" cy="0"/>
+          <a:chOff x="0" y="0"/>
+          <a:chExt cx="0" cy="0"/>
+        </a:xfrm>
+      </p:grpSpPr>
+      <p:pic>
+        <p:nvPicPr>
+          <p:cNvPr id="4" name="Imagem 3">
+            <a:extLst>
+              <a:ext uri="{FF2B5EF4-FFF2-40B4-BE49-F238E27FC236}">
+                <a16:creationId xmlns:a16="http://schemas.microsoft.com/office/drawing/2014/main" id="{D099EBA6-2ED8-557E-0D0B-F884C7CF7578}"/>
+              </a:ext>
+            </a:extLst>
+          </p:cNvPr>
+          <p:cNvPicPr>
+            <a:picLocks noChangeAspect="1"/>
+          </p:cNvPicPr>
+          <p:nvPr/>
+        </p:nvPicPr>
+        <p:blipFill>
+          <a:blip r:embed="rId2"/>
+          <a:stretch>
+            <a:fillRect/>
+          </a:stretch>
+        </p:blipFill>
+        <p:spPr>
+          <a:xfrm>
+            <a:off x="1699599" y="147179"/>
+            <a:ext cx="8792802" cy="6563641"/>
           </a:xfrm>
           <a:prstGeom prst="rect">
             <a:avLst/>
@@ -4154,7 +6793,534 @@
     </p:spTree>
     <p:extLst>
       <p:ext uri="{BB962C8B-B14F-4D97-AF65-F5344CB8AC3E}">
-        <p14:creationId xmlns:p14="http://schemas.microsoft.com/office/powerpoint/2010/main" val="4031126513"/>
+        <p14:creationId xmlns:p14="http://schemas.microsoft.com/office/powerpoint/2010/main" val="2759409821"/>
+      </p:ext>
+    </p:extLst>
+  </p:cSld>
+  <p:clrMapOvr>
+    <a:masterClrMapping/>
+  </p:clrMapOvr>
+</p:sld>
+</file>
+
+<file path=ppt/slides/slide28.xml><?xml version="1.0" encoding="utf-8"?>
+<p:sld xmlns:a="http://schemas.openxmlformats.org/drawingml/2006/main" xmlns:r="http://schemas.openxmlformats.org/officeDocument/2006/relationships" xmlns:p="http://schemas.openxmlformats.org/presentationml/2006/main">
+  <p:cSld>
+    <p:spTree>
+      <p:nvGrpSpPr>
+        <p:cNvPr id="1" name=""/>
+        <p:cNvGrpSpPr/>
+        <p:nvPr/>
+      </p:nvGrpSpPr>
+      <p:grpSpPr>
+        <a:xfrm>
+          <a:off x="0" y="0"/>
+          <a:ext cx="0" cy="0"/>
+          <a:chOff x="0" y="0"/>
+          <a:chExt cx="0" cy="0"/>
+        </a:xfrm>
+      </p:grpSpPr>
+      <p:sp>
+        <p:nvSpPr>
+          <p:cNvPr id="2" name="CaixaDeTexto 1">
+            <a:extLst>
+              <a:ext uri="{FF2B5EF4-FFF2-40B4-BE49-F238E27FC236}">
+                <a16:creationId xmlns:a16="http://schemas.microsoft.com/office/drawing/2014/main" id="{DD8C5AA7-91DD-807C-5FA9-5A8DE08F3F0C}"/>
+              </a:ext>
+            </a:extLst>
+          </p:cNvPr>
+          <p:cNvSpPr txBox="1"/>
+          <p:nvPr/>
+        </p:nvSpPr>
+        <p:spPr>
+          <a:xfrm>
+            <a:off x="1055688" y="970384"/>
+            <a:ext cx="10150377" cy="5632311"/>
+          </a:xfrm>
+          <a:prstGeom prst="rect">
+            <a:avLst/>
+          </a:prstGeom>
+          <a:noFill/>
+        </p:spPr>
+        <p:txBody>
+          <a:bodyPr wrap="square" rtlCol="0">
+            <a:spAutoFit/>
+          </a:bodyPr>
+          <a:lstStyle/>
+          <a:p>
+            <a:pPr marL="457200" indent="-457200">
+              <a:buFont typeface="+mj-lt"/>
+              <a:buAutoNum type="arabicPeriod" startAt="8"/>
+            </a:pPr>
+            <a:r>
+              <a:rPr lang="pt-BR" sz="2400" dirty="0">
+                <a:solidFill>
+                  <a:schemeClr val="bg1">
+                    <a:lumMod val="75000"/>
+                  </a:schemeClr>
+                </a:solidFill>
+              </a:rPr>
+              <a:t>Eliminamos as retas suportes com inclinação negativa e as retas de resistência com inclinação positiva</a:t>
+            </a:r>
+          </a:p>
+          <a:p>
+            <a:pPr marL="457200" indent="-457200">
+              <a:buFont typeface="+mj-lt"/>
+              <a:buAutoNum type="arabicPeriod" startAt="8"/>
+            </a:pPr>
+            <a:r>
+              <a:rPr lang="pt-BR" sz="2400" dirty="0">
+                <a:solidFill>
+                  <a:schemeClr val="bg1">
+                    <a:lumMod val="75000"/>
+                  </a:schemeClr>
+                </a:solidFill>
+              </a:rPr>
+              <a:t>Eliminação por obrigação de passar (perto) de 3 pontos de mínimo e máximo local</a:t>
+            </a:r>
+          </a:p>
+          <a:p>
+            <a:pPr marL="457200" indent="-457200">
+              <a:buFont typeface="+mj-lt"/>
+              <a:buAutoNum type="arabicPeriod" startAt="8"/>
+            </a:pPr>
+            <a:r>
+              <a:rPr lang="pt-BR" sz="2400" dirty="0"/>
+              <a:t>Identifica os rompimentos para baixo e os rompimentos para cima. Importante respeitar a janela e dar o espaçamento da ordem para evitar bias.</a:t>
+            </a:r>
+          </a:p>
+          <a:p>
+            <a:pPr marL="457200" indent="-457200">
+              <a:buFont typeface="+mj-lt"/>
+              <a:buAutoNum type="arabicPeriod" startAt="8"/>
+            </a:pPr>
+            <a:r>
+              <a:rPr lang="pt-BR" sz="2400" dirty="0"/>
+              <a:t>Estratégia é:</a:t>
+            </a:r>
+          </a:p>
+          <a:p>
+            <a:pPr marL="914400" lvl="1" indent="-457200">
+              <a:buFont typeface="Arial" panose="020B0604020202020204" pitchFamily="34" charset="0"/>
+              <a:buChar char="•"/>
+            </a:pPr>
+            <a:r>
+              <a:rPr lang="pt-BR" sz="2400" dirty="0"/>
+              <a:t>Se estiver zerado e tiver sinal de rompimento para baixo, vende, e para cima compra.</a:t>
+            </a:r>
+          </a:p>
+          <a:p>
+            <a:pPr marL="914400" lvl="1" indent="-457200">
+              <a:buFont typeface="Arial" panose="020B0604020202020204" pitchFamily="34" charset="0"/>
+              <a:buChar char="•"/>
+            </a:pPr>
+            <a:r>
+              <a:rPr lang="pt-BR" sz="2400" dirty="0"/>
+              <a:t>Se estiver comprado e tiver sinal de venda, zera.</a:t>
+            </a:r>
+          </a:p>
+          <a:p>
+            <a:pPr marL="914400" lvl="1" indent="-457200">
+              <a:buFont typeface="Arial" panose="020B0604020202020204" pitchFamily="34" charset="0"/>
+              <a:buChar char="•"/>
+            </a:pPr>
+            <a:r>
+              <a:rPr lang="pt-BR" sz="2400" dirty="0"/>
+              <a:t>Se estiver vendido e tiver sinal de compra, zera.</a:t>
+            </a:r>
+          </a:p>
+          <a:p>
+            <a:pPr marL="914400" lvl="1" indent="-457200">
+              <a:buFont typeface="Arial" panose="020B0604020202020204" pitchFamily="34" charset="0"/>
+              <a:buChar char="•"/>
+            </a:pPr>
+            <a:r>
+              <a:rPr lang="pt-BR" sz="2400" dirty="0"/>
+              <a:t>Caso contrário, mantém a posição.</a:t>
+            </a:r>
+          </a:p>
+          <a:p>
+            <a:pPr marL="914400" lvl="1" indent="-457200">
+              <a:buFont typeface="Arial" panose="020B0604020202020204" pitchFamily="34" charset="0"/>
+              <a:buChar char="•"/>
+            </a:pPr>
+            <a:r>
+              <a:rPr lang="pt-BR" sz="2400" dirty="0"/>
+              <a:t>Respeita percentuais de stop </a:t>
+            </a:r>
+            <a:r>
+              <a:rPr lang="pt-BR" sz="2400" dirty="0" err="1"/>
+              <a:t>loss</a:t>
+            </a:r>
+            <a:r>
+              <a:rPr lang="pt-BR" sz="2400" dirty="0"/>
+              <a:t> e realização de ganho.</a:t>
+            </a:r>
+          </a:p>
+          <a:p>
+            <a:pPr marL="457200" indent="-457200">
+              <a:buFont typeface="+mj-lt"/>
+              <a:buAutoNum type="arabicPeriod" startAt="8"/>
+            </a:pPr>
+            <a:endParaRPr lang="pt-BR" sz="2400" dirty="0"/>
+          </a:p>
+        </p:txBody>
+      </p:sp>
+      <p:sp>
+        <p:nvSpPr>
+          <p:cNvPr id="5" name="CaixaDeTexto 4">
+            <a:extLst>
+              <a:ext uri="{FF2B5EF4-FFF2-40B4-BE49-F238E27FC236}">
+                <a16:creationId xmlns:a16="http://schemas.microsoft.com/office/drawing/2014/main" id="{B911425B-6882-E571-C00D-D6EAA3150189}"/>
+              </a:ext>
+            </a:extLst>
+          </p:cNvPr>
+          <p:cNvSpPr txBox="1"/>
+          <p:nvPr/>
+        </p:nvSpPr>
+        <p:spPr>
+          <a:xfrm>
+            <a:off x="1055688" y="192791"/>
+            <a:ext cx="10080625" cy="584775"/>
+          </a:xfrm>
+          <a:prstGeom prst="rect">
+            <a:avLst/>
+          </a:prstGeom>
+          <a:noFill/>
+          <a:ln>
+            <a:solidFill>
+              <a:schemeClr val="tx1"/>
+            </a:solidFill>
+          </a:ln>
+        </p:spPr>
+        <p:txBody>
+          <a:bodyPr wrap="square" rtlCol="0">
+            <a:spAutoFit/>
+          </a:bodyPr>
+          <a:lstStyle/>
+          <a:p>
+            <a:pPr algn="ctr"/>
+            <a:r>
+              <a:rPr lang="pt-BR" sz="3200" dirty="0"/>
+              <a:t>Lógica das retas - continuação</a:t>
+            </a:r>
+          </a:p>
+        </p:txBody>
+      </p:sp>
+    </p:spTree>
+    <p:extLst>
+      <p:ext uri="{BB962C8B-B14F-4D97-AF65-F5344CB8AC3E}">
+        <p14:creationId xmlns:p14="http://schemas.microsoft.com/office/powerpoint/2010/main" val="2880832459"/>
+      </p:ext>
+    </p:extLst>
+  </p:cSld>
+  <p:clrMapOvr>
+    <a:masterClrMapping/>
+  </p:clrMapOvr>
+</p:sld>
+</file>
+
+<file path=ppt/slides/slide29.xml><?xml version="1.0" encoding="utf-8"?>
+<p:sld xmlns:a="http://schemas.openxmlformats.org/drawingml/2006/main" xmlns:r="http://schemas.openxmlformats.org/officeDocument/2006/relationships" xmlns:p="http://schemas.openxmlformats.org/presentationml/2006/main">
+  <p:cSld>
+    <p:spTree>
+      <p:nvGrpSpPr>
+        <p:cNvPr id="1" name=""/>
+        <p:cNvGrpSpPr/>
+        <p:nvPr/>
+      </p:nvGrpSpPr>
+      <p:grpSpPr>
+        <a:xfrm>
+          <a:off x="0" y="0"/>
+          <a:ext cx="0" cy="0"/>
+          <a:chOff x="0" y="0"/>
+          <a:chExt cx="0" cy="0"/>
+        </a:xfrm>
+      </p:grpSpPr>
+      <p:sp>
+        <p:nvSpPr>
+          <p:cNvPr id="3" name="CaixaDeTexto 2">
+            <a:extLst>
+              <a:ext uri="{FF2B5EF4-FFF2-40B4-BE49-F238E27FC236}">
+                <a16:creationId xmlns:a16="http://schemas.microsoft.com/office/drawing/2014/main" id="{7EBAD6C7-E7A0-DD84-F3A5-D03C91E593F6}"/>
+              </a:ext>
+            </a:extLst>
+          </p:cNvPr>
+          <p:cNvSpPr txBox="1"/>
+          <p:nvPr/>
+        </p:nvSpPr>
+        <p:spPr>
+          <a:xfrm>
+            <a:off x="1055688" y="192791"/>
+            <a:ext cx="10080625" cy="584775"/>
+          </a:xfrm>
+          <a:prstGeom prst="rect">
+            <a:avLst/>
+          </a:prstGeom>
+          <a:noFill/>
+          <a:ln>
+            <a:solidFill>
+              <a:schemeClr val="tx1"/>
+            </a:solidFill>
+          </a:ln>
+        </p:spPr>
+        <p:txBody>
+          <a:bodyPr wrap="square" rtlCol="0">
+            <a:spAutoFit/>
+          </a:bodyPr>
+          <a:lstStyle/>
+          <a:p>
+            <a:pPr algn="ctr"/>
+            <a:r>
+              <a:rPr lang="pt-BR" sz="3200" dirty="0"/>
+              <a:t>Variáveis Importantes</a:t>
+            </a:r>
+          </a:p>
+        </p:txBody>
+      </p:sp>
+      <p:sp>
+        <p:nvSpPr>
+          <p:cNvPr id="2" name="CaixaDeTexto 1">
+            <a:extLst>
+              <a:ext uri="{FF2B5EF4-FFF2-40B4-BE49-F238E27FC236}">
+                <a16:creationId xmlns:a16="http://schemas.microsoft.com/office/drawing/2014/main" id="{DD8C5AA7-91DD-807C-5FA9-5A8DE08F3F0C}"/>
+              </a:ext>
+            </a:extLst>
+          </p:cNvPr>
+          <p:cNvSpPr txBox="1"/>
+          <p:nvPr/>
+        </p:nvSpPr>
+        <p:spPr>
+          <a:xfrm>
+            <a:off x="1055688" y="970384"/>
+            <a:ext cx="10150377" cy="5632311"/>
+          </a:xfrm>
+          <a:prstGeom prst="rect">
+            <a:avLst/>
+          </a:prstGeom>
+          <a:noFill/>
+        </p:spPr>
+        <p:txBody>
+          <a:bodyPr wrap="square" rtlCol="0">
+            <a:spAutoFit/>
+          </a:bodyPr>
+          <a:lstStyle/>
+          <a:p>
+            <a:pPr marL="285750" indent="-285750">
+              <a:buFont typeface="Wingdings" panose="05000000000000000000" pitchFamily="2" charset="2"/>
+              <a:buChar char="Ø"/>
+            </a:pPr>
+            <a:r>
+              <a:rPr lang="pt-BR" dirty="0" err="1"/>
+              <a:t>janela_rsi:determina</a:t>
+            </a:r>
+            <a:r>
+              <a:rPr lang="pt-BR" dirty="0"/>
+              <a:t> o número de períodos em que os parâmetros são calculados (trabalharemos com múltiplos de 7)</a:t>
+            </a:r>
+          </a:p>
+          <a:p>
+            <a:pPr marL="285750" indent="-285750">
+              <a:buFont typeface="Wingdings" panose="05000000000000000000" pitchFamily="2" charset="2"/>
+              <a:buChar char="Ø"/>
+            </a:pPr>
+            <a:r>
+              <a:rPr lang="pt-BR" dirty="0"/>
+              <a:t>Ordem: determina quantos pontos à direita e à esquerda examinamos para determina pontos de máximo (tops) e mínimos (</a:t>
+            </a:r>
+            <a:r>
+              <a:rPr lang="pt-BR" dirty="0" err="1"/>
+              <a:t>bottoms</a:t>
+            </a:r>
+            <a:r>
+              <a:rPr lang="pt-BR" dirty="0"/>
+              <a:t>) locais</a:t>
+            </a:r>
+          </a:p>
+          <a:p>
+            <a:pPr marL="285750" indent="-285750">
+              <a:buFont typeface="Wingdings" panose="05000000000000000000" pitchFamily="2" charset="2"/>
+              <a:buChar char="Ø"/>
+            </a:pPr>
+            <a:r>
+              <a:rPr lang="pt-BR" dirty="0" err="1"/>
+              <a:t>lookback</a:t>
+            </a:r>
+            <a:r>
+              <a:rPr lang="pt-BR" dirty="0"/>
+              <a:t> determina quantos pontos para trás vamos olhar para desenharmos as primeiras tentativas de retas de suporte e resistência. Veremos que temos que cobrir uma gama grande de tamanho de janelas</a:t>
+            </a:r>
+          </a:p>
+          <a:p>
+            <a:pPr marL="742950" lvl="1" indent="-285750">
+              <a:buFont typeface="Wingdings" panose="05000000000000000000" pitchFamily="2" charset="2"/>
+              <a:buChar char="ü"/>
+            </a:pPr>
+            <a:r>
+              <a:rPr lang="pt-BR" dirty="0"/>
+              <a:t>lookback1 = 50</a:t>
+            </a:r>
+          </a:p>
+          <a:p>
+            <a:pPr marL="742950" lvl="1" indent="-285750">
+              <a:buFont typeface="Wingdings" panose="05000000000000000000" pitchFamily="2" charset="2"/>
+              <a:buChar char="ü"/>
+            </a:pPr>
+            <a:r>
+              <a:rPr lang="pt-BR" dirty="0"/>
+              <a:t>lookback2 = 100</a:t>
+            </a:r>
+          </a:p>
+          <a:p>
+            <a:pPr marL="742950" lvl="1" indent="-285750">
+              <a:buFont typeface="Wingdings" panose="05000000000000000000" pitchFamily="2" charset="2"/>
+              <a:buChar char="ü"/>
+            </a:pPr>
+            <a:r>
+              <a:rPr lang="pt-BR" dirty="0"/>
+              <a:t>lookback3 = 200</a:t>
+            </a:r>
+          </a:p>
+          <a:p>
+            <a:pPr marL="742950" lvl="1" indent="-285750">
+              <a:buFont typeface="Wingdings" panose="05000000000000000000" pitchFamily="2" charset="2"/>
+              <a:buChar char="ü"/>
+            </a:pPr>
+            <a:r>
+              <a:rPr lang="pt-BR" dirty="0"/>
+              <a:t>lookback4 = 300</a:t>
+            </a:r>
+          </a:p>
+          <a:p>
+            <a:pPr marL="285750" indent="-285750">
+              <a:buFont typeface="Wingdings" panose="05000000000000000000" pitchFamily="2" charset="2"/>
+              <a:buChar char="Ø"/>
+            </a:pPr>
+            <a:r>
+              <a:rPr lang="pt-BR" dirty="0" err="1"/>
+              <a:t>distancia_maxima</a:t>
+            </a:r>
+            <a:r>
+              <a:rPr lang="pt-BR" dirty="0"/>
+              <a:t>: determina a distância máxima na vertical que uma linha deve passar para considerar que passou pelo ponto (2, lembrando que o RSI vai de 0 a 100)</a:t>
+            </a:r>
+          </a:p>
+          <a:p>
+            <a:pPr marL="285750" indent="-285750">
+              <a:buFont typeface="Wingdings" panose="05000000000000000000" pitchFamily="2" charset="2"/>
+              <a:buChar char="Ø"/>
+            </a:pPr>
+            <a:r>
+              <a:rPr lang="pt-BR" dirty="0" err="1"/>
+              <a:t>num_pontos</a:t>
+            </a:r>
+            <a:r>
+              <a:rPr lang="pt-BR" dirty="0"/>
+              <a:t>: determina quantos pontos queremos na linha de tendência no mínimo (3 pontos)</a:t>
+            </a:r>
+          </a:p>
+          <a:p>
+            <a:pPr marL="285750" indent="-285750">
+              <a:buFont typeface="Wingdings" panose="05000000000000000000" pitchFamily="2" charset="2"/>
+              <a:buChar char="Ø"/>
+            </a:pPr>
+            <a:r>
+              <a:rPr lang="pt-BR" dirty="0"/>
+              <a:t># </a:t>
+            </a:r>
+            <a:r>
+              <a:rPr lang="pt-BR" dirty="0" err="1"/>
+              <a:t>ind_índice</a:t>
+            </a:r>
+            <a:r>
+              <a:rPr lang="pt-BR" dirty="0"/>
+              <a:t>: determina quais variáveis vamos usar para fazer o estudo:</a:t>
+            </a:r>
+          </a:p>
+          <a:p>
+            <a:pPr marL="742950" lvl="1" indent="-285750">
+              <a:buFont typeface="Wingdings" panose="05000000000000000000" pitchFamily="2" charset="2"/>
+              <a:buChar char="Ø"/>
+            </a:pPr>
+            <a:r>
+              <a:rPr lang="pt-BR" dirty="0"/>
+              <a:t># 1 = bitcoin</a:t>
+            </a:r>
+          </a:p>
+          <a:p>
+            <a:pPr marL="742950" lvl="1" indent="-285750">
+              <a:buFont typeface="Wingdings" panose="05000000000000000000" pitchFamily="2" charset="2"/>
+              <a:buChar char="Ø"/>
+            </a:pPr>
+            <a:r>
+              <a:rPr lang="pt-BR" dirty="0"/>
+              <a:t># 2 = </a:t>
+            </a:r>
+            <a:r>
+              <a:rPr lang="pt-BR" dirty="0" err="1"/>
+              <a:t>ibov</a:t>
+            </a:r>
+            <a:endParaRPr lang="pt-BR" dirty="0"/>
+          </a:p>
+          <a:p>
+            <a:pPr marL="742950" lvl="1" indent="-285750">
+              <a:buFont typeface="Wingdings" panose="05000000000000000000" pitchFamily="2" charset="2"/>
+              <a:buChar char="Ø"/>
+            </a:pPr>
+            <a:r>
+              <a:rPr lang="pt-BR" dirty="0"/>
+              <a:t># 3 = S&amp;P 500</a:t>
+            </a:r>
+          </a:p>
+          <a:p>
+            <a:pPr marL="742950" lvl="1" indent="-285750">
+              <a:buFont typeface="Wingdings" panose="05000000000000000000" pitchFamily="2" charset="2"/>
+              <a:buChar char="Ø"/>
+            </a:pPr>
+            <a:r>
+              <a:rPr lang="pt-BR" dirty="0"/>
+              <a:t># 4 = FTSE </a:t>
+            </a:r>
+            <a:r>
+              <a:rPr lang="pt-BR" dirty="0" err="1"/>
+              <a:t>All</a:t>
+            </a:r>
+            <a:r>
+              <a:rPr lang="pt-BR" dirty="0"/>
+              <a:t> </a:t>
+            </a:r>
+            <a:r>
+              <a:rPr lang="pt-BR" dirty="0" err="1"/>
+              <a:t>Share</a:t>
+            </a:r>
+            <a:endParaRPr lang="pt-BR" dirty="0"/>
+          </a:p>
+          <a:p>
+            <a:pPr marL="742950" lvl="1" indent="-285750">
+              <a:buFont typeface="Wingdings" panose="05000000000000000000" pitchFamily="2" charset="2"/>
+              <a:buChar char="Ø"/>
+            </a:pPr>
+            <a:r>
+              <a:rPr lang="pt-BR" dirty="0"/>
+              <a:t># 5  = DAX</a:t>
+            </a:r>
+          </a:p>
+          <a:p>
+            <a:pPr marL="742950" lvl="1" indent="-285750">
+              <a:buFont typeface="Wingdings" panose="05000000000000000000" pitchFamily="2" charset="2"/>
+              <a:buChar char="Ø"/>
+            </a:pPr>
+            <a:r>
+              <a:rPr lang="pt-BR" dirty="0"/>
+              <a:t># 6 = Nikkei 225</a:t>
+            </a:r>
+          </a:p>
+        </p:txBody>
+      </p:sp>
+    </p:spTree>
+    <p:extLst>
+      <p:ext uri="{BB962C8B-B14F-4D97-AF65-F5344CB8AC3E}">
+        <p14:creationId xmlns:p14="http://schemas.microsoft.com/office/powerpoint/2010/main" val="2640147288"/>
       </p:ext>
     </p:extLst>
   </p:cSld>
@@ -4183,10 +7349,10 @@
       </p:grpSpPr>
       <p:pic>
         <p:nvPicPr>
-          <p:cNvPr id="17" name="Imagem 16">
-            <a:extLst>
-              <a:ext uri="{FF2B5EF4-FFF2-40B4-BE49-F238E27FC236}">
-                <a16:creationId xmlns:a16="http://schemas.microsoft.com/office/drawing/2014/main" id="{3543ED60-BEC8-B230-6950-ABC2C988BBD5}"/>
+          <p:cNvPr id="4" name="Imagem 3">
+            <a:extLst>
+              <a:ext uri="{FF2B5EF4-FFF2-40B4-BE49-F238E27FC236}">
+                <a16:creationId xmlns:a16="http://schemas.microsoft.com/office/drawing/2014/main" id="{FA8704D5-B937-FAA3-3239-B8A77B9490EE}"/>
               </a:ext>
             </a:extLst>
           </p:cNvPr>
@@ -4197,65 +7363,35 @@
         </p:nvPicPr>
         <p:blipFill rotWithShape="1">
           <a:blip r:embed="rId2"/>
-          <a:srcRect/>
+          <a:srcRect l="1671" t="6622" r="5597" b="7517"/>
           <a:stretch/>
         </p:blipFill>
         <p:spPr>
           <a:xfrm>
-            <a:off x="12700" y="562093"/>
-            <a:ext cx="12192000" cy="3504964"/>
+            <a:off x="515939" y="2060575"/>
+            <a:ext cx="11233150" cy="3708400"/>
           </a:xfrm>
           <a:prstGeom prst="rect">
             <a:avLst/>
           </a:prstGeom>
         </p:spPr>
       </p:pic>
-      <p:pic>
-        <p:nvPicPr>
-          <p:cNvPr id="14" name="Imagem 13">
-            <a:extLst>
-              <a:ext uri="{FF2B5EF4-FFF2-40B4-BE49-F238E27FC236}">
-                <a16:creationId xmlns:a16="http://schemas.microsoft.com/office/drawing/2014/main" id="{752D24F9-B0DE-446F-E7BF-6E725A0BD7E4}"/>
-              </a:ext>
-            </a:extLst>
-          </p:cNvPr>
-          <p:cNvPicPr>
-            <a:picLocks noChangeAspect="1"/>
-          </p:cNvPicPr>
+      <p:sp>
+        <p:nvSpPr>
+          <p:cNvPr id="2" name="CaixaDeTexto 1">
+            <a:extLst>
+              <a:ext uri="{FF2B5EF4-FFF2-40B4-BE49-F238E27FC236}">
+                <a16:creationId xmlns:a16="http://schemas.microsoft.com/office/drawing/2014/main" id="{5752864D-05F6-F963-8F61-CD0FB897BB0E}"/>
+              </a:ext>
+            </a:extLst>
+          </p:cNvPr>
+          <p:cNvSpPr txBox="1"/>
           <p:nvPr/>
-        </p:nvPicPr>
-        <p:blipFill>
-          <a:blip r:embed="rId3"/>
-          <a:stretch>
-            <a:fillRect/>
-          </a:stretch>
-        </p:blipFill>
-        <p:spPr>
-          <a:xfrm>
-            <a:off x="0" y="3228924"/>
-            <a:ext cx="12192000" cy="3608606"/>
-          </a:xfrm>
-          <a:prstGeom prst="rect">
-            <a:avLst/>
-          </a:prstGeom>
-        </p:spPr>
-      </p:pic>
-      <p:sp>
-        <p:nvSpPr>
-          <p:cNvPr id="12" name="Retângulo 11">
-            <a:extLst>
-              <a:ext uri="{FF2B5EF4-FFF2-40B4-BE49-F238E27FC236}">
-                <a16:creationId xmlns:a16="http://schemas.microsoft.com/office/drawing/2014/main" id="{0C8877A1-111A-76D0-D092-4D250D04D223}"/>
-              </a:ext>
-            </a:extLst>
-          </p:cNvPr>
-          <p:cNvSpPr/>
-          <p:nvPr/>
-        </p:nvSpPr>
-        <p:spPr>
-          <a:xfrm>
-            <a:off x="1866900" y="1504950"/>
-            <a:ext cx="1638299" cy="1066800"/>
+        </p:nvSpPr>
+        <p:spPr>
+          <a:xfrm>
+            <a:off x="1055688" y="192791"/>
+            <a:ext cx="10080625" cy="584775"/>
           </a:xfrm>
           <a:prstGeom prst="rect">
             <a:avLst/>
@@ -4263,51 +7399,70 @@
           <a:noFill/>
           <a:ln>
             <a:solidFill>
-              <a:srgbClr val="FFFF00"/>
+              <a:schemeClr val="tx1"/>
             </a:solidFill>
           </a:ln>
         </p:spPr>
-        <p:style>
-          <a:lnRef idx="2">
-            <a:schemeClr val="accent1">
-              <a:shade val="15000"/>
-            </a:schemeClr>
-          </a:lnRef>
-          <a:fillRef idx="1">
-            <a:schemeClr val="accent1"/>
-          </a:fillRef>
-          <a:effectRef idx="0">
-            <a:schemeClr val="accent1"/>
-          </a:effectRef>
-          <a:fontRef idx="minor">
-            <a:schemeClr val="lt1"/>
-          </a:fontRef>
-        </p:style>
-        <p:txBody>
-          <a:bodyPr rtlCol="0" anchor="ctr"/>
+        <p:txBody>
+          <a:bodyPr wrap="square" rtlCol="0">
+            <a:spAutoFit/>
+          </a:bodyPr>
           <a:lstStyle/>
           <a:p>
             <a:pPr algn="ctr"/>
-            <a:endParaRPr lang="pt-BR"/>
-          </a:p>
-        </p:txBody>
-      </p:sp>
-      <p:sp>
-        <p:nvSpPr>
-          <p:cNvPr id="25" name="Retângulo 24">
-            <a:extLst>
-              <a:ext uri="{FF2B5EF4-FFF2-40B4-BE49-F238E27FC236}">
-                <a16:creationId xmlns:a16="http://schemas.microsoft.com/office/drawing/2014/main" id="{3990F742-DAAE-FDA5-D292-0E294816D2DB}"/>
-              </a:ext>
-            </a:extLst>
-          </p:cNvPr>
-          <p:cNvSpPr/>
+            <a:r>
+              <a:rPr lang="pt-BR" sz="3200" dirty="0"/>
+              <a:t>Escolha de máximos e mínimos locais (ordem 10)</a:t>
+            </a:r>
+          </a:p>
+        </p:txBody>
+      </p:sp>
+    </p:spTree>
+    <p:extLst>
+      <p:ext uri="{BB962C8B-B14F-4D97-AF65-F5344CB8AC3E}">
+        <p14:creationId xmlns:p14="http://schemas.microsoft.com/office/powerpoint/2010/main" val="4031126513"/>
+      </p:ext>
+    </p:extLst>
+  </p:cSld>
+  <p:clrMapOvr>
+    <a:masterClrMapping/>
+  </p:clrMapOvr>
+</p:sld>
+</file>
+
+<file path=ppt/slides/slide30.xml><?xml version="1.0" encoding="utf-8"?>
+<p:sld xmlns:a="http://schemas.openxmlformats.org/drawingml/2006/main" xmlns:r="http://schemas.openxmlformats.org/officeDocument/2006/relationships" xmlns:p="http://schemas.openxmlformats.org/presentationml/2006/main">
+  <p:cSld>
+    <p:spTree>
+      <p:nvGrpSpPr>
+        <p:cNvPr id="1" name=""/>
+        <p:cNvGrpSpPr/>
+        <p:nvPr/>
+      </p:nvGrpSpPr>
+      <p:grpSpPr>
+        <a:xfrm>
+          <a:off x="0" y="0"/>
+          <a:ext cx="0" cy="0"/>
+          <a:chOff x="0" y="0"/>
+          <a:chExt cx="0" cy="0"/>
+        </a:xfrm>
+      </p:grpSpPr>
+      <p:sp>
+        <p:nvSpPr>
+          <p:cNvPr id="3" name="CaixaDeTexto 2">
+            <a:extLst>
+              <a:ext uri="{FF2B5EF4-FFF2-40B4-BE49-F238E27FC236}">
+                <a16:creationId xmlns:a16="http://schemas.microsoft.com/office/drawing/2014/main" id="{7EBAD6C7-E7A0-DD84-F3A5-D03C91E593F6}"/>
+              </a:ext>
+            </a:extLst>
+          </p:cNvPr>
+          <p:cNvSpPr txBox="1"/>
           <p:nvPr/>
         </p:nvSpPr>
         <p:spPr>
           <a:xfrm>
-            <a:off x="1892416" y="3611644"/>
-            <a:ext cx="461963" cy="2177592"/>
+            <a:off x="1055688" y="192791"/>
+            <a:ext cx="10080625" cy="584775"/>
           </a:xfrm>
           <a:prstGeom prst="rect">
             <a:avLst/>
@@ -4315,41 +7470,30 @@
           <a:noFill/>
           <a:ln>
             <a:solidFill>
-              <a:srgbClr val="FFFF00"/>
+              <a:schemeClr val="tx1"/>
             </a:solidFill>
           </a:ln>
         </p:spPr>
-        <p:style>
-          <a:lnRef idx="2">
-            <a:schemeClr val="accent1">
-              <a:shade val="15000"/>
-            </a:schemeClr>
-          </a:lnRef>
-          <a:fillRef idx="1">
-            <a:schemeClr val="accent1"/>
-          </a:fillRef>
-          <a:effectRef idx="0">
-            <a:schemeClr val="accent1"/>
-          </a:effectRef>
-          <a:fontRef idx="minor">
-            <a:schemeClr val="lt1"/>
-          </a:fontRef>
-        </p:style>
-        <p:txBody>
-          <a:bodyPr rtlCol="0" anchor="ctr"/>
+        <p:txBody>
+          <a:bodyPr wrap="square" rtlCol="0">
+            <a:spAutoFit/>
+          </a:bodyPr>
           <a:lstStyle/>
           <a:p>
             <a:pPr algn="ctr"/>
-            <a:endParaRPr lang="pt-BR"/>
-          </a:p>
-        </p:txBody>
-      </p:sp>
-      <p:sp>
-        <p:nvSpPr>
-          <p:cNvPr id="35" name="CaixaDeTexto 34">
-            <a:extLst>
-              <a:ext uri="{FF2B5EF4-FFF2-40B4-BE49-F238E27FC236}">
-                <a16:creationId xmlns:a16="http://schemas.microsoft.com/office/drawing/2014/main" id="{03F80D3E-318B-5B9C-940B-1C34716A088C}"/>
+            <a:r>
+              <a:rPr lang="pt-BR" sz="3200" dirty="0"/>
+              <a:t>Variáveis Importantes</a:t>
+            </a:r>
+          </a:p>
+        </p:txBody>
+      </p:sp>
+      <p:sp>
+        <p:nvSpPr>
+          <p:cNvPr id="2" name="CaixaDeTexto 1">
+            <a:extLst>
+              <a:ext uri="{FF2B5EF4-FFF2-40B4-BE49-F238E27FC236}">
+                <a16:creationId xmlns:a16="http://schemas.microsoft.com/office/drawing/2014/main" id="{DD8C5AA7-91DD-807C-5FA9-5A8DE08F3F0C}"/>
               </a:ext>
             </a:extLst>
           </p:cNvPr>
@@ -4358,15 +7502,13 @@
         </p:nvSpPr>
         <p:spPr>
           <a:xfrm>
-            <a:off x="2569131" y="3549977"/>
-            <a:ext cx="1084083" cy="261610"/>
+            <a:off x="1055688" y="970384"/>
+            <a:ext cx="10150377" cy="3693319"/>
           </a:xfrm>
           <a:prstGeom prst="rect">
             <a:avLst/>
           </a:prstGeom>
-          <a:solidFill>
-            <a:srgbClr val="FFFF00"/>
-          </a:solidFill>
+          <a:noFill/>
         </p:spPr>
         <p:txBody>
           <a:bodyPr wrap="square" rtlCol="0">
@@ -4374,24 +7516,214 @@
           </a:bodyPr>
           <a:lstStyle/>
           <a:p>
-            <a:pPr algn="ctr"/>
-            <a:r>
-              <a:rPr lang="pt-BR" sz="1100" b="1" dirty="0" err="1"/>
-              <a:t>lookback</a:t>
-            </a:r>
-            <a:r>
-              <a:rPr lang="pt-BR" sz="1100" b="1" dirty="0"/>
-              <a:t> = 70</a:t>
-            </a:r>
-          </a:p>
-        </p:txBody>
-      </p:sp>
-      <p:sp>
-        <p:nvSpPr>
-          <p:cNvPr id="36" name="CaixaDeTexto 35">
-            <a:extLst>
-              <a:ext uri="{FF2B5EF4-FFF2-40B4-BE49-F238E27FC236}">
-                <a16:creationId xmlns:a16="http://schemas.microsoft.com/office/drawing/2014/main" id="{D3858D05-7458-827C-0AE1-8C3BADF66142}"/>
+            <a:pPr marL="285750" indent="-285750">
+              <a:buFont typeface="Wingdings" panose="05000000000000000000" pitchFamily="2" charset="2"/>
+              <a:buChar char="Ø"/>
+            </a:pPr>
+            <a:r>
+              <a:rPr lang="pt-BR" dirty="0"/>
+              <a:t># </a:t>
+            </a:r>
+            <a:r>
+              <a:rPr lang="pt-BR" dirty="0" err="1"/>
+              <a:t>break_min</a:t>
+            </a:r>
+            <a:r>
+              <a:rPr lang="pt-BR" dirty="0"/>
+              <a:t>: determina a distância mínima na vertical a ser superada para cima ou para baixo para termos um rompimento de uma reta (4, lembrando que RSI vai de 0 a 100)</a:t>
+            </a:r>
+          </a:p>
+          <a:p>
+            <a:pPr marL="285750" indent="-285750">
+              <a:buFont typeface="Wingdings" panose="05000000000000000000" pitchFamily="2" charset="2"/>
+              <a:buChar char="Ø"/>
+            </a:pPr>
+            <a:r>
+              <a:rPr lang="pt-BR" dirty="0"/>
+              <a:t># </a:t>
+            </a:r>
+            <a:r>
+              <a:rPr lang="pt-BR" dirty="0" err="1"/>
+              <a:t>pontos_para_tras</a:t>
+            </a:r>
+            <a:r>
+              <a:rPr lang="pt-BR" dirty="0"/>
+              <a:t>: determina quantos pontos para trás eu checo o rompimento para ver se houve um rompimento (6 </a:t>
+            </a:r>
+            <a:r>
+              <a:rPr lang="pt-BR" dirty="0" err="1"/>
+              <a:t>tics</a:t>
+            </a:r>
+            <a:r>
+              <a:rPr lang="pt-BR" dirty="0"/>
+              <a:t>)</a:t>
+            </a:r>
+          </a:p>
+          <a:p>
+            <a:pPr marL="285750" indent="-285750">
+              <a:buFont typeface="Wingdings" panose="05000000000000000000" pitchFamily="2" charset="2"/>
+              <a:buChar char="Ø"/>
+            </a:pPr>
+            <a:r>
+              <a:rPr lang="pt-BR" dirty="0" err="1"/>
+              <a:t>sl</a:t>
+            </a:r>
+            <a:r>
+              <a:rPr lang="pt-BR" dirty="0"/>
+              <a:t> = stop </a:t>
+            </a:r>
+            <a:r>
+              <a:rPr lang="pt-BR" dirty="0" err="1"/>
+              <a:t>loss</a:t>
+            </a:r>
+            <a:r>
+              <a:rPr lang="pt-BR" dirty="0"/>
+              <a:t> percentual máximo e </a:t>
+            </a:r>
+            <a:r>
+              <a:rPr lang="pt-BR" dirty="0" err="1"/>
+              <a:t>pt</a:t>
+            </a:r>
+            <a:r>
+              <a:rPr lang="pt-BR" dirty="0"/>
+              <a:t> = </a:t>
+            </a:r>
+            <a:r>
+              <a:rPr lang="pt-BR" dirty="0" err="1"/>
+              <a:t>profit</a:t>
+            </a:r>
+            <a:r>
+              <a:rPr lang="pt-BR" dirty="0"/>
+              <a:t> </a:t>
+            </a:r>
+            <a:r>
+              <a:rPr lang="pt-BR" dirty="0" err="1"/>
+              <a:t>taking</a:t>
+            </a:r>
+            <a:r>
+              <a:rPr lang="pt-BR" dirty="0"/>
+              <a:t> percentual máximo (</a:t>
+            </a:r>
+            <a:r>
+              <a:rPr lang="pt-BR" dirty="0" err="1"/>
+              <a:t>sl</a:t>
+            </a:r>
+            <a:r>
+              <a:rPr lang="pt-BR" dirty="0"/>
+              <a:t> = -%2 e </a:t>
+            </a:r>
+            <a:r>
+              <a:rPr lang="pt-BR" dirty="0" err="1"/>
+              <a:t>pt</a:t>
+            </a:r>
+            <a:r>
+              <a:rPr lang="pt-BR" dirty="0"/>
+              <a:t> = 6%</a:t>
+            </a:r>
+          </a:p>
+          <a:p>
+            <a:pPr marL="285750" indent="-285750">
+              <a:buFont typeface="Wingdings" panose="05000000000000000000" pitchFamily="2" charset="2"/>
+              <a:buChar char="Ø"/>
+            </a:pPr>
+            <a:r>
+              <a:rPr lang="pt-BR" dirty="0"/>
+              <a:t># datas do intervalo sendo avaliado (</a:t>
+            </a:r>
+            <a:r>
+              <a:rPr lang="pt-BR" dirty="0" err="1"/>
+              <a:t>start_date</a:t>
+            </a:r>
+            <a:r>
+              <a:rPr lang="pt-BR" dirty="0"/>
+              <a:t> = "2018-01-01“ e </a:t>
+            </a:r>
+            <a:r>
+              <a:rPr lang="pt-BR" dirty="0" err="1"/>
+              <a:t>end_date</a:t>
+            </a:r>
+            <a:r>
+              <a:rPr lang="pt-BR" dirty="0"/>
+              <a:t> = "2023-12-31“)</a:t>
+            </a:r>
+          </a:p>
+          <a:p>
+            <a:pPr marL="285750" indent="-285750">
+              <a:buFont typeface="Wingdings" panose="05000000000000000000" pitchFamily="2" charset="2"/>
+              <a:buChar char="Ø"/>
+            </a:pPr>
+            <a:endParaRPr lang="pt-BR" dirty="0"/>
+          </a:p>
+          <a:p>
+            <a:pPr marL="285750" indent="-285750">
+              <a:buFont typeface="Wingdings" panose="05000000000000000000" pitchFamily="2" charset="2"/>
+              <a:buChar char="Ø"/>
+            </a:pPr>
+            <a:endParaRPr lang="pt-BR" dirty="0"/>
+          </a:p>
+          <a:p>
+            <a:pPr marL="285750" indent="-285750">
+              <a:buFont typeface="Wingdings" panose="05000000000000000000" pitchFamily="2" charset="2"/>
+              <a:buChar char="Ø"/>
+            </a:pPr>
+            <a:endParaRPr lang="pt-BR" dirty="0"/>
+          </a:p>
+          <a:p>
+            <a:pPr marL="285750" indent="-285750">
+              <a:buFont typeface="Wingdings" panose="05000000000000000000" pitchFamily="2" charset="2"/>
+              <a:buChar char="Ø"/>
+            </a:pPr>
+            <a:endParaRPr lang="pt-BR" dirty="0"/>
+          </a:p>
+          <a:p>
+            <a:pPr marL="285750" indent="-285750">
+              <a:buFont typeface="Wingdings" panose="05000000000000000000" pitchFamily="2" charset="2"/>
+              <a:buChar char="Ø"/>
+            </a:pPr>
+            <a:endParaRPr lang="pt-BR" dirty="0"/>
+          </a:p>
+          <a:p>
+            <a:pPr marL="285750" indent="-285750">
+              <a:buFont typeface="Wingdings" panose="05000000000000000000" pitchFamily="2" charset="2"/>
+              <a:buChar char="Ø"/>
+            </a:pPr>
+            <a:r>
+              <a:rPr lang="pt-BR" dirty="0"/>
+              <a:t>Fiz uma versão em </a:t>
+            </a:r>
+            <a:r>
+              <a:rPr lang="pt-BR" dirty="0" err="1"/>
+              <a:t>jupiter</a:t>
+            </a:r>
+            <a:r>
+              <a:rPr lang="pt-BR" dirty="0"/>
+              <a:t> para rodar um cenário individualizado e outra versão em </a:t>
+            </a:r>
+            <a:r>
+              <a:rPr lang="pt-BR" dirty="0" err="1"/>
+              <a:t>python</a:t>
+            </a:r>
+            <a:r>
+              <a:rPr lang="pt-BR" dirty="0"/>
+              <a:t>, otimizada, para rodar múltiplos cenários (</a:t>
+            </a:r>
+            <a:r>
+              <a:rPr lang="pt-BR" dirty="0" err="1"/>
+              <a:t>víde</a:t>
+            </a:r>
+            <a:r>
+              <a:rPr lang="pt-BR" dirty="0"/>
+              <a:t> planilha e código)</a:t>
+            </a:r>
+          </a:p>
+        </p:txBody>
+      </p:sp>
+      <p:sp>
+        <p:nvSpPr>
+          <p:cNvPr id="5" name="CaixaDeTexto 4">
+            <a:extLst>
+              <a:ext uri="{FF2B5EF4-FFF2-40B4-BE49-F238E27FC236}">
+                <a16:creationId xmlns:a16="http://schemas.microsoft.com/office/drawing/2014/main" id="{B96A6617-A09A-F7C6-C851-89955A740CF7}"/>
               </a:ext>
             </a:extLst>
           </p:cNvPr>
@@ -4400,50 +7732,8 @@
         </p:nvSpPr>
         <p:spPr>
           <a:xfrm>
-            <a:off x="2590800" y="931388"/>
-            <a:ext cx="1084083" cy="261610"/>
-          </a:xfrm>
-          <a:prstGeom prst="rect">
-            <a:avLst/>
-          </a:prstGeom>
-          <a:solidFill>
-            <a:srgbClr val="FFFF00"/>
-          </a:solidFill>
-        </p:spPr>
-        <p:txBody>
-          <a:bodyPr wrap="square" rtlCol="0">
-            <a:spAutoFit/>
-          </a:bodyPr>
-          <a:lstStyle/>
-          <a:p>
-            <a:pPr algn="ctr"/>
-            <a:r>
-              <a:rPr lang="pt-BR" sz="1100" b="1" dirty="0" err="1"/>
-              <a:t>lookback</a:t>
-            </a:r>
-            <a:r>
-              <a:rPr lang="pt-BR" sz="1100" b="1" dirty="0"/>
-              <a:t> = 200</a:t>
-            </a:r>
-          </a:p>
-        </p:txBody>
-      </p:sp>
-      <p:sp>
-        <p:nvSpPr>
-          <p:cNvPr id="18" name="Retângulo 17">
-            <a:extLst>
-              <a:ext uri="{FF2B5EF4-FFF2-40B4-BE49-F238E27FC236}">
-                <a16:creationId xmlns:a16="http://schemas.microsoft.com/office/drawing/2014/main" id="{D5D26D61-B609-F730-0892-A9FF5E878E80}"/>
-              </a:ext>
-            </a:extLst>
-          </p:cNvPr>
-          <p:cNvSpPr/>
-          <p:nvPr/>
-        </p:nvSpPr>
-        <p:spPr>
-          <a:xfrm>
-            <a:off x="3667125" y="1447800"/>
-            <a:ext cx="1638299" cy="1066800"/>
+            <a:off x="1058796" y="3135041"/>
+            <a:ext cx="10080625" cy="584775"/>
           </a:xfrm>
           <a:prstGeom prst="rect">
             <a:avLst/>
@@ -4451,56 +7741,9 @@
           <a:noFill/>
           <a:ln>
             <a:solidFill>
-              <a:srgbClr val="FFFF00"/>
+              <a:schemeClr val="tx1"/>
             </a:solidFill>
           </a:ln>
-        </p:spPr>
-        <p:style>
-          <a:lnRef idx="2">
-            <a:schemeClr val="accent1">
-              <a:shade val="15000"/>
-            </a:schemeClr>
-          </a:lnRef>
-          <a:fillRef idx="1">
-            <a:schemeClr val="accent1"/>
-          </a:fillRef>
-          <a:effectRef idx="0">
-            <a:schemeClr val="accent1"/>
-          </a:effectRef>
-          <a:fontRef idx="minor">
-            <a:schemeClr val="lt1"/>
-          </a:fontRef>
-        </p:style>
-        <p:txBody>
-          <a:bodyPr rtlCol="0" anchor="ctr"/>
-          <a:lstStyle/>
-          <a:p>
-            <a:pPr algn="ctr"/>
-            <a:endParaRPr lang="pt-BR"/>
-          </a:p>
-        </p:txBody>
-      </p:sp>
-      <p:sp>
-        <p:nvSpPr>
-          <p:cNvPr id="3" name="CaixaDeTexto 2">
-            <a:extLst>
-              <a:ext uri="{FF2B5EF4-FFF2-40B4-BE49-F238E27FC236}">
-                <a16:creationId xmlns:a16="http://schemas.microsoft.com/office/drawing/2014/main" id="{6895A46D-8EC1-E2D1-34FF-B6BE5BFEDFEE}"/>
-              </a:ext>
-            </a:extLst>
-          </p:cNvPr>
-          <p:cNvSpPr txBox="1"/>
-          <p:nvPr/>
-        </p:nvSpPr>
-        <p:spPr>
-          <a:xfrm>
-            <a:off x="333647" y="117566"/>
-            <a:ext cx="5695678" cy="369332"/>
-          </a:xfrm>
-          <a:prstGeom prst="rect">
-            <a:avLst/>
-          </a:prstGeom>
-          <a:noFill/>
         </p:spPr>
         <p:txBody>
           <a:bodyPr wrap="square" rtlCol="0">
@@ -4508,9 +7751,10 @@
           </a:bodyPr>
           <a:lstStyle/>
           <a:p>
-            <a:r>
-              <a:rPr lang="pt-BR" dirty="0"/>
-              <a:t>O que acontece quando mudamos o tamanho da janela?</a:t>
+            <a:pPr algn="ctr"/>
+            <a:r>
+              <a:rPr lang="pt-BR" sz="3200" dirty="0"/>
+              <a:t>Calibração</a:t>
             </a:r>
           </a:p>
         </p:txBody>
@@ -4518,7 +7762,7 @@
     </p:spTree>
     <p:extLst>
       <p:ext uri="{BB962C8B-B14F-4D97-AF65-F5344CB8AC3E}">
-        <p14:creationId xmlns:p14="http://schemas.microsoft.com/office/powerpoint/2010/main" val="3446276469"/>
+        <p14:creationId xmlns:p14="http://schemas.microsoft.com/office/powerpoint/2010/main" val="1614740608"/>
       </p:ext>
     </p:extLst>
   </p:cSld>
@@ -4545,80 +7789,22 @@
           <a:chExt cx="0" cy="0"/>
         </a:xfrm>
       </p:grpSpPr>
-      <p:pic>
-        <p:nvPicPr>
-          <p:cNvPr id="17" name="Imagem 16">
-            <a:extLst>
-              <a:ext uri="{FF2B5EF4-FFF2-40B4-BE49-F238E27FC236}">
-                <a16:creationId xmlns:a16="http://schemas.microsoft.com/office/drawing/2014/main" id="{3543ED60-BEC8-B230-6950-ABC2C988BBD5}"/>
-              </a:ext>
-            </a:extLst>
-          </p:cNvPr>
-          <p:cNvPicPr>
-            <a:picLocks noChangeAspect="1"/>
-          </p:cNvPicPr>
+      <p:sp>
+        <p:nvSpPr>
+          <p:cNvPr id="3" name="CaixaDeTexto 2">
+            <a:extLst>
+              <a:ext uri="{FF2B5EF4-FFF2-40B4-BE49-F238E27FC236}">
+                <a16:creationId xmlns:a16="http://schemas.microsoft.com/office/drawing/2014/main" id="{7EBAD6C7-E7A0-DD84-F3A5-D03C91E593F6}"/>
+              </a:ext>
+            </a:extLst>
+          </p:cNvPr>
+          <p:cNvSpPr txBox="1"/>
           <p:nvPr/>
-        </p:nvPicPr>
-        <p:blipFill rotWithShape="1">
-          <a:blip r:embed="rId2"/>
-          <a:srcRect/>
-          <a:stretch/>
-        </p:blipFill>
-        <p:spPr>
-          <a:xfrm>
-            <a:off x="12700" y="562093"/>
-            <a:ext cx="12192000" cy="3504964"/>
-          </a:xfrm>
-          <a:prstGeom prst="rect">
-            <a:avLst/>
-          </a:prstGeom>
-        </p:spPr>
-      </p:pic>
-      <p:pic>
-        <p:nvPicPr>
-          <p:cNvPr id="20" name="Imagem 19">
-            <a:extLst>
-              <a:ext uri="{FF2B5EF4-FFF2-40B4-BE49-F238E27FC236}">
-                <a16:creationId xmlns:a16="http://schemas.microsoft.com/office/drawing/2014/main" id="{B50E23DB-5E57-97CD-2D86-FAE306B50862}"/>
-              </a:ext>
-            </a:extLst>
-          </p:cNvPr>
-          <p:cNvPicPr>
-            <a:picLocks noChangeAspect="1"/>
-          </p:cNvPicPr>
-          <p:nvPr/>
-        </p:nvPicPr>
-        <p:blipFill rotWithShape="1">
-          <a:blip r:embed="rId3"/>
-          <a:srcRect r="313"/>
-          <a:stretch/>
-        </p:blipFill>
-        <p:spPr>
-          <a:xfrm>
-            <a:off x="0" y="3299858"/>
-            <a:ext cx="12201525" cy="3515833"/>
-          </a:xfrm>
-          <a:prstGeom prst="rect">
-            <a:avLst/>
-          </a:prstGeom>
-        </p:spPr>
-      </p:pic>
-      <p:sp>
-        <p:nvSpPr>
-          <p:cNvPr id="12" name="Retângulo 11">
-            <a:extLst>
-              <a:ext uri="{FF2B5EF4-FFF2-40B4-BE49-F238E27FC236}">
-                <a16:creationId xmlns:a16="http://schemas.microsoft.com/office/drawing/2014/main" id="{0C8877A1-111A-76D0-D092-4D250D04D223}"/>
-              </a:ext>
-            </a:extLst>
-          </p:cNvPr>
-          <p:cNvSpPr/>
-          <p:nvPr/>
-        </p:nvSpPr>
-        <p:spPr>
-          <a:xfrm>
-            <a:off x="1866900" y="1504950"/>
-            <a:ext cx="1638299" cy="1066800"/>
+        </p:nvSpPr>
+        <p:spPr>
+          <a:xfrm>
+            <a:off x="1055688" y="192791"/>
+            <a:ext cx="10080625" cy="584775"/>
           </a:xfrm>
           <a:prstGeom prst="rect">
             <a:avLst/>
@@ -4626,58 +7812,9 @@
           <a:noFill/>
           <a:ln>
             <a:solidFill>
-              <a:srgbClr val="FFFF00"/>
+              <a:schemeClr val="tx1"/>
             </a:solidFill>
           </a:ln>
-        </p:spPr>
-        <p:style>
-          <a:lnRef idx="2">
-            <a:schemeClr val="accent1">
-              <a:shade val="15000"/>
-            </a:schemeClr>
-          </a:lnRef>
-          <a:fillRef idx="1">
-            <a:schemeClr val="accent1"/>
-          </a:fillRef>
-          <a:effectRef idx="0">
-            <a:schemeClr val="accent1"/>
-          </a:effectRef>
-          <a:fontRef idx="minor">
-            <a:schemeClr val="lt1"/>
-          </a:fontRef>
-        </p:style>
-        <p:txBody>
-          <a:bodyPr rtlCol="0" anchor="ctr"/>
-          <a:lstStyle/>
-          <a:p>
-            <a:pPr algn="ctr"/>
-            <a:endParaRPr lang="pt-BR"/>
-          </a:p>
-        </p:txBody>
-      </p:sp>
-      <p:sp>
-        <p:nvSpPr>
-          <p:cNvPr id="35" name="CaixaDeTexto 34">
-            <a:extLst>
-              <a:ext uri="{FF2B5EF4-FFF2-40B4-BE49-F238E27FC236}">
-                <a16:creationId xmlns:a16="http://schemas.microsoft.com/office/drawing/2014/main" id="{03F80D3E-318B-5B9C-940B-1C34716A088C}"/>
-              </a:ext>
-            </a:extLst>
-          </p:cNvPr>
-          <p:cNvSpPr txBox="1"/>
-          <p:nvPr/>
-        </p:nvSpPr>
-        <p:spPr>
-          <a:xfrm>
-            <a:off x="2569131" y="3549977"/>
-            <a:ext cx="1084083" cy="261610"/>
-          </a:xfrm>
-          <a:prstGeom prst="rect">
-            <a:avLst/>
-          </a:prstGeom>
-          <a:solidFill>
-            <a:srgbClr val="FFFF00"/>
-          </a:solidFill>
         </p:spPr>
         <p:txBody>
           <a:bodyPr wrap="square" rtlCol="0">
@@ -4687,22 +7824,18 @@
           <a:p>
             <a:pPr algn="ctr"/>
             <a:r>
-              <a:rPr lang="pt-BR" sz="1100" b="1" dirty="0" err="1"/>
-              <a:t>lookback</a:t>
-            </a:r>
-            <a:r>
-              <a:rPr lang="pt-BR" sz="1100" b="1" dirty="0"/>
-              <a:t> = 300</a:t>
-            </a:r>
-          </a:p>
-        </p:txBody>
-      </p:sp>
-      <p:sp>
-        <p:nvSpPr>
-          <p:cNvPr id="36" name="CaixaDeTexto 35">
-            <a:extLst>
-              <a:ext uri="{FF2B5EF4-FFF2-40B4-BE49-F238E27FC236}">
-                <a16:creationId xmlns:a16="http://schemas.microsoft.com/office/drawing/2014/main" id="{D3858D05-7458-827C-0AE1-8C3BADF66142}"/>
+              <a:rPr lang="pt-BR" sz="3200" dirty="0"/>
+              <a:t>Lógica das retas</a:t>
+            </a:r>
+          </a:p>
+        </p:txBody>
+      </p:sp>
+      <p:sp>
+        <p:nvSpPr>
+          <p:cNvPr id="2" name="CaixaDeTexto 1">
+            <a:extLst>
+              <a:ext uri="{FF2B5EF4-FFF2-40B4-BE49-F238E27FC236}">
+                <a16:creationId xmlns:a16="http://schemas.microsoft.com/office/drawing/2014/main" id="{DD8C5AA7-91DD-807C-5FA9-5A8DE08F3F0C}"/>
               </a:ext>
             </a:extLst>
           </p:cNvPr>
@@ -4711,211 +7844,13 @@
         </p:nvSpPr>
         <p:spPr>
           <a:xfrm>
-            <a:off x="2590800" y="931388"/>
-            <a:ext cx="1084083" cy="261610"/>
-          </a:xfrm>
-          <a:prstGeom prst="rect">
-            <a:avLst/>
-          </a:prstGeom>
-          <a:solidFill>
-            <a:srgbClr val="FFFF00"/>
-          </a:solidFill>
-        </p:spPr>
-        <p:txBody>
-          <a:bodyPr wrap="square" rtlCol="0">
-            <a:spAutoFit/>
-          </a:bodyPr>
-          <a:lstStyle/>
-          <a:p>
-            <a:pPr algn="ctr"/>
-            <a:r>
-              <a:rPr lang="pt-BR" sz="1100" b="1" dirty="0" err="1"/>
-              <a:t>lookback</a:t>
-            </a:r>
-            <a:r>
-              <a:rPr lang="pt-BR" sz="1100" b="1" dirty="0"/>
-              <a:t> = 200</a:t>
-            </a:r>
-          </a:p>
-        </p:txBody>
-      </p:sp>
-      <p:sp>
-        <p:nvSpPr>
-          <p:cNvPr id="18" name="Retângulo 17">
-            <a:extLst>
-              <a:ext uri="{FF2B5EF4-FFF2-40B4-BE49-F238E27FC236}">
-                <a16:creationId xmlns:a16="http://schemas.microsoft.com/office/drawing/2014/main" id="{D5D26D61-B609-F730-0892-A9FF5E878E80}"/>
-              </a:ext>
-            </a:extLst>
-          </p:cNvPr>
-          <p:cNvSpPr/>
-          <p:nvPr/>
-        </p:nvSpPr>
-        <p:spPr>
-          <a:xfrm>
-            <a:off x="3667125" y="1447800"/>
-            <a:ext cx="1638299" cy="1066800"/>
+            <a:off x="1055688" y="970384"/>
+            <a:ext cx="10150377" cy="1200329"/>
           </a:xfrm>
           <a:prstGeom prst="rect">
             <a:avLst/>
           </a:prstGeom>
           <a:noFill/>
-          <a:ln>
-            <a:solidFill>
-              <a:srgbClr val="FFFF00"/>
-            </a:solidFill>
-          </a:ln>
-        </p:spPr>
-        <p:style>
-          <a:lnRef idx="2">
-            <a:schemeClr val="accent1">
-              <a:shade val="15000"/>
-            </a:schemeClr>
-          </a:lnRef>
-          <a:fillRef idx="1">
-            <a:schemeClr val="accent1"/>
-          </a:fillRef>
-          <a:effectRef idx="0">
-            <a:schemeClr val="accent1"/>
-          </a:effectRef>
-          <a:fontRef idx="minor">
-            <a:schemeClr val="lt1"/>
-          </a:fontRef>
-        </p:style>
-        <p:txBody>
-          <a:bodyPr rtlCol="0" anchor="ctr"/>
-          <a:lstStyle/>
-          <a:p>
-            <a:pPr algn="ctr"/>
-            <a:endParaRPr lang="pt-BR"/>
-          </a:p>
-        </p:txBody>
-      </p:sp>
-      <p:sp>
-        <p:nvSpPr>
-          <p:cNvPr id="23" name="Retângulo 22">
-            <a:extLst>
-              <a:ext uri="{FF2B5EF4-FFF2-40B4-BE49-F238E27FC236}">
-                <a16:creationId xmlns:a16="http://schemas.microsoft.com/office/drawing/2014/main" id="{76F680F2-1EFF-3214-98D3-4D8EB5ACB454}"/>
-              </a:ext>
-            </a:extLst>
-          </p:cNvPr>
-          <p:cNvSpPr/>
-          <p:nvPr/>
-        </p:nvSpPr>
-        <p:spPr>
-          <a:xfrm>
-            <a:off x="1841557" y="3583069"/>
-            <a:ext cx="2339917" cy="2177592"/>
-          </a:xfrm>
-          <a:prstGeom prst="rect">
-            <a:avLst/>
-          </a:prstGeom>
-          <a:noFill/>
-          <a:ln>
-            <a:solidFill>
-              <a:srgbClr val="FFFF00"/>
-            </a:solidFill>
-          </a:ln>
-        </p:spPr>
-        <p:style>
-          <a:lnRef idx="2">
-            <a:schemeClr val="accent1">
-              <a:shade val="15000"/>
-            </a:schemeClr>
-          </a:lnRef>
-          <a:fillRef idx="1">
-            <a:schemeClr val="accent1"/>
-          </a:fillRef>
-          <a:effectRef idx="0">
-            <a:schemeClr val="accent1"/>
-          </a:effectRef>
-          <a:fontRef idx="minor">
-            <a:schemeClr val="lt1"/>
-          </a:fontRef>
-        </p:style>
-        <p:txBody>
-          <a:bodyPr rtlCol="0" anchor="ctr"/>
-          <a:lstStyle/>
-          <a:p>
-            <a:pPr algn="ctr"/>
-            <a:endParaRPr lang="pt-BR"/>
-          </a:p>
-        </p:txBody>
-      </p:sp>
-      <p:sp>
-        <p:nvSpPr>
-          <p:cNvPr id="24" name="Retângulo 23">
-            <a:extLst>
-              <a:ext uri="{FF2B5EF4-FFF2-40B4-BE49-F238E27FC236}">
-                <a16:creationId xmlns:a16="http://schemas.microsoft.com/office/drawing/2014/main" id="{BA0E56E3-8B9C-A71C-A7A4-8EA6A34E8547}"/>
-              </a:ext>
-            </a:extLst>
-          </p:cNvPr>
-          <p:cNvSpPr/>
-          <p:nvPr/>
-        </p:nvSpPr>
-        <p:spPr>
-          <a:xfrm>
-            <a:off x="6299257" y="3754519"/>
-            <a:ext cx="2339917" cy="2177592"/>
-          </a:xfrm>
-          <a:prstGeom prst="rect">
-            <a:avLst/>
-          </a:prstGeom>
-          <a:noFill/>
-          <a:ln>
-            <a:solidFill>
-              <a:srgbClr val="FFFF00"/>
-            </a:solidFill>
-          </a:ln>
-        </p:spPr>
-        <p:style>
-          <a:lnRef idx="2">
-            <a:schemeClr val="accent1">
-              <a:shade val="15000"/>
-            </a:schemeClr>
-          </a:lnRef>
-          <a:fillRef idx="1">
-            <a:schemeClr val="accent1"/>
-          </a:fillRef>
-          <a:effectRef idx="0">
-            <a:schemeClr val="accent1"/>
-          </a:effectRef>
-          <a:fontRef idx="minor">
-            <a:schemeClr val="lt1"/>
-          </a:fontRef>
-        </p:style>
-        <p:txBody>
-          <a:bodyPr rtlCol="0" anchor="ctr"/>
-          <a:lstStyle/>
-          <a:p>
-            <a:pPr algn="ctr"/>
-            <a:endParaRPr lang="pt-BR"/>
-          </a:p>
-        </p:txBody>
-      </p:sp>
-      <p:sp>
-        <p:nvSpPr>
-          <p:cNvPr id="27" name="CaixaDeTexto 26">
-            <a:extLst>
-              <a:ext uri="{FF2B5EF4-FFF2-40B4-BE49-F238E27FC236}">
-                <a16:creationId xmlns:a16="http://schemas.microsoft.com/office/drawing/2014/main" id="{82901BAD-1701-1E7C-5D59-F8EE39DFF6CE}"/>
-              </a:ext>
-            </a:extLst>
-          </p:cNvPr>
-          <p:cNvSpPr txBox="1"/>
-          <p:nvPr/>
-        </p:nvSpPr>
-        <p:spPr>
-          <a:xfrm>
-            <a:off x="333647" y="117566"/>
-            <a:ext cx="5695678" cy="369332"/>
-          </a:xfrm>
-          <a:prstGeom prst="rect">
-            <a:avLst/>
-          </a:prstGeom>
-          <a:noFill/>
         </p:spPr>
         <p:txBody>
           <a:bodyPr wrap="square" rtlCol="0">
@@ -4923,9 +7858,85 @@
           </a:bodyPr>
           <a:lstStyle/>
           <a:p>
-            <a:r>
-              <a:rPr lang="pt-BR" dirty="0"/>
-              <a:t>O que acontece quando mudamos o tamanho da janela?</a:t>
+            <a:pPr marL="342900" indent="-342900">
+              <a:buFont typeface="+mj-lt"/>
+              <a:buAutoNum type="arabicPeriod"/>
+            </a:pPr>
+            <a:r>
+              <a:rPr lang="pt-BR" sz="2400" dirty="0">
+                <a:solidFill>
+                  <a:schemeClr val="bg1">
+                    <a:lumMod val="75000"/>
+                  </a:schemeClr>
+                </a:solidFill>
+              </a:rPr>
+              <a:t>Encontramos os pontos de máximo e mínimo locais do RSI.</a:t>
+            </a:r>
+          </a:p>
+          <a:p>
+            <a:pPr marL="342900" indent="-342900">
+              <a:buFont typeface="+mj-lt"/>
+              <a:buAutoNum type="arabicPeriod"/>
+            </a:pPr>
+            <a:r>
+              <a:rPr lang="pt-BR" sz="2400" dirty="0">
+                <a:solidFill>
+                  <a:schemeClr val="bg1">
+                    <a:lumMod val="75000"/>
+                  </a:schemeClr>
+                </a:solidFill>
+              </a:rPr>
+              <a:t>Escolhe-se uma janela (</a:t>
+            </a:r>
+            <a:r>
+              <a:rPr lang="pt-BR" sz="2400" dirty="0" err="1">
+                <a:solidFill>
+                  <a:schemeClr val="bg1">
+                    <a:lumMod val="75000"/>
+                  </a:schemeClr>
+                </a:solidFill>
+              </a:rPr>
+              <a:t>inicio_janela</a:t>
+            </a:r>
+            <a:r>
+              <a:rPr lang="pt-BR" sz="2400" dirty="0">
+                <a:solidFill>
+                  <a:schemeClr val="bg1">
+                    <a:lumMod val="75000"/>
+                  </a:schemeClr>
+                </a:solidFill>
+              </a:rPr>
+              <a:t> e </a:t>
+            </a:r>
+            <a:r>
+              <a:rPr lang="pt-BR" sz="2400" dirty="0" err="1">
+                <a:solidFill>
+                  <a:schemeClr val="bg1">
+                    <a:lumMod val="75000"/>
+                  </a:schemeClr>
+                </a:solidFill>
+              </a:rPr>
+              <a:t>fim_janela</a:t>
+            </a:r>
+            <a:r>
+              <a:rPr lang="pt-BR" sz="2400" dirty="0">
+                <a:solidFill>
+                  <a:schemeClr val="bg1">
+                    <a:lumMod val="75000"/>
+                  </a:schemeClr>
+                </a:solidFill>
+              </a:rPr>
+              <a:t>)</a:t>
+            </a:r>
+          </a:p>
+          <a:p>
+            <a:pPr marL="800100" lvl="1" indent="-342900">
+              <a:buFont typeface="Arial" panose="020B0604020202020204" pitchFamily="34" charset="0"/>
+              <a:buChar char="•"/>
+            </a:pPr>
+            <a:r>
+              <a:rPr lang="pt-BR" sz="2400" dirty="0"/>
+              <a:t>Para os pontos do RSI nessa janela, escolhemos a reta da regressão</a:t>
             </a:r>
           </a:p>
         </p:txBody>
@@ -4933,7 +7944,7 @@
     </p:spTree>
     <p:extLst>
       <p:ext uri="{BB962C8B-B14F-4D97-AF65-F5344CB8AC3E}">
-        <p14:creationId xmlns:p14="http://schemas.microsoft.com/office/powerpoint/2010/main" val="3506385508"/>
+        <p14:creationId xmlns:p14="http://schemas.microsoft.com/office/powerpoint/2010/main" val="2543515795"/>
       </p:ext>
     </p:extLst>
   </p:cSld>
@@ -4962,10 +7973,10 @@
       </p:grpSpPr>
       <p:pic>
         <p:nvPicPr>
-          <p:cNvPr id="17" name="Imagem 16">
-            <a:extLst>
-              <a:ext uri="{FF2B5EF4-FFF2-40B4-BE49-F238E27FC236}">
-                <a16:creationId xmlns:a16="http://schemas.microsoft.com/office/drawing/2014/main" id="{3543ED60-BEC8-B230-6950-ABC2C988BBD5}"/>
+          <p:cNvPr id="5" name="Imagem 4">
+            <a:extLst>
+              <a:ext uri="{FF2B5EF4-FFF2-40B4-BE49-F238E27FC236}">
+                <a16:creationId xmlns:a16="http://schemas.microsoft.com/office/drawing/2014/main" id="{ACDFD2D6-3702-3088-1A4E-EDB92B0763D3}"/>
               </a:ext>
             </a:extLst>
           </p:cNvPr>
@@ -4976,89 +7987,25 @@
         </p:nvPicPr>
         <p:blipFill rotWithShape="1">
           <a:blip r:embed="rId2"/>
-          <a:srcRect/>
+          <a:srcRect l="8818" r="56935" b="27061"/>
           <a:stretch/>
         </p:blipFill>
         <p:spPr>
           <a:xfrm>
-            <a:off x="12700" y="562093"/>
-            <a:ext cx="12192000" cy="3504964"/>
+            <a:off x="1604866" y="785892"/>
+            <a:ext cx="8341567" cy="5761801"/>
           </a:xfrm>
           <a:prstGeom prst="rect">
             <a:avLst/>
           </a:prstGeom>
         </p:spPr>
       </p:pic>
-      <p:pic>
-        <p:nvPicPr>
-          <p:cNvPr id="4" name="Imagem 3">
-            <a:extLst>
-              <a:ext uri="{FF2B5EF4-FFF2-40B4-BE49-F238E27FC236}">
-                <a16:creationId xmlns:a16="http://schemas.microsoft.com/office/drawing/2014/main" id="{84EC49B0-6371-5823-D4CC-73DAA9A36226}"/>
-              </a:ext>
-            </a:extLst>
-          </p:cNvPr>
-          <p:cNvPicPr>
-            <a:picLocks noChangeAspect="1"/>
-          </p:cNvPicPr>
-          <p:nvPr/>
-        </p:nvPicPr>
-        <p:blipFill rotWithShape="1">
-          <a:blip r:embed="rId3"/>
-          <a:srcRect l="546" b="23843"/>
-          <a:stretch/>
-        </p:blipFill>
-        <p:spPr>
-          <a:xfrm>
-            <a:off x="19049" y="3214687"/>
-            <a:ext cx="12192001" cy="3529014"/>
-          </a:xfrm>
-          <a:prstGeom prst="rect">
-            <a:avLst/>
-          </a:prstGeom>
-        </p:spPr>
-      </p:pic>
-      <p:sp>
-        <p:nvSpPr>
-          <p:cNvPr id="2" name="CaixaDeTexto 1">
-            <a:extLst>
-              <a:ext uri="{FF2B5EF4-FFF2-40B4-BE49-F238E27FC236}">
-                <a16:creationId xmlns:a16="http://schemas.microsoft.com/office/drawing/2014/main" id="{7A300AED-FD69-08D5-23B9-B927381E639D}"/>
-              </a:ext>
-            </a:extLst>
-          </p:cNvPr>
-          <p:cNvSpPr txBox="1"/>
-          <p:nvPr/>
-        </p:nvSpPr>
-        <p:spPr>
-          <a:xfrm>
-            <a:off x="333647" y="117566"/>
-            <a:ext cx="5695678" cy="369332"/>
-          </a:xfrm>
-          <a:prstGeom prst="rect">
-            <a:avLst/>
-          </a:prstGeom>
-          <a:noFill/>
-        </p:spPr>
-        <p:txBody>
-          <a:bodyPr wrap="square" rtlCol="0">
-            <a:spAutoFit/>
-          </a:bodyPr>
-          <a:lstStyle/>
-          <a:p>
-            <a:r>
-              <a:rPr lang="pt-BR" dirty="0"/>
-              <a:t>O que acontece quando mudamos o tamanho da janela?</a:t>
-            </a:r>
-          </a:p>
-        </p:txBody>
-      </p:sp>
-      <p:sp>
-        <p:nvSpPr>
-          <p:cNvPr id="12" name="Retângulo 11">
-            <a:extLst>
-              <a:ext uri="{FF2B5EF4-FFF2-40B4-BE49-F238E27FC236}">
-                <a16:creationId xmlns:a16="http://schemas.microsoft.com/office/drawing/2014/main" id="{0C8877A1-111A-76D0-D092-4D250D04D223}"/>
+      <p:sp>
+        <p:nvSpPr>
+          <p:cNvPr id="3" name="Retângulo 2">
+            <a:extLst>
+              <a:ext uri="{FF2B5EF4-FFF2-40B4-BE49-F238E27FC236}">
+                <a16:creationId xmlns:a16="http://schemas.microsoft.com/office/drawing/2014/main" id="{424B2F54-DFA4-3353-3D20-D15BB2484255}"/>
               </a:ext>
             </a:extLst>
           </p:cNvPr>
@@ -5067,8 +8014,8 @@
         </p:nvSpPr>
         <p:spPr>
           <a:xfrm>
-            <a:off x="1866900" y="1504950"/>
-            <a:ext cx="1638299" cy="1066800"/>
+            <a:off x="4833257" y="1520890"/>
+            <a:ext cx="1978090" cy="3753076"/>
           </a:xfrm>
           <a:prstGeom prst="rect">
             <a:avLst/>
@@ -5105,198 +8052,53 @@
           </a:p>
         </p:txBody>
       </p:sp>
-      <p:sp>
-        <p:nvSpPr>
-          <p:cNvPr id="35" name="CaixaDeTexto 34">
-            <a:extLst>
-              <a:ext uri="{FF2B5EF4-FFF2-40B4-BE49-F238E27FC236}">
-                <a16:creationId xmlns:a16="http://schemas.microsoft.com/office/drawing/2014/main" id="{03F80D3E-318B-5B9C-940B-1C34716A088C}"/>
-              </a:ext>
-            </a:extLst>
-          </p:cNvPr>
-          <p:cNvSpPr txBox="1"/>
+      <p:cxnSp>
+        <p:nvCxnSpPr>
+          <p:cNvPr id="6" name="Conector reto 5">
+            <a:extLst>
+              <a:ext uri="{FF2B5EF4-FFF2-40B4-BE49-F238E27FC236}">
+                <a16:creationId xmlns:a16="http://schemas.microsoft.com/office/drawing/2014/main" id="{941743EC-722E-04C3-E137-DAF5B2736A3E}"/>
+              </a:ext>
+            </a:extLst>
+          </p:cNvPr>
+          <p:cNvCxnSpPr>
+            <a:cxnSpLocks/>
+          </p:cNvCxnSpPr>
           <p:nvPr/>
-        </p:nvSpPr>
-        <p:spPr>
-          <a:xfrm>
-            <a:off x="2569131" y="3549977"/>
-            <a:ext cx="1084083" cy="261610"/>
-          </a:xfrm>
-          <a:prstGeom prst="rect">
+        </p:nvCxnSpPr>
+        <p:spPr>
+          <a:xfrm flipV="1">
+            <a:off x="4833257" y="2444620"/>
+            <a:ext cx="1978090" cy="1955930"/>
+          </a:xfrm>
+          <a:prstGeom prst="line">
             <a:avLst/>
           </a:prstGeom>
-          <a:solidFill>
-            <a:srgbClr val="FFFF00"/>
-          </a:solidFill>
-        </p:spPr>
-        <p:txBody>
-          <a:bodyPr wrap="square" rtlCol="0">
-            <a:spAutoFit/>
-          </a:bodyPr>
-          <a:lstStyle/>
-          <a:p>
-            <a:pPr algn="ctr"/>
-            <a:r>
-              <a:rPr lang="pt-BR" sz="1100" b="1" dirty="0" err="1"/>
-              <a:t>lookback</a:t>
-            </a:r>
-            <a:r>
-              <a:rPr lang="pt-BR" sz="1100" b="1" dirty="0"/>
-              <a:t> = 600</a:t>
-            </a:r>
-          </a:p>
-        </p:txBody>
-      </p:sp>
-      <p:sp>
-        <p:nvSpPr>
-          <p:cNvPr id="36" name="CaixaDeTexto 35">
-            <a:extLst>
-              <a:ext uri="{FF2B5EF4-FFF2-40B4-BE49-F238E27FC236}">
-                <a16:creationId xmlns:a16="http://schemas.microsoft.com/office/drawing/2014/main" id="{D3858D05-7458-827C-0AE1-8C3BADF66142}"/>
-              </a:ext>
-            </a:extLst>
-          </p:cNvPr>
-          <p:cNvSpPr txBox="1"/>
-          <p:nvPr/>
-        </p:nvSpPr>
-        <p:spPr>
-          <a:xfrm>
-            <a:off x="2590800" y="931388"/>
-            <a:ext cx="1084083" cy="261610"/>
-          </a:xfrm>
-          <a:prstGeom prst="rect">
-            <a:avLst/>
-          </a:prstGeom>
-          <a:solidFill>
-            <a:srgbClr val="FFFF00"/>
-          </a:solidFill>
-        </p:spPr>
-        <p:txBody>
-          <a:bodyPr wrap="square" rtlCol="0">
-            <a:spAutoFit/>
-          </a:bodyPr>
-          <a:lstStyle/>
-          <a:p>
-            <a:pPr algn="ctr"/>
-            <a:r>
-              <a:rPr lang="pt-BR" sz="1100" b="1" dirty="0" err="1"/>
-              <a:t>lookback</a:t>
-            </a:r>
-            <a:r>
-              <a:rPr lang="pt-BR" sz="1100" b="1" dirty="0"/>
-              <a:t> = 200</a:t>
-            </a:r>
-          </a:p>
-        </p:txBody>
-      </p:sp>
-      <p:sp>
-        <p:nvSpPr>
-          <p:cNvPr id="18" name="Retângulo 17">
-            <a:extLst>
-              <a:ext uri="{FF2B5EF4-FFF2-40B4-BE49-F238E27FC236}">
-                <a16:creationId xmlns:a16="http://schemas.microsoft.com/office/drawing/2014/main" id="{D5D26D61-B609-F730-0892-A9FF5E878E80}"/>
-              </a:ext>
-            </a:extLst>
-          </p:cNvPr>
-          <p:cNvSpPr/>
-          <p:nvPr/>
-        </p:nvSpPr>
-        <p:spPr>
-          <a:xfrm>
-            <a:off x="3667125" y="1447800"/>
-            <a:ext cx="1638299" cy="1066800"/>
-          </a:xfrm>
-          <a:prstGeom prst="rect">
-            <a:avLst/>
-          </a:prstGeom>
-          <a:noFill/>
-          <a:ln>
+          <a:ln w="44450">
             <a:solidFill>
-              <a:srgbClr val="FFFF00"/>
+              <a:srgbClr val="FF0000"/>
             </a:solidFill>
           </a:ln>
         </p:spPr>
         <p:style>
-          <a:lnRef idx="2">
-            <a:schemeClr val="accent1">
-              <a:shade val="15000"/>
-            </a:schemeClr>
+          <a:lnRef idx="1">
+            <a:schemeClr val="accent1"/>
           </a:lnRef>
-          <a:fillRef idx="1">
+          <a:fillRef idx="0">
             <a:schemeClr val="accent1"/>
           </a:fillRef>
           <a:effectRef idx="0">
             <a:schemeClr val="accent1"/>
           </a:effectRef>
           <a:fontRef idx="minor">
-            <a:schemeClr val="lt1"/>
+            <a:schemeClr val="tx1"/>
           </a:fontRef>
         </p:style>
-        <p:txBody>
-          <a:bodyPr rtlCol="0" anchor="ctr"/>
-          <a:lstStyle/>
-          <a:p>
-            <a:pPr algn="ctr"/>
-            <a:endParaRPr lang="pt-BR"/>
-          </a:p>
-        </p:txBody>
-      </p:sp>
-      <p:sp>
-        <p:nvSpPr>
-          <p:cNvPr id="23" name="Retângulo 22">
-            <a:extLst>
-              <a:ext uri="{FF2B5EF4-FFF2-40B4-BE49-F238E27FC236}">
-                <a16:creationId xmlns:a16="http://schemas.microsoft.com/office/drawing/2014/main" id="{76F680F2-1EFF-3214-98D3-4D8EB5ACB454}"/>
-              </a:ext>
-            </a:extLst>
-          </p:cNvPr>
-          <p:cNvSpPr/>
-          <p:nvPr/>
-        </p:nvSpPr>
-        <p:spPr>
-          <a:xfrm>
-            <a:off x="1876424" y="3800474"/>
-            <a:ext cx="4314825" cy="2045911"/>
-          </a:xfrm>
-          <a:prstGeom prst="rect">
-            <a:avLst/>
-          </a:prstGeom>
-          <a:noFill/>
-          <a:ln>
-            <a:solidFill>
-              <a:srgbClr val="FFFF00"/>
-            </a:solidFill>
-          </a:ln>
-        </p:spPr>
-        <p:style>
-          <a:lnRef idx="2">
-            <a:schemeClr val="accent1">
-              <a:shade val="15000"/>
-            </a:schemeClr>
-          </a:lnRef>
-          <a:fillRef idx="1">
-            <a:schemeClr val="accent1"/>
-          </a:fillRef>
-          <a:effectRef idx="0">
-            <a:schemeClr val="accent1"/>
-          </a:effectRef>
-          <a:fontRef idx="minor">
-            <a:schemeClr val="lt1"/>
-          </a:fontRef>
-        </p:style>
-        <p:txBody>
-          <a:bodyPr rtlCol="0" anchor="ctr"/>
-          <a:lstStyle/>
-          <a:p>
-            <a:pPr algn="ctr"/>
-            <a:endParaRPr lang="pt-BR"/>
-          </a:p>
-        </p:txBody>
-      </p:sp>
+      </p:cxnSp>
     </p:spTree>
     <p:extLst>
       <p:ext uri="{BB962C8B-B14F-4D97-AF65-F5344CB8AC3E}">
-        <p14:creationId xmlns:p14="http://schemas.microsoft.com/office/powerpoint/2010/main" val="3245981772"/>
+        <p14:creationId xmlns:p14="http://schemas.microsoft.com/office/powerpoint/2010/main" val="381178042"/>
       </p:ext>
     </p:extLst>
   </p:cSld>
@@ -5325,10 +8127,10 @@
       </p:grpSpPr>
       <p:sp>
         <p:nvSpPr>
-          <p:cNvPr id="2" name="CaixaDeTexto 1">
-            <a:extLst>
-              <a:ext uri="{FF2B5EF4-FFF2-40B4-BE49-F238E27FC236}">
-                <a16:creationId xmlns:a16="http://schemas.microsoft.com/office/drawing/2014/main" id="{7A300AED-FD69-08D5-23B9-B927381E639D}"/>
+          <p:cNvPr id="3" name="CaixaDeTexto 2">
+            <a:extLst>
+              <a:ext uri="{FF2B5EF4-FFF2-40B4-BE49-F238E27FC236}">
+                <a16:creationId xmlns:a16="http://schemas.microsoft.com/office/drawing/2014/main" id="{7EBAD6C7-E7A0-DD84-F3A5-D03C91E593F6}"/>
               </a:ext>
             </a:extLst>
           </p:cNvPr>
@@ -5337,44 +8139,8 @@
         </p:nvSpPr>
         <p:spPr>
           <a:xfrm>
-            <a:off x="1734532" y="175794"/>
-            <a:ext cx="8736585" cy="707886"/>
-          </a:xfrm>
-          <a:prstGeom prst="rect">
-            <a:avLst/>
-          </a:prstGeom>
-          <a:noFill/>
-        </p:spPr>
-        <p:txBody>
-          <a:bodyPr wrap="square" rtlCol="0">
-            <a:spAutoFit/>
-          </a:bodyPr>
-          <a:lstStyle/>
-          <a:p>
-            <a:pPr algn="ctr"/>
-            <a:r>
-              <a:rPr lang="pt-BR" sz="4000" dirty="0"/>
-              <a:t>Qual é a melhor tamanho de janela?</a:t>
-            </a:r>
-          </a:p>
-        </p:txBody>
-      </p:sp>
-      <p:sp>
-        <p:nvSpPr>
-          <p:cNvPr id="3" name="CaixaDeTexto 2">
-            <a:extLst>
-              <a:ext uri="{FF2B5EF4-FFF2-40B4-BE49-F238E27FC236}">
-                <a16:creationId xmlns:a16="http://schemas.microsoft.com/office/drawing/2014/main" id="{7EBAD6C7-E7A0-DD84-F3A5-D03C91E593F6}"/>
-              </a:ext>
-            </a:extLst>
-          </p:cNvPr>
-          <p:cNvSpPr txBox="1"/>
-          <p:nvPr/>
-        </p:nvSpPr>
-        <p:spPr>
-          <a:xfrm>
-            <a:off x="1228627" y="877208"/>
-            <a:ext cx="9753600" cy="707886"/>
+            <a:off x="1055688" y="192791"/>
+            <a:ext cx="10080625" cy="584775"/>
           </a:xfrm>
           <a:prstGeom prst="rect">
             <a:avLst/>
@@ -5394,45 +8160,185 @@
           <a:p>
             <a:pPr algn="ctr"/>
             <a:r>
-              <a:rPr lang="pt-BR" sz="4000" dirty="0"/>
-              <a:t>Uma combinação de 70 / 140 / 210 / 300</a:t>
-            </a:r>
-          </a:p>
-        </p:txBody>
-      </p:sp>
-      <p:pic>
-        <p:nvPicPr>
-          <p:cNvPr id="6" name="Imagem 5">
-            <a:extLst>
-              <a:ext uri="{FF2B5EF4-FFF2-40B4-BE49-F238E27FC236}">
-                <a16:creationId xmlns:a16="http://schemas.microsoft.com/office/drawing/2014/main" id="{2659FDD0-9186-C953-99F4-E72AB9AED09F}"/>
-              </a:ext>
-            </a:extLst>
-          </p:cNvPr>
-          <p:cNvPicPr>
-            <a:picLocks noChangeAspect="1"/>
-          </p:cNvPicPr>
+              <a:rPr lang="pt-BR" sz="3200" dirty="0"/>
+              <a:t>Lógica das retas</a:t>
+            </a:r>
+          </a:p>
+        </p:txBody>
+      </p:sp>
+      <p:sp>
+        <p:nvSpPr>
+          <p:cNvPr id="2" name="CaixaDeTexto 1">
+            <a:extLst>
+              <a:ext uri="{FF2B5EF4-FFF2-40B4-BE49-F238E27FC236}">
+                <a16:creationId xmlns:a16="http://schemas.microsoft.com/office/drawing/2014/main" id="{DD8C5AA7-91DD-807C-5FA9-5A8DE08F3F0C}"/>
+              </a:ext>
+            </a:extLst>
+          </p:cNvPr>
+          <p:cNvSpPr txBox="1"/>
           <p:nvPr/>
-        </p:nvPicPr>
-        <p:blipFill rotWithShape="1">
-          <a:blip r:embed="rId2"/>
-          <a:srcRect l="1407" t="2138" r="336" b="1588"/>
-          <a:stretch/>
-        </p:blipFill>
-        <p:spPr>
-          <a:xfrm>
-            <a:off x="515938" y="2060574"/>
-            <a:ext cx="11233151" cy="3708401"/>
+        </p:nvSpPr>
+        <p:spPr>
+          <a:xfrm>
+            <a:off x="1055688" y="970384"/>
+            <a:ext cx="10150377" cy="3046988"/>
           </a:xfrm>
           <a:prstGeom prst="rect">
             <a:avLst/>
           </a:prstGeom>
-        </p:spPr>
-      </p:pic>
+          <a:noFill/>
+        </p:spPr>
+        <p:txBody>
+          <a:bodyPr wrap="square" rtlCol="0">
+            <a:spAutoFit/>
+          </a:bodyPr>
+          <a:lstStyle/>
+          <a:p>
+            <a:pPr marL="342900" indent="-342900">
+              <a:buFont typeface="+mj-lt"/>
+              <a:buAutoNum type="arabicPeriod"/>
+            </a:pPr>
+            <a:r>
+              <a:rPr lang="pt-BR" sz="2400" dirty="0">
+                <a:solidFill>
+                  <a:schemeClr val="bg1">
+                    <a:lumMod val="75000"/>
+                  </a:schemeClr>
+                </a:solidFill>
+              </a:rPr>
+              <a:t>Encontramos os pontos de máximo e mínimo locais do RSI.</a:t>
+            </a:r>
+          </a:p>
+          <a:p>
+            <a:pPr marL="342900" indent="-342900">
+              <a:buFont typeface="+mj-lt"/>
+              <a:buAutoNum type="arabicPeriod"/>
+            </a:pPr>
+            <a:r>
+              <a:rPr lang="pt-BR" sz="2400" dirty="0">
+                <a:solidFill>
+                  <a:schemeClr val="bg1">
+                    <a:lumMod val="75000"/>
+                  </a:schemeClr>
+                </a:solidFill>
+              </a:rPr>
+              <a:t>Escolhe-se uma janela (</a:t>
+            </a:r>
+            <a:r>
+              <a:rPr lang="pt-BR" sz="2400" dirty="0" err="1">
+                <a:solidFill>
+                  <a:schemeClr val="bg1">
+                    <a:lumMod val="75000"/>
+                  </a:schemeClr>
+                </a:solidFill>
+              </a:rPr>
+              <a:t>inicio_janela</a:t>
+            </a:r>
+            <a:r>
+              <a:rPr lang="pt-BR" sz="2400" dirty="0">
+                <a:solidFill>
+                  <a:schemeClr val="bg1">
+                    <a:lumMod val="75000"/>
+                  </a:schemeClr>
+                </a:solidFill>
+              </a:rPr>
+              <a:t> e </a:t>
+            </a:r>
+            <a:r>
+              <a:rPr lang="pt-BR" sz="2400" dirty="0" err="1">
+                <a:solidFill>
+                  <a:schemeClr val="bg1">
+                    <a:lumMod val="75000"/>
+                  </a:schemeClr>
+                </a:solidFill>
+              </a:rPr>
+              <a:t>fim_janela</a:t>
+            </a:r>
+            <a:r>
+              <a:rPr lang="pt-BR" sz="2400" dirty="0">
+                <a:solidFill>
+                  <a:schemeClr val="bg1">
+                    <a:lumMod val="75000"/>
+                  </a:schemeClr>
+                </a:solidFill>
+              </a:rPr>
+              <a:t>)</a:t>
+            </a:r>
+          </a:p>
+          <a:p>
+            <a:pPr marL="800100" lvl="1" indent="-342900">
+              <a:buFont typeface="Arial" panose="020B0604020202020204" pitchFamily="34" charset="0"/>
+              <a:buChar char="•"/>
+            </a:pPr>
+            <a:r>
+              <a:rPr lang="pt-BR" sz="2400" dirty="0">
+                <a:solidFill>
+                  <a:schemeClr val="bg1">
+                    <a:lumMod val="75000"/>
+                  </a:schemeClr>
+                </a:solidFill>
+              </a:rPr>
+              <a:t>Para os pontos do RSI nessa janela, escolhemos a reta da regressão</a:t>
+            </a:r>
+          </a:p>
+          <a:p>
+            <a:pPr marL="800100" lvl="1" indent="-342900">
+              <a:buFont typeface="Arial" panose="020B0604020202020204" pitchFamily="34" charset="0"/>
+              <a:buChar char="•"/>
+            </a:pPr>
+            <a:r>
+              <a:rPr lang="pt-BR" sz="2400" dirty="0"/>
+              <a:t>Depois, dentre os máximos e mínimos locais, encontramos os dois </a:t>
+            </a:r>
+            <a:r>
+              <a:rPr lang="pt-BR" sz="2400" dirty="0" err="1"/>
+              <a:t>pivot</a:t>
+            </a:r>
+            <a:r>
+              <a:rPr lang="pt-BR" sz="2400" dirty="0"/>
+              <a:t> points, um acima (</a:t>
+            </a:r>
+            <a:r>
+              <a:rPr lang="pt-BR" sz="2400" dirty="0" err="1"/>
+              <a:t>upper_pivot</a:t>
+            </a:r>
+            <a:r>
+              <a:rPr lang="pt-BR" sz="2400" dirty="0"/>
+              <a:t>) e outro abaixo (</a:t>
+            </a:r>
+            <a:r>
+              <a:rPr lang="pt-BR" sz="2400" dirty="0" err="1"/>
+              <a:t>lower_pivot</a:t>
+            </a:r>
+            <a:r>
+              <a:rPr lang="pt-BR" sz="2400" dirty="0"/>
+              <a:t>), que mais se afastam da janela (fonte: )</a:t>
+            </a:r>
+          </a:p>
+          <a:p>
+            <a:pPr marL="800100" lvl="1" indent="-342900">
+              <a:buFont typeface="Arial" panose="020B0604020202020204" pitchFamily="34" charset="0"/>
+              <a:buChar char="•"/>
+            </a:pPr>
+            <a:r>
+              <a:rPr lang="pt-BR" sz="2400" dirty="0"/>
+              <a:t>Traçamos retas paralelas a reta da regressão passando por esses dois </a:t>
+            </a:r>
+            <a:r>
+              <a:rPr lang="pt-BR" sz="2400" dirty="0" err="1"/>
+              <a:t>pivot</a:t>
+            </a:r>
+            <a:r>
+              <a:rPr lang="pt-BR" sz="2400" dirty="0"/>
+              <a:t> points</a:t>
+            </a:r>
+          </a:p>
+        </p:txBody>
+      </p:sp>
     </p:spTree>
     <p:extLst>
       <p:ext uri="{BB962C8B-B14F-4D97-AF65-F5344CB8AC3E}">
-        <p14:creationId xmlns:p14="http://schemas.microsoft.com/office/powerpoint/2010/main" val="2715164518"/>
+        <p14:creationId xmlns:p14="http://schemas.microsoft.com/office/powerpoint/2010/main" val="127741127"/>
       </p:ext>
     </p:extLst>
   </p:cSld>
@@ -5459,53 +8365,12 @@
           <a:chExt cx="0" cy="0"/>
         </a:xfrm>
       </p:grpSpPr>
-      <p:sp>
-        <p:nvSpPr>
-          <p:cNvPr id="3" name="CaixaDeTexto 2">
-            <a:extLst>
-              <a:ext uri="{FF2B5EF4-FFF2-40B4-BE49-F238E27FC236}">
-                <a16:creationId xmlns:a16="http://schemas.microsoft.com/office/drawing/2014/main" id="{7EBAD6C7-E7A0-DD84-F3A5-D03C91E593F6}"/>
-              </a:ext>
-            </a:extLst>
-          </p:cNvPr>
-          <p:cNvSpPr txBox="1"/>
-          <p:nvPr/>
-        </p:nvSpPr>
-        <p:spPr>
-          <a:xfrm>
-            <a:off x="1219200" y="603341"/>
-            <a:ext cx="9753600" cy="707886"/>
-          </a:xfrm>
-          <a:prstGeom prst="rect">
-            <a:avLst/>
-          </a:prstGeom>
-          <a:noFill/>
-          <a:ln>
-            <a:solidFill>
-              <a:schemeClr val="tx1"/>
-            </a:solidFill>
-          </a:ln>
-        </p:spPr>
-        <p:txBody>
-          <a:bodyPr wrap="square" rtlCol="0">
-            <a:spAutoFit/>
-          </a:bodyPr>
-          <a:lstStyle/>
-          <a:p>
-            <a:pPr algn="ctr"/>
-            <a:r>
-              <a:rPr lang="pt-BR" sz="4000" dirty="0"/>
-              <a:t>Eliminação por slope</a:t>
-            </a:r>
-          </a:p>
-        </p:txBody>
-      </p:sp>
       <p:pic>
         <p:nvPicPr>
           <p:cNvPr id="5" name="Imagem 4">
             <a:extLst>
               <a:ext uri="{FF2B5EF4-FFF2-40B4-BE49-F238E27FC236}">
-                <a16:creationId xmlns:a16="http://schemas.microsoft.com/office/drawing/2014/main" id="{8409B12B-543A-9931-1D52-44A71BAA6B58}"/>
+                <a16:creationId xmlns:a16="http://schemas.microsoft.com/office/drawing/2014/main" id="{ACDFD2D6-3702-3088-1A4E-EDB92B0763D3}"/>
               </a:ext>
             </a:extLst>
           </p:cNvPr>
@@ -5516,23 +8381,204 @@
         </p:nvPicPr>
         <p:blipFill rotWithShape="1">
           <a:blip r:embed="rId2"/>
-          <a:srcRect l="1043" t="892" r="167" b="1209"/>
+          <a:srcRect l="8818" r="56935" b="27061"/>
           <a:stretch/>
         </p:blipFill>
         <p:spPr>
           <a:xfrm>
-            <a:off x="515938" y="2060575"/>
-            <a:ext cx="11233150" cy="3710513"/>
+            <a:off x="1604866" y="785892"/>
+            <a:ext cx="8341567" cy="5761801"/>
           </a:xfrm>
           <a:prstGeom prst="rect">
             <a:avLst/>
           </a:prstGeom>
         </p:spPr>
       </p:pic>
+      <p:sp>
+        <p:nvSpPr>
+          <p:cNvPr id="3" name="Retângulo 2">
+            <a:extLst>
+              <a:ext uri="{FF2B5EF4-FFF2-40B4-BE49-F238E27FC236}">
+                <a16:creationId xmlns:a16="http://schemas.microsoft.com/office/drawing/2014/main" id="{424B2F54-DFA4-3353-3D20-D15BB2484255}"/>
+              </a:ext>
+            </a:extLst>
+          </p:cNvPr>
+          <p:cNvSpPr/>
+          <p:nvPr/>
+        </p:nvSpPr>
+        <p:spPr>
+          <a:xfrm>
+            <a:off x="4833257" y="1520890"/>
+            <a:ext cx="1978090" cy="3753076"/>
+          </a:xfrm>
+          <a:prstGeom prst="rect">
+            <a:avLst/>
+          </a:prstGeom>
+          <a:noFill/>
+          <a:ln>
+            <a:solidFill>
+              <a:srgbClr val="FFFF00"/>
+            </a:solidFill>
+          </a:ln>
+        </p:spPr>
+        <p:style>
+          <a:lnRef idx="2">
+            <a:schemeClr val="accent1">
+              <a:shade val="15000"/>
+            </a:schemeClr>
+          </a:lnRef>
+          <a:fillRef idx="1">
+            <a:schemeClr val="accent1"/>
+          </a:fillRef>
+          <a:effectRef idx="0">
+            <a:schemeClr val="accent1"/>
+          </a:effectRef>
+          <a:fontRef idx="minor">
+            <a:schemeClr val="lt1"/>
+          </a:fontRef>
+        </p:style>
+        <p:txBody>
+          <a:bodyPr rtlCol="0" anchor="ctr"/>
+          <a:lstStyle/>
+          <a:p>
+            <a:pPr algn="ctr"/>
+            <a:endParaRPr lang="pt-BR"/>
+          </a:p>
+        </p:txBody>
+      </p:sp>
+      <p:cxnSp>
+        <p:nvCxnSpPr>
+          <p:cNvPr id="6" name="Conector reto 5">
+            <a:extLst>
+              <a:ext uri="{FF2B5EF4-FFF2-40B4-BE49-F238E27FC236}">
+                <a16:creationId xmlns:a16="http://schemas.microsoft.com/office/drawing/2014/main" id="{941743EC-722E-04C3-E137-DAF5B2736A3E}"/>
+              </a:ext>
+            </a:extLst>
+          </p:cNvPr>
+          <p:cNvCxnSpPr>
+            <a:cxnSpLocks/>
+          </p:cNvCxnSpPr>
+          <p:nvPr/>
+        </p:nvCxnSpPr>
+        <p:spPr>
+          <a:xfrm flipV="1">
+            <a:off x="4833257" y="2444620"/>
+            <a:ext cx="1978090" cy="1955930"/>
+          </a:xfrm>
+          <a:prstGeom prst="line">
+            <a:avLst/>
+          </a:prstGeom>
+          <a:ln w="44450">
+            <a:solidFill>
+              <a:srgbClr val="FF0000"/>
+            </a:solidFill>
+          </a:ln>
+        </p:spPr>
+        <p:style>
+          <a:lnRef idx="1">
+            <a:schemeClr val="accent1"/>
+          </a:lnRef>
+          <a:fillRef idx="0">
+            <a:schemeClr val="accent1"/>
+          </a:fillRef>
+          <a:effectRef idx="0">
+            <a:schemeClr val="accent1"/>
+          </a:effectRef>
+          <a:fontRef idx="minor">
+            <a:schemeClr val="tx1"/>
+          </a:fontRef>
+        </p:style>
+      </p:cxnSp>
+      <p:cxnSp>
+        <p:nvCxnSpPr>
+          <p:cNvPr id="2" name="Conector reto 1">
+            <a:extLst>
+              <a:ext uri="{FF2B5EF4-FFF2-40B4-BE49-F238E27FC236}">
+                <a16:creationId xmlns:a16="http://schemas.microsoft.com/office/drawing/2014/main" id="{F5F5E0FD-7721-B6A1-EEE6-E3BD0D3746C2}"/>
+              </a:ext>
+            </a:extLst>
+          </p:cNvPr>
+          <p:cNvCxnSpPr>
+            <a:cxnSpLocks/>
+          </p:cNvCxnSpPr>
+          <p:nvPr/>
+        </p:nvCxnSpPr>
+        <p:spPr>
+          <a:xfrm flipV="1">
+            <a:off x="4883020" y="3381180"/>
+            <a:ext cx="1978090" cy="1955930"/>
+          </a:xfrm>
+          <a:prstGeom prst="line">
+            <a:avLst/>
+          </a:prstGeom>
+          <a:ln w="44450">
+            <a:solidFill>
+              <a:srgbClr val="FF0000"/>
+            </a:solidFill>
+          </a:ln>
+        </p:spPr>
+        <p:style>
+          <a:lnRef idx="1">
+            <a:schemeClr val="accent1"/>
+          </a:lnRef>
+          <a:fillRef idx="0">
+            <a:schemeClr val="accent1"/>
+          </a:fillRef>
+          <a:effectRef idx="0">
+            <a:schemeClr val="accent1"/>
+          </a:effectRef>
+          <a:fontRef idx="minor">
+            <a:schemeClr val="tx1"/>
+          </a:fontRef>
+        </p:style>
+      </p:cxnSp>
+      <p:cxnSp>
+        <p:nvCxnSpPr>
+          <p:cNvPr id="4" name="Conector reto 3">
+            <a:extLst>
+              <a:ext uri="{FF2B5EF4-FFF2-40B4-BE49-F238E27FC236}">
+                <a16:creationId xmlns:a16="http://schemas.microsoft.com/office/drawing/2014/main" id="{434E7175-64A3-34E7-E9F9-E428DCC4AF15}"/>
+              </a:ext>
+            </a:extLst>
+          </p:cNvPr>
+          <p:cNvCxnSpPr>
+            <a:cxnSpLocks/>
+          </p:cNvCxnSpPr>
+          <p:nvPr/>
+        </p:nvCxnSpPr>
+        <p:spPr>
+          <a:xfrm flipV="1">
+            <a:off x="4715070" y="1489236"/>
+            <a:ext cx="1978090" cy="1955930"/>
+          </a:xfrm>
+          <a:prstGeom prst="line">
+            <a:avLst/>
+          </a:prstGeom>
+          <a:ln w="44450">
+            <a:solidFill>
+              <a:srgbClr val="FF0000"/>
+            </a:solidFill>
+          </a:ln>
+        </p:spPr>
+        <p:style>
+          <a:lnRef idx="1">
+            <a:schemeClr val="accent1"/>
+          </a:lnRef>
+          <a:fillRef idx="0">
+            <a:schemeClr val="accent1"/>
+          </a:fillRef>
+          <a:effectRef idx="0">
+            <a:schemeClr val="accent1"/>
+          </a:effectRef>
+          <a:fontRef idx="minor">
+            <a:schemeClr val="tx1"/>
+          </a:fontRef>
+        </p:style>
+      </p:cxnSp>
     </p:spTree>
     <p:extLst>
       <p:ext uri="{BB962C8B-B14F-4D97-AF65-F5344CB8AC3E}">
-        <p14:creationId xmlns:p14="http://schemas.microsoft.com/office/powerpoint/2010/main" val="3464041436"/>
+        <p14:creationId xmlns:p14="http://schemas.microsoft.com/office/powerpoint/2010/main" val="970458372"/>
       </p:ext>
     </p:extLst>
   </p:cSld>
@@ -5573,8 +8619,8 @@
         </p:nvSpPr>
         <p:spPr>
           <a:xfrm>
-            <a:off x="1219200" y="603341"/>
-            <a:ext cx="9753600" cy="1323439"/>
+            <a:off x="1055688" y="192791"/>
+            <a:ext cx="10080625" cy="584775"/>
           </a:xfrm>
           <a:prstGeom prst="rect">
             <a:avLst/>
@@ -5594,45 +8640,279 @@
           <a:p>
             <a:pPr algn="ctr"/>
             <a:r>
-              <a:rPr lang="pt-BR" sz="4000" dirty="0"/>
-              <a:t>Eliminação por obrigação de passar (perto &lt; por 3 pontos:</a:t>
-            </a:r>
-          </a:p>
-        </p:txBody>
-      </p:sp>
-      <p:pic>
-        <p:nvPicPr>
-          <p:cNvPr id="4" name="Imagem 3">
-            <a:extLst>
-              <a:ext uri="{FF2B5EF4-FFF2-40B4-BE49-F238E27FC236}">
-                <a16:creationId xmlns:a16="http://schemas.microsoft.com/office/drawing/2014/main" id="{634D9964-D220-E6D6-31C9-E6A3364E9163}"/>
-              </a:ext>
-            </a:extLst>
-          </p:cNvPr>
-          <p:cNvPicPr>
-            <a:picLocks noChangeAspect="1"/>
-          </p:cNvPicPr>
+              <a:rPr lang="pt-BR" sz="3200" dirty="0"/>
+              <a:t>Lógica das retas</a:t>
+            </a:r>
+          </a:p>
+        </p:txBody>
+      </p:sp>
+      <p:sp>
+        <p:nvSpPr>
+          <p:cNvPr id="2" name="CaixaDeTexto 1">
+            <a:extLst>
+              <a:ext uri="{FF2B5EF4-FFF2-40B4-BE49-F238E27FC236}">
+                <a16:creationId xmlns:a16="http://schemas.microsoft.com/office/drawing/2014/main" id="{DD8C5AA7-91DD-807C-5FA9-5A8DE08F3F0C}"/>
+              </a:ext>
+            </a:extLst>
+          </p:cNvPr>
+          <p:cNvSpPr txBox="1"/>
           <p:nvPr/>
-        </p:nvPicPr>
-        <p:blipFill rotWithShape="1">
-          <a:blip r:embed="rId2"/>
-          <a:srcRect l="1019" t="4982" r="251" b="3826"/>
-          <a:stretch/>
-        </p:blipFill>
-        <p:spPr>
-          <a:xfrm>
-            <a:off x="515938" y="2060574"/>
-            <a:ext cx="11233150" cy="3708401"/>
+        </p:nvSpPr>
+        <p:spPr>
+          <a:xfrm>
+            <a:off x="1055688" y="970384"/>
+            <a:ext cx="10150377" cy="4154984"/>
           </a:xfrm>
           <a:prstGeom prst="rect">
             <a:avLst/>
           </a:prstGeom>
-        </p:spPr>
-      </p:pic>
+          <a:noFill/>
+        </p:spPr>
+        <p:txBody>
+          <a:bodyPr wrap="square" rtlCol="0">
+            <a:spAutoFit/>
+          </a:bodyPr>
+          <a:lstStyle/>
+          <a:p>
+            <a:pPr marL="342900" indent="-342900">
+              <a:buFont typeface="+mj-lt"/>
+              <a:buAutoNum type="arabicPeriod"/>
+            </a:pPr>
+            <a:r>
+              <a:rPr lang="pt-BR" sz="2400" dirty="0">
+                <a:solidFill>
+                  <a:schemeClr val="bg1">
+                    <a:lumMod val="75000"/>
+                  </a:schemeClr>
+                </a:solidFill>
+              </a:rPr>
+              <a:t>Encontramos os pontos de máximo e mínimo locais do RSI.</a:t>
+            </a:r>
+          </a:p>
+          <a:p>
+            <a:pPr marL="342900" indent="-342900">
+              <a:buFont typeface="+mj-lt"/>
+              <a:buAutoNum type="arabicPeriod"/>
+            </a:pPr>
+            <a:r>
+              <a:rPr lang="pt-BR" sz="2400" dirty="0">
+                <a:solidFill>
+                  <a:schemeClr val="bg1">
+                    <a:lumMod val="75000"/>
+                  </a:schemeClr>
+                </a:solidFill>
+              </a:rPr>
+              <a:t>Escolhe-se uma janela (</a:t>
+            </a:r>
+            <a:r>
+              <a:rPr lang="pt-BR" sz="2400" dirty="0" err="1">
+                <a:solidFill>
+                  <a:schemeClr val="bg1">
+                    <a:lumMod val="75000"/>
+                  </a:schemeClr>
+                </a:solidFill>
+              </a:rPr>
+              <a:t>inicio_janela</a:t>
+            </a:r>
+            <a:r>
+              <a:rPr lang="pt-BR" sz="2400" dirty="0">
+                <a:solidFill>
+                  <a:schemeClr val="bg1">
+                    <a:lumMod val="75000"/>
+                  </a:schemeClr>
+                </a:solidFill>
+              </a:rPr>
+              <a:t> e </a:t>
+            </a:r>
+            <a:r>
+              <a:rPr lang="pt-BR" sz="2400" dirty="0" err="1">
+                <a:solidFill>
+                  <a:schemeClr val="bg1">
+                    <a:lumMod val="75000"/>
+                  </a:schemeClr>
+                </a:solidFill>
+              </a:rPr>
+              <a:t>fim_janela</a:t>
+            </a:r>
+            <a:r>
+              <a:rPr lang="pt-BR" sz="2400" dirty="0">
+                <a:solidFill>
+                  <a:schemeClr val="bg1">
+                    <a:lumMod val="75000"/>
+                  </a:schemeClr>
+                </a:solidFill>
+              </a:rPr>
+              <a:t>)</a:t>
+            </a:r>
+          </a:p>
+          <a:p>
+            <a:pPr marL="800100" lvl="1" indent="-342900">
+              <a:buFont typeface="Arial" panose="020B0604020202020204" pitchFamily="34" charset="0"/>
+              <a:buChar char="•"/>
+            </a:pPr>
+            <a:r>
+              <a:rPr lang="pt-BR" sz="2400" dirty="0">
+                <a:solidFill>
+                  <a:schemeClr val="bg1">
+                    <a:lumMod val="75000"/>
+                  </a:schemeClr>
+                </a:solidFill>
+              </a:rPr>
+              <a:t>Para os pontos do RSI nessa janela, escolhemos a reta da regressão</a:t>
+            </a:r>
+          </a:p>
+          <a:p>
+            <a:pPr marL="800100" lvl="1" indent="-342900">
+              <a:buFont typeface="Arial" panose="020B0604020202020204" pitchFamily="34" charset="0"/>
+              <a:buChar char="•"/>
+            </a:pPr>
+            <a:r>
+              <a:rPr lang="pt-BR" sz="2400" dirty="0">
+                <a:solidFill>
+                  <a:schemeClr val="bg1">
+                    <a:lumMod val="75000"/>
+                  </a:schemeClr>
+                </a:solidFill>
+              </a:rPr>
+              <a:t>Depois, dentre os máximos e mínimos locais, encontramos os dois </a:t>
+            </a:r>
+            <a:r>
+              <a:rPr lang="pt-BR" sz="2400" dirty="0" err="1">
+                <a:solidFill>
+                  <a:schemeClr val="bg1">
+                    <a:lumMod val="75000"/>
+                  </a:schemeClr>
+                </a:solidFill>
+              </a:rPr>
+              <a:t>pivot</a:t>
+            </a:r>
+            <a:r>
+              <a:rPr lang="pt-BR" sz="2400" dirty="0">
+                <a:solidFill>
+                  <a:schemeClr val="bg1">
+                    <a:lumMod val="75000"/>
+                  </a:schemeClr>
+                </a:solidFill>
+              </a:rPr>
+              <a:t> points, um acima (</a:t>
+            </a:r>
+            <a:r>
+              <a:rPr lang="pt-BR" sz="2400" dirty="0" err="1">
+                <a:solidFill>
+                  <a:schemeClr val="bg1">
+                    <a:lumMod val="75000"/>
+                  </a:schemeClr>
+                </a:solidFill>
+              </a:rPr>
+              <a:t>upper_pivot</a:t>
+            </a:r>
+            <a:r>
+              <a:rPr lang="pt-BR" sz="2400" dirty="0">
+                <a:solidFill>
+                  <a:schemeClr val="bg1">
+                    <a:lumMod val="75000"/>
+                  </a:schemeClr>
+                </a:solidFill>
+              </a:rPr>
+              <a:t>) e outro abaixo (</a:t>
+            </a:r>
+            <a:r>
+              <a:rPr lang="pt-BR" sz="2400" dirty="0" err="1">
+                <a:solidFill>
+                  <a:schemeClr val="bg1">
+                    <a:lumMod val="75000"/>
+                  </a:schemeClr>
+                </a:solidFill>
+              </a:rPr>
+              <a:t>lower_pivot</a:t>
+            </a:r>
+            <a:r>
+              <a:rPr lang="pt-BR" sz="2400" dirty="0">
+                <a:solidFill>
+                  <a:schemeClr val="bg1">
+                    <a:lumMod val="75000"/>
+                  </a:schemeClr>
+                </a:solidFill>
+              </a:rPr>
+              <a:t>), que mais se afastam da janela (fonte: )</a:t>
+            </a:r>
+          </a:p>
+          <a:p>
+            <a:pPr marL="800100" lvl="1" indent="-342900">
+              <a:buFont typeface="Arial" panose="020B0604020202020204" pitchFamily="34" charset="0"/>
+              <a:buChar char="•"/>
+            </a:pPr>
+            <a:r>
+              <a:rPr lang="pt-BR" sz="2400" dirty="0">
+                <a:solidFill>
+                  <a:schemeClr val="bg1">
+                    <a:lumMod val="75000"/>
+                  </a:schemeClr>
+                </a:solidFill>
+              </a:rPr>
+              <a:t>Traçamos retas paralelas a reta da regressão passando por esses dois </a:t>
+            </a:r>
+            <a:r>
+              <a:rPr lang="pt-BR" sz="2400" dirty="0" err="1">
+                <a:solidFill>
+                  <a:schemeClr val="bg1">
+                    <a:lumMod val="75000"/>
+                  </a:schemeClr>
+                </a:solidFill>
+              </a:rPr>
+              <a:t>pivot</a:t>
+            </a:r>
+            <a:r>
+              <a:rPr lang="pt-BR" sz="2400" dirty="0">
+                <a:solidFill>
+                  <a:schemeClr val="bg1">
+                    <a:lumMod val="75000"/>
+                  </a:schemeClr>
+                </a:solidFill>
+              </a:rPr>
+              <a:t> points</a:t>
+            </a:r>
+          </a:p>
+          <a:p>
+            <a:pPr marL="800100" lvl="1" indent="-342900">
+              <a:buFont typeface="Arial" panose="020B0604020202020204" pitchFamily="34" charset="0"/>
+              <a:buChar char="•"/>
+            </a:pPr>
+            <a:r>
+              <a:rPr lang="pt-BR" sz="2400" dirty="0"/>
+              <a:t>Depois variamos o </a:t>
+            </a:r>
+            <a:r>
+              <a:rPr lang="pt-BR" sz="2400" dirty="0" err="1"/>
+              <a:t>slope</a:t>
+            </a:r>
+            <a:r>
+              <a:rPr lang="pt-BR" sz="2400" dirty="0"/>
+              <a:t> dessas duas retas, forçando que ela passa pelos </a:t>
+            </a:r>
+            <a:r>
+              <a:rPr lang="pt-BR" sz="2400" dirty="0" err="1"/>
+              <a:t>pivot</a:t>
+            </a:r>
+            <a:r>
+              <a:rPr lang="pt-BR" sz="2400" dirty="0"/>
+              <a:t> points, até encontrar o </a:t>
+            </a:r>
+            <a:r>
+              <a:rPr lang="pt-BR" sz="2400" dirty="0" err="1"/>
+              <a:t>slope</a:t>
+            </a:r>
+            <a:r>
+              <a:rPr lang="pt-BR" sz="2400" dirty="0"/>
+              <a:t> cujas somas  das distâncias para os demais points seja a mínima, sem que a reta cruze o gráfico</a:t>
+            </a:r>
+          </a:p>
+        </p:txBody>
+      </p:sp>
     </p:spTree>
     <p:extLst>
       <p:ext uri="{BB962C8B-B14F-4D97-AF65-F5344CB8AC3E}">
-        <p14:creationId xmlns:p14="http://schemas.microsoft.com/office/powerpoint/2010/main" val="2583859889"/>
+        <p14:creationId xmlns:p14="http://schemas.microsoft.com/office/powerpoint/2010/main" val="465973810"/>
       </p:ext>
     </p:extLst>
   </p:cSld>
@@ -5659,53 +8939,12 @@
           <a:chExt cx="0" cy="0"/>
         </a:xfrm>
       </p:grpSpPr>
-      <p:sp>
-        <p:nvSpPr>
-          <p:cNvPr id="3" name="CaixaDeTexto 2">
-            <a:extLst>
-              <a:ext uri="{FF2B5EF4-FFF2-40B4-BE49-F238E27FC236}">
-                <a16:creationId xmlns:a16="http://schemas.microsoft.com/office/drawing/2014/main" id="{7EBAD6C7-E7A0-DD84-F3A5-D03C91E593F6}"/>
-              </a:ext>
-            </a:extLst>
-          </p:cNvPr>
-          <p:cNvSpPr txBox="1"/>
-          <p:nvPr/>
-        </p:nvSpPr>
-        <p:spPr>
-          <a:xfrm>
-            <a:off x="1219200" y="603341"/>
-            <a:ext cx="9753600" cy="1323439"/>
-          </a:xfrm>
-          <a:prstGeom prst="rect">
-            <a:avLst/>
-          </a:prstGeom>
-          <a:noFill/>
-          <a:ln>
-            <a:solidFill>
-              <a:schemeClr val="tx1"/>
-            </a:solidFill>
-          </a:ln>
-        </p:spPr>
-        <p:txBody>
-          <a:bodyPr wrap="square" rtlCol="0">
-            <a:spAutoFit/>
-          </a:bodyPr>
-          <a:lstStyle/>
-          <a:p>
-            <a:pPr algn="ctr"/>
-            <a:r>
-              <a:rPr lang="pt-BR" sz="4000" dirty="0"/>
-              <a:t>Podemos aumentar a ordem dos pontos de máximo e mínimo de 6 para 7:</a:t>
-            </a:r>
-          </a:p>
-        </p:txBody>
-      </p:sp>
       <p:pic>
         <p:nvPicPr>
           <p:cNvPr id="5" name="Imagem 4">
             <a:extLst>
               <a:ext uri="{FF2B5EF4-FFF2-40B4-BE49-F238E27FC236}">
-                <a16:creationId xmlns:a16="http://schemas.microsoft.com/office/drawing/2014/main" id="{637C0FCC-AFDD-8975-5050-F1D8414A6489}"/>
+                <a16:creationId xmlns:a16="http://schemas.microsoft.com/office/drawing/2014/main" id="{ACDFD2D6-3702-3088-1A4E-EDB92B0763D3}"/>
               </a:ext>
             </a:extLst>
           </p:cNvPr>
@@ -5716,23 +8955,204 @@
         </p:nvPicPr>
         <p:blipFill rotWithShape="1">
           <a:blip r:embed="rId2"/>
-          <a:srcRect l="1061" t="2873" r="2893" b="3845"/>
+          <a:srcRect l="8818" r="56935" b="27061"/>
           <a:stretch/>
         </p:blipFill>
         <p:spPr>
           <a:xfrm>
-            <a:off x="515938" y="2060575"/>
-            <a:ext cx="11233150" cy="3708400"/>
+            <a:off x="1604866" y="785892"/>
+            <a:ext cx="8341567" cy="5761801"/>
           </a:xfrm>
           <a:prstGeom prst="rect">
             <a:avLst/>
           </a:prstGeom>
         </p:spPr>
       </p:pic>
+      <p:sp>
+        <p:nvSpPr>
+          <p:cNvPr id="3" name="Retângulo 2">
+            <a:extLst>
+              <a:ext uri="{FF2B5EF4-FFF2-40B4-BE49-F238E27FC236}">
+                <a16:creationId xmlns:a16="http://schemas.microsoft.com/office/drawing/2014/main" id="{424B2F54-DFA4-3353-3D20-D15BB2484255}"/>
+              </a:ext>
+            </a:extLst>
+          </p:cNvPr>
+          <p:cNvSpPr/>
+          <p:nvPr/>
+        </p:nvSpPr>
+        <p:spPr>
+          <a:xfrm>
+            <a:off x="4833257" y="1520890"/>
+            <a:ext cx="1978090" cy="3753076"/>
+          </a:xfrm>
+          <a:prstGeom prst="rect">
+            <a:avLst/>
+          </a:prstGeom>
+          <a:noFill/>
+          <a:ln>
+            <a:solidFill>
+              <a:srgbClr val="FFFF00"/>
+            </a:solidFill>
+          </a:ln>
+        </p:spPr>
+        <p:style>
+          <a:lnRef idx="2">
+            <a:schemeClr val="accent1">
+              <a:shade val="15000"/>
+            </a:schemeClr>
+          </a:lnRef>
+          <a:fillRef idx="1">
+            <a:schemeClr val="accent1"/>
+          </a:fillRef>
+          <a:effectRef idx="0">
+            <a:schemeClr val="accent1"/>
+          </a:effectRef>
+          <a:fontRef idx="minor">
+            <a:schemeClr val="lt1"/>
+          </a:fontRef>
+        </p:style>
+        <p:txBody>
+          <a:bodyPr rtlCol="0" anchor="ctr"/>
+          <a:lstStyle/>
+          <a:p>
+            <a:pPr algn="ctr"/>
+            <a:endParaRPr lang="pt-BR"/>
+          </a:p>
+        </p:txBody>
+      </p:sp>
+      <p:cxnSp>
+        <p:nvCxnSpPr>
+          <p:cNvPr id="6" name="Conector reto 5">
+            <a:extLst>
+              <a:ext uri="{FF2B5EF4-FFF2-40B4-BE49-F238E27FC236}">
+                <a16:creationId xmlns:a16="http://schemas.microsoft.com/office/drawing/2014/main" id="{941743EC-722E-04C3-E137-DAF5B2736A3E}"/>
+              </a:ext>
+            </a:extLst>
+          </p:cNvPr>
+          <p:cNvCxnSpPr>
+            <a:cxnSpLocks/>
+          </p:cNvCxnSpPr>
+          <p:nvPr/>
+        </p:nvCxnSpPr>
+        <p:spPr>
+          <a:xfrm flipV="1">
+            <a:off x="4833257" y="2444620"/>
+            <a:ext cx="1978090" cy="1955930"/>
+          </a:xfrm>
+          <a:prstGeom prst="line">
+            <a:avLst/>
+          </a:prstGeom>
+          <a:ln w="9525">
+            <a:solidFill>
+              <a:srgbClr val="FF0000"/>
+            </a:solidFill>
+          </a:ln>
+        </p:spPr>
+        <p:style>
+          <a:lnRef idx="1">
+            <a:schemeClr val="accent1"/>
+          </a:lnRef>
+          <a:fillRef idx="0">
+            <a:schemeClr val="accent1"/>
+          </a:fillRef>
+          <a:effectRef idx="0">
+            <a:schemeClr val="accent1"/>
+          </a:effectRef>
+          <a:fontRef idx="minor">
+            <a:schemeClr val="tx1"/>
+          </a:fontRef>
+        </p:style>
+      </p:cxnSp>
+      <p:cxnSp>
+        <p:nvCxnSpPr>
+          <p:cNvPr id="2" name="Conector reto 1">
+            <a:extLst>
+              <a:ext uri="{FF2B5EF4-FFF2-40B4-BE49-F238E27FC236}">
+                <a16:creationId xmlns:a16="http://schemas.microsoft.com/office/drawing/2014/main" id="{F5F5E0FD-7721-B6A1-EEE6-E3BD0D3746C2}"/>
+              </a:ext>
+            </a:extLst>
+          </p:cNvPr>
+          <p:cNvCxnSpPr>
+            <a:cxnSpLocks/>
+          </p:cNvCxnSpPr>
+          <p:nvPr/>
+        </p:nvCxnSpPr>
+        <p:spPr>
+          <a:xfrm flipV="1">
+            <a:off x="5262465" y="2668555"/>
+            <a:ext cx="1548882" cy="2295331"/>
+          </a:xfrm>
+          <a:prstGeom prst="line">
+            <a:avLst/>
+          </a:prstGeom>
+          <a:ln w="44450">
+            <a:solidFill>
+              <a:srgbClr val="FF0000"/>
+            </a:solidFill>
+          </a:ln>
+        </p:spPr>
+        <p:style>
+          <a:lnRef idx="1">
+            <a:schemeClr val="accent1"/>
+          </a:lnRef>
+          <a:fillRef idx="0">
+            <a:schemeClr val="accent1"/>
+          </a:fillRef>
+          <a:effectRef idx="0">
+            <a:schemeClr val="accent1"/>
+          </a:effectRef>
+          <a:fontRef idx="minor">
+            <a:schemeClr val="tx1"/>
+          </a:fontRef>
+        </p:style>
+      </p:cxnSp>
+      <p:cxnSp>
+        <p:nvCxnSpPr>
+          <p:cNvPr id="4" name="Conector reto 3">
+            <a:extLst>
+              <a:ext uri="{FF2B5EF4-FFF2-40B4-BE49-F238E27FC236}">
+                <a16:creationId xmlns:a16="http://schemas.microsoft.com/office/drawing/2014/main" id="{434E7175-64A3-34E7-E9F9-E428DCC4AF15}"/>
+              </a:ext>
+            </a:extLst>
+          </p:cNvPr>
+          <p:cNvCxnSpPr>
+            <a:cxnSpLocks/>
+          </p:cNvCxnSpPr>
+          <p:nvPr/>
+        </p:nvCxnSpPr>
+        <p:spPr>
+          <a:xfrm flipV="1">
+            <a:off x="4907902" y="1866122"/>
+            <a:ext cx="1903445" cy="1408923"/>
+          </a:xfrm>
+          <a:prstGeom prst="line">
+            <a:avLst/>
+          </a:prstGeom>
+          <a:ln w="44450">
+            <a:solidFill>
+              <a:srgbClr val="FF0000"/>
+            </a:solidFill>
+          </a:ln>
+        </p:spPr>
+        <p:style>
+          <a:lnRef idx="1">
+            <a:schemeClr val="accent1"/>
+          </a:lnRef>
+          <a:fillRef idx="0">
+            <a:schemeClr val="accent1"/>
+          </a:fillRef>
+          <a:effectRef idx="0">
+            <a:schemeClr val="accent1"/>
+          </a:effectRef>
+          <a:fontRef idx="minor">
+            <a:schemeClr val="tx1"/>
+          </a:fontRef>
+        </p:style>
+      </p:cxnSp>
     </p:spTree>
     <p:extLst>
       <p:ext uri="{BB962C8B-B14F-4D97-AF65-F5344CB8AC3E}">
-        <p14:creationId xmlns:p14="http://schemas.microsoft.com/office/powerpoint/2010/main" val="3169480333"/>
+        <p14:creationId xmlns:p14="http://schemas.microsoft.com/office/powerpoint/2010/main" val="3204687714"/>
       </p:ext>
     </p:extLst>
   </p:cSld>
